--- a/docs/RMD-Presentation.pptx
+++ b/docs/RMD-Presentation.pptx
@@ -5,28 +5,29 @@
     <p:sldMasterId id="2147483660" r:id="rId4"/>
   </p:sldMasterIdLst>
   <p:notesMasterIdLst>
-    <p:notesMasterId r:id="rId21"/>
+    <p:notesMasterId r:id="rId22"/>
   </p:notesMasterIdLst>
   <p:handoutMasterIdLst>
-    <p:handoutMasterId r:id="rId22"/>
+    <p:handoutMasterId r:id="rId23"/>
   </p:handoutMasterIdLst>
   <p:sldIdLst>
     <p:sldId id="299" r:id="rId5"/>
-    <p:sldId id="295" r:id="rId6"/>
-    <p:sldId id="297" r:id="rId7"/>
-    <p:sldId id="281" r:id="rId8"/>
-    <p:sldId id="293" r:id="rId9"/>
-    <p:sldId id="268" r:id="rId10"/>
-    <p:sldId id="282" r:id="rId11"/>
-    <p:sldId id="283" r:id="rId12"/>
-    <p:sldId id="284" r:id="rId13"/>
-    <p:sldId id="285" r:id="rId14"/>
-    <p:sldId id="294" r:id="rId15"/>
-    <p:sldId id="272" r:id="rId16"/>
-    <p:sldId id="286" r:id="rId17"/>
-    <p:sldId id="289" r:id="rId18"/>
-    <p:sldId id="290" r:id="rId19"/>
-    <p:sldId id="291" r:id="rId20"/>
+    <p:sldId id="300" r:id="rId6"/>
+    <p:sldId id="295" r:id="rId7"/>
+    <p:sldId id="297" r:id="rId8"/>
+    <p:sldId id="281" r:id="rId9"/>
+    <p:sldId id="293" r:id="rId10"/>
+    <p:sldId id="268" r:id="rId11"/>
+    <p:sldId id="282" r:id="rId12"/>
+    <p:sldId id="283" r:id="rId13"/>
+    <p:sldId id="284" r:id="rId14"/>
+    <p:sldId id="285" r:id="rId15"/>
+    <p:sldId id="294" r:id="rId16"/>
+    <p:sldId id="272" r:id="rId17"/>
+    <p:sldId id="286" r:id="rId18"/>
+    <p:sldId id="289" r:id="rId19"/>
+    <p:sldId id="290" r:id="rId20"/>
+    <p:sldId id="291" r:id="rId21"/>
   </p:sldIdLst>
   <p:sldSz cx="12188825" cy="6858000"/>
   <p:notesSz cx="6858000" cy="9296400"/>
@@ -128,12 +129,12 @@
   <p:extLst>
     <p:ext uri="{EFAFB233-063F-42B5-8137-9DF3F51BA10A}">
       <p15:sldGuideLst xmlns:p15="http://schemas.microsoft.com/office/powerpoint/2012/main">
-        <p15:guide id="1" orient="horz" pos="2160">
+        <p15:guide id="1" orient="horz" pos="2160" userDrawn="1">
           <p15:clr>
             <a:srgbClr val="A4A3A4"/>
           </p15:clr>
         </p15:guide>
-        <p15:guide id="5" pos="3839">
+        <p15:guide id="5" pos="3839" userDrawn="1">
           <p15:clr>
             <a:srgbClr val="A4A3A4"/>
           </p15:clr>
@@ -161,13 +162,665 @@
 <file path=ppt/revisionInfo.xml><?xml version="1.0" encoding="utf-8"?>
 <p1510:revInfo xmlns:a="http://schemas.openxmlformats.org/drawingml/2006/main" xmlns:r="http://schemas.openxmlformats.org/officeDocument/2006/relationships" xmlns:p1510="http://schemas.microsoft.com/office/powerpoint/2015/10/main">
   <p1510:revLst>
-    <p1510:client id="{9D51384A-06A3-4410-8BBF-4FD5D23211D3}" v="3" dt="2020-03-29T20:15:29.010"/>
+    <p1510:client id="{9D51384A-06A3-4410-8BBF-4FD5D23211D3}" v="31" dt="2020-03-30T14:30:00.324"/>
   </p1510:revLst>
 </p1510:revInfo>
 </file>
 
 <file path=ppt/changesInfos/changesInfo1.xml><?xml version="1.0" encoding="utf-8"?>
 <pc:chgInfo xmlns:a="http://schemas.openxmlformats.org/drawingml/2006/main" xmlns:r="http://schemas.openxmlformats.org/officeDocument/2006/relationships" xmlns:ac="http://schemas.microsoft.com/office/drawing/2013/main/command" xmlns:pc="http://schemas.microsoft.com/office/powerpoint/2013/main/command">
+  <pc:docChgLst>
+    <pc:chgData name="Belinsky, Charles" userId="df390934-7dca-40c8-90db-c8d8d67e4ef2" providerId="ADAL" clId="{9D51384A-06A3-4410-8BBF-4FD5D23211D3}"/>
+    <pc:docChg chg="undo custSel addSld modSld modMainMaster modShowInfo">
+      <pc:chgData name="Belinsky, Charles" userId="df390934-7dca-40c8-90db-c8d8d67e4ef2" providerId="ADAL" clId="{9D51384A-06A3-4410-8BBF-4FD5D23211D3}" dt="2020-03-30T14:31:27.832" v="3795" actId="20577"/>
+      <pc:docMkLst>
+        <pc:docMk/>
+      </pc:docMkLst>
+      <pc:sldChg chg="modSp mod modNotesTx">
+        <pc:chgData name="Belinsky, Charles" userId="df390934-7dca-40c8-90db-c8d8d67e4ef2" providerId="ADAL" clId="{9D51384A-06A3-4410-8BBF-4FD5D23211D3}" dt="2020-03-30T13:30:44.964" v="1784" actId="20577"/>
+        <pc:sldMkLst>
+          <pc:docMk/>
+          <pc:sldMk cId="3529114326" sldId="268"/>
+        </pc:sldMkLst>
+        <pc:spChg chg="mod">
+          <ac:chgData name="Belinsky, Charles" userId="df390934-7dca-40c8-90db-c8d8d67e4ef2" providerId="ADAL" clId="{9D51384A-06A3-4410-8BBF-4FD5D23211D3}" dt="2020-03-30T13:30:44.964" v="1784" actId="20577"/>
+          <ac:spMkLst>
+            <pc:docMk/>
+            <pc:sldMk cId="3529114326" sldId="268"/>
+            <ac:spMk id="14" creationId="{00000000-0000-0000-0000-000000000000}"/>
+          </ac:spMkLst>
+        </pc:spChg>
+      </pc:sldChg>
+      <pc:sldChg chg="modSp mod modNotesTx">
+        <pc:chgData name="Belinsky, Charles" userId="df390934-7dca-40c8-90db-c8d8d67e4ef2" providerId="ADAL" clId="{9D51384A-06A3-4410-8BBF-4FD5D23211D3}" dt="2020-03-30T14:03:35.790" v="3216" actId="20577"/>
+        <pc:sldMkLst>
+          <pc:docMk/>
+          <pc:sldMk cId="2895583067" sldId="272"/>
+        </pc:sldMkLst>
+        <pc:spChg chg="mod">
+          <ac:chgData name="Belinsky, Charles" userId="df390934-7dca-40c8-90db-c8d8d67e4ef2" providerId="ADAL" clId="{9D51384A-06A3-4410-8BBF-4FD5D23211D3}" dt="2020-03-30T14:01:47.746" v="3166" actId="20577"/>
+          <ac:spMkLst>
+            <pc:docMk/>
+            <pc:sldMk cId="2895583067" sldId="272"/>
+            <ac:spMk id="14" creationId="{00000000-0000-0000-0000-000000000000}"/>
+          </ac:spMkLst>
+        </pc:spChg>
+      </pc:sldChg>
+      <pc:sldChg chg="modSp mod modNotesTx">
+        <pc:chgData name="Belinsky, Charles" userId="df390934-7dca-40c8-90db-c8d8d67e4ef2" providerId="ADAL" clId="{9D51384A-06A3-4410-8BBF-4FD5D23211D3}" dt="2020-03-30T13:20:09.636" v="1161" actId="20577"/>
+        <pc:sldMkLst>
+          <pc:docMk/>
+          <pc:sldMk cId="2270281720" sldId="281"/>
+        </pc:sldMkLst>
+        <pc:spChg chg="mod">
+          <ac:chgData name="Belinsky, Charles" userId="df390934-7dca-40c8-90db-c8d8d67e4ef2" providerId="ADAL" clId="{9D51384A-06A3-4410-8BBF-4FD5D23211D3}" dt="2020-03-30T13:19:41.461" v="1089" actId="20577"/>
+          <ac:spMkLst>
+            <pc:docMk/>
+            <pc:sldMk cId="2270281720" sldId="281"/>
+            <ac:spMk id="14" creationId="{00000000-0000-0000-0000-000000000000}"/>
+          </ac:spMkLst>
+        </pc:spChg>
+      </pc:sldChg>
+      <pc:sldChg chg="modSp mod modNotesTx">
+        <pc:chgData name="Belinsky, Charles" userId="df390934-7dca-40c8-90db-c8d8d67e4ef2" providerId="ADAL" clId="{9D51384A-06A3-4410-8BBF-4FD5D23211D3}" dt="2020-03-30T13:36:56.251" v="2070" actId="20577"/>
+        <pc:sldMkLst>
+          <pc:docMk/>
+          <pc:sldMk cId="2286440866" sldId="282"/>
+        </pc:sldMkLst>
+        <pc:spChg chg="mod">
+          <ac:chgData name="Belinsky, Charles" userId="df390934-7dca-40c8-90db-c8d8d67e4ef2" providerId="ADAL" clId="{9D51384A-06A3-4410-8BBF-4FD5D23211D3}" dt="2020-03-30T13:31:34.547" v="1823" actId="20577"/>
+          <ac:spMkLst>
+            <pc:docMk/>
+            <pc:sldMk cId="2286440866" sldId="282"/>
+            <ac:spMk id="13" creationId="{00000000-0000-0000-0000-000000000000}"/>
+          </ac:spMkLst>
+        </pc:spChg>
+        <pc:spChg chg="mod">
+          <ac:chgData name="Belinsky, Charles" userId="df390934-7dca-40c8-90db-c8d8d67e4ef2" providerId="ADAL" clId="{9D51384A-06A3-4410-8BBF-4FD5D23211D3}" dt="2020-03-30T13:36:56.251" v="2070" actId="20577"/>
+          <ac:spMkLst>
+            <pc:docMk/>
+            <pc:sldMk cId="2286440866" sldId="282"/>
+            <ac:spMk id="14" creationId="{00000000-0000-0000-0000-000000000000}"/>
+          </ac:spMkLst>
+        </pc:spChg>
+      </pc:sldChg>
+      <pc:sldChg chg="modSp mod modNotesTx">
+        <pc:chgData name="Belinsky, Charles" userId="df390934-7dca-40c8-90db-c8d8d67e4ef2" providerId="ADAL" clId="{9D51384A-06A3-4410-8BBF-4FD5D23211D3}" dt="2020-03-30T13:41:03.092" v="2299" actId="20577"/>
+        <pc:sldMkLst>
+          <pc:docMk/>
+          <pc:sldMk cId="1411325298" sldId="283"/>
+        </pc:sldMkLst>
+        <pc:spChg chg="mod">
+          <ac:chgData name="Belinsky, Charles" userId="df390934-7dca-40c8-90db-c8d8d67e4ef2" providerId="ADAL" clId="{9D51384A-06A3-4410-8BBF-4FD5D23211D3}" dt="2020-03-30T13:37:30.402" v="2084" actId="20577"/>
+          <ac:spMkLst>
+            <pc:docMk/>
+            <pc:sldMk cId="1411325298" sldId="283"/>
+            <ac:spMk id="13" creationId="{00000000-0000-0000-0000-000000000000}"/>
+          </ac:spMkLst>
+        </pc:spChg>
+        <pc:spChg chg="mod">
+          <ac:chgData name="Belinsky, Charles" userId="df390934-7dca-40c8-90db-c8d8d67e4ef2" providerId="ADAL" clId="{9D51384A-06A3-4410-8BBF-4FD5D23211D3}" dt="2020-03-30T13:41:03.092" v="2299" actId="20577"/>
+          <ac:spMkLst>
+            <pc:docMk/>
+            <pc:sldMk cId="1411325298" sldId="283"/>
+            <ac:spMk id="14" creationId="{00000000-0000-0000-0000-000000000000}"/>
+          </ac:spMkLst>
+        </pc:spChg>
+      </pc:sldChg>
+      <pc:sldChg chg="modSp mod modNotesTx">
+        <pc:chgData name="Belinsky, Charles" userId="df390934-7dca-40c8-90db-c8d8d67e4ef2" providerId="ADAL" clId="{9D51384A-06A3-4410-8BBF-4FD5D23211D3}" dt="2020-03-30T13:48:11.321" v="2791" actId="20577"/>
+        <pc:sldMkLst>
+          <pc:docMk/>
+          <pc:sldMk cId="3569865002" sldId="284"/>
+        </pc:sldMkLst>
+        <pc:spChg chg="mod">
+          <ac:chgData name="Belinsky, Charles" userId="df390934-7dca-40c8-90db-c8d8d67e4ef2" providerId="ADAL" clId="{9D51384A-06A3-4410-8BBF-4FD5D23211D3}" dt="2020-03-30T00:54:33.091" v="37"/>
+          <ac:spMkLst>
+            <pc:docMk/>
+            <pc:sldMk cId="3569865002" sldId="284"/>
+            <ac:spMk id="13" creationId="{00000000-0000-0000-0000-000000000000}"/>
+          </ac:spMkLst>
+        </pc:spChg>
+        <pc:spChg chg="mod">
+          <ac:chgData name="Belinsky, Charles" userId="df390934-7dca-40c8-90db-c8d8d67e4ef2" providerId="ADAL" clId="{9D51384A-06A3-4410-8BBF-4FD5D23211D3}" dt="2020-03-30T13:47:29.267" v="2667" actId="27636"/>
+          <ac:spMkLst>
+            <pc:docMk/>
+            <pc:sldMk cId="3569865002" sldId="284"/>
+            <ac:spMk id="14" creationId="{00000000-0000-0000-0000-000000000000}"/>
+          </ac:spMkLst>
+        </pc:spChg>
+      </pc:sldChg>
+      <pc:sldChg chg="modSp mod">
+        <pc:chgData name="Belinsky, Charles" userId="df390934-7dca-40c8-90db-c8d8d67e4ef2" providerId="ADAL" clId="{9D51384A-06A3-4410-8BBF-4FD5D23211D3}" dt="2020-03-30T13:51:47.626" v="2863" actId="20577"/>
+        <pc:sldMkLst>
+          <pc:docMk/>
+          <pc:sldMk cId="4124782566" sldId="285"/>
+        </pc:sldMkLst>
+        <pc:spChg chg="mod">
+          <ac:chgData name="Belinsky, Charles" userId="df390934-7dca-40c8-90db-c8d8d67e4ef2" providerId="ADAL" clId="{9D51384A-06A3-4410-8BBF-4FD5D23211D3}" dt="2020-03-30T00:54:33.091" v="37"/>
+          <ac:spMkLst>
+            <pc:docMk/>
+            <pc:sldMk cId="4124782566" sldId="285"/>
+            <ac:spMk id="13" creationId="{00000000-0000-0000-0000-000000000000}"/>
+          </ac:spMkLst>
+        </pc:spChg>
+        <pc:spChg chg="mod">
+          <ac:chgData name="Belinsky, Charles" userId="df390934-7dca-40c8-90db-c8d8d67e4ef2" providerId="ADAL" clId="{9D51384A-06A3-4410-8BBF-4FD5D23211D3}" dt="2020-03-30T13:51:47.626" v="2863" actId="20577"/>
+          <ac:spMkLst>
+            <pc:docMk/>
+            <pc:sldMk cId="4124782566" sldId="285"/>
+            <ac:spMk id="14" creationId="{00000000-0000-0000-0000-000000000000}"/>
+          </ac:spMkLst>
+        </pc:spChg>
+      </pc:sldChg>
+      <pc:sldChg chg="modSp mod">
+        <pc:chgData name="Belinsky, Charles" userId="df390934-7dca-40c8-90db-c8d8d67e4ef2" providerId="ADAL" clId="{9D51384A-06A3-4410-8BBF-4FD5D23211D3}" dt="2020-03-30T14:08:33.730" v="3316" actId="20577"/>
+        <pc:sldMkLst>
+          <pc:docMk/>
+          <pc:sldMk cId="3272729281" sldId="286"/>
+        </pc:sldMkLst>
+        <pc:spChg chg="mod">
+          <ac:chgData name="Belinsky, Charles" userId="df390934-7dca-40c8-90db-c8d8d67e4ef2" providerId="ADAL" clId="{9D51384A-06A3-4410-8BBF-4FD5D23211D3}" dt="2020-03-30T00:54:33.091" v="37"/>
+          <ac:spMkLst>
+            <pc:docMk/>
+            <pc:sldMk cId="3272729281" sldId="286"/>
+            <ac:spMk id="13" creationId="{00000000-0000-0000-0000-000000000000}"/>
+          </ac:spMkLst>
+        </pc:spChg>
+        <pc:spChg chg="mod">
+          <ac:chgData name="Belinsky, Charles" userId="df390934-7dca-40c8-90db-c8d8d67e4ef2" providerId="ADAL" clId="{9D51384A-06A3-4410-8BBF-4FD5D23211D3}" dt="2020-03-30T14:08:33.730" v="3316" actId="20577"/>
+          <ac:spMkLst>
+            <pc:docMk/>
+            <pc:sldMk cId="3272729281" sldId="286"/>
+            <ac:spMk id="14" creationId="{00000000-0000-0000-0000-000000000000}"/>
+          </ac:spMkLst>
+        </pc:spChg>
+      </pc:sldChg>
+      <pc:sldChg chg="modSp mod modNotesTx">
+        <pc:chgData name="Belinsky, Charles" userId="df390934-7dca-40c8-90db-c8d8d67e4ef2" providerId="ADAL" clId="{9D51384A-06A3-4410-8BBF-4FD5D23211D3}" dt="2020-03-30T14:27:54.781" v="3445" actId="27636"/>
+        <pc:sldMkLst>
+          <pc:docMk/>
+          <pc:sldMk cId="1509648475" sldId="289"/>
+        </pc:sldMkLst>
+        <pc:spChg chg="mod">
+          <ac:chgData name="Belinsky, Charles" userId="df390934-7dca-40c8-90db-c8d8d67e4ef2" providerId="ADAL" clId="{9D51384A-06A3-4410-8BBF-4FD5D23211D3}" dt="2020-03-30T00:54:33.091" v="37"/>
+          <ac:spMkLst>
+            <pc:docMk/>
+            <pc:sldMk cId="1509648475" sldId="289"/>
+            <ac:spMk id="13" creationId="{00000000-0000-0000-0000-000000000000}"/>
+          </ac:spMkLst>
+        </pc:spChg>
+        <pc:spChg chg="mod">
+          <ac:chgData name="Belinsky, Charles" userId="df390934-7dca-40c8-90db-c8d8d67e4ef2" providerId="ADAL" clId="{9D51384A-06A3-4410-8BBF-4FD5D23211D3}" dt="2020-03-30T14:27:54.781" v="3445" actId="27636"/>
+          <ac:spMkLst>
+            <pc:docMk/>
+            <pc:sldMk cId="1509648475" sldId="289"/>
+            <ac:spMk id="14" creationId="{00000000-0000-0000-0000-000000000000}"/>
+          </ac:spMkLst>
+        </pc:spChg>
+      </pc:sldChg>
+      <pc:sldChg chg="modSp mod modNotesTx">
+        <pc:chgData name="Belinsky, Charles" userId="df390934-7dca-40c8-90db-c8d8d67e4ef2" providerId="ADAL" clId="{9D51384A-06A3-4410-8BBF-4FD5D23211D3}" dt="2020-03-30T14:29:12.304" v="3575" actId="20577"/>
+        <pc:sldMkLst>
+          <pc:docMk/>
+          <pc:sldMk cId="3969417241" sldId="290"/>
+        </pc:sldMkLst>
+        <pc:spChg chg="mod">
+          <ac:chgData name="Belinsky, Charles" userId="df390934-7dca-40c8-90db-c8d8d67e4ef2" providerId="ADAL" clId="{9D51384A-06A3-4410-8BBF-4FD5D23211D3}" dt="2020-03-30T00:54:33.091" v="37"/>
+          <ac:spMkLst>
+            <pc:docMk/>
+            <pc:sldMk cId="3969417241" sldId="290"/>
+            <ac:spMk id="13" creationId="{00000000-0000-0000-0000-000000000000}"/>
+          </ac:spMkLst>
+        </pc:spChg>
+        <pc:spChg chg="mod">
+          <ac:chgData name="Belinsky, Charles" userId="df390934-7dca-40c8-90db-c8d8d67e4ef2" providerId="ADAL" clId="{9D51384A-06A3-4410-8BBF-4FD5D23211D3}" dt="2020-03-30T14:28:50.512" v="3529" actId="20577"/>
+          <ac:spMkLst>
+            <pc:docMk/>
+            <pc:sldMk cId="3969417241" sldId="290"/>
+            <ac:spMk id="14" creationId="{00000000-0000-0000-0000-000000000000}"/>
+          </ac:spMkLst>
+        </pc:spChg>
+      </pc:sldChg>
+      <pc:sldChg chg="modSp mod modNotesTx">
+        <pc:chgData name="Belinsky, Charles" userId="df390934-7dca-40c8-90db-c8d8d67e4ef2" providerId="ADAL" clId="{9D51384A-06A3-4410-8BBF-4FD5D23211D3}" dt="2020-03-30T14:31:27.832" v="3795" actId="20577"/>
+        <pc:sldMkLst>
+          <pc:docMk/>
+          <pc:sldMk cId="2875170762" sldId="291"/>
+        </pc:sldMkLst>
+        <pc:spChg chg="mod">
+          <ac:chgData name="Belinsky, Charles" userId="df390934-7dca-40c8-90db-c8d8d67e4ef2" providerId="ADAL" clId="{9D51384A-06A3-4410-8BBF-4FD5D23211D3}" dt="2020-03-30T00:54:33.091" v="37"/>
+          <ac:spMkLst>
+            <pc:docMk/>
+            <pc:sldMk cId="2875170762" sldId="291"/>
+            <ac:spMk id="13" creationId="{00000000-0000-0000-0000-000000000000}"/>
+          </ac:spMkLst>
+        </pc:spChg>
+        <pc:spChg chg="mod">
+          <ac:chgData name="Belinsky, Charles" userId="df390934-7dca-40c8-90db-c8d8d67e4ef2" providerId="ADAL" clId="{9D51384A-06A3-4410-8BBF-4FD5D23211D3}" dt="2020-03-30T14:31:17.640" v="3759" actId="20577"/>
+          <ac:spMkLst>
+            <pc:docMk/>
+            <pc:sldMk cId="2875170762" sldId="291"/>
+            <ac:spMk id="14" creationId="{00000000-0000-0000-0000-000000000000}"/>
+          </ac:spMkLst>
+        </pc:spChg>
+      </pc:sldChg>
+      <pc:sldChg chg="modSp mod modNotesTx">
+        <pc:chgData name="Belinsky, Charles" userId="df390934-7dca-40c8-90db-c8d8d67e4ef2" providerId="ADAL" clId="{9D51384A-06A3-4410-8BBF-4FD5D23211D3}" dt="2020-03-30T13:28:23.283" v="1654" actId="20577"/>
+        <pc:sldMkLst>
+          <pc:docMk/>
+          <pc:sldMk cId="1690464180" sldId="293"/>
+        </pc:sldMkLst>
+        <pc:spChg chg="mod">
+          <ac:chgData name="Belinsky, Charles" userId="df390934-7dca-40c8-90db-c8d8d67e4ef2" providerId="ADAL" clId="{9D51384A-06A3-4410-8BBF-4FD5D23211D3}" dt="2020-03-30T13:28:23.283" v="1654" actId="20577"/>
+          <ac:spMkLst>
+            <pc:docMk/>
+            <pc:sldMk cId="1690464180" sldId="293"/>
+            <ac:spMk id="14" creationId="{00000000-0000-0000-0000-000000000000}"/>
+          </ac:spMkLst>
+        </pc:spChg>
+      </pc:sldChg>
+      <pc:sldChg chg="modSp mod">
+        <pc:chgData name="Belinsky, Charles" userId="df390934-7dca-40c8-90db-c8d8d67e4ef2" providerId="ADAL" clId="{9D51384A-06A3-4410-8BBF-4FD5D23211D3}" dt="2020-03-30T13:52:54.034" v="2902" actId="20577"/>
+        <pc:sldMkLst>
+          <pc:docMk/>
+          <pc:sldMk cId="2451106529" sldId="294"/>
+        </pc:sldMkLst>
+        <pc:spChg chg="mod">
+          <ac:chgData name="Belinsky, Charles" userId="df390934-7dca-40c8-90db-c8d8d67e4ef2" providerId="ADAL" clId="{9D51384A-06A3-4410-8BBF-4FD5D23211D3}" dt="2020-03-30T13:52:54.034" v="2902" actId="20577"/>
+          <ac:spMkLst>
+            <pc:docMk/>
+            <pc:sldMk cId="2451106529" sldId="294"/>
+            <ac:spMk id="13" creationId="{00000000-0000-0000-0000-000000000000}"/>
+          </ac:spMkLst>
+        </pc:spChg>
+        <pc:spChg chg="mod">
+          <ac:chgData name="Belinsky, Charles" userId="df390934-7dca-40c8-90db-c8d8d67e4ef2" providerId="ADAL" clId="{9D51384A-06A3-4410-8BBF-4FD5D23211D3}" dt="2020-03-30T13:52:48.243" v="2895" actId="20577"/>
+          <ac:spMkLst>
+            <pc:docMk/>
+            <pc:sldMk cId="2451106529" sldId="294"/>
+            <ac:spMk id="14" creationId="{00000000-0000-0000-0000-000000000000}"/>
+          </ac:spMkLst>
+        </pc:spChg>
+      </pc:sldChg>
+      <pc:sldChg chg="modSp mod">
+        <pc:chgData name="Belinsky, Charles" userId="df390934-7dca-40c8-90db-c8d8d67e4ef2" providerId="ADAL" clId="{9D51384A-06A3-4410-8BBF-4FD5D23211D3}" dt="2020-03-30T13:12:43.062" v="777" actId="114"/>
+        <pc:sldMkLst>
+          <pc:docMk/>
+          <pc:sldMk cId="2109213187" sldId="295"/>
+        </pc:sldMkLst>
+        <pc:spChg chg="mod">
+          <ac:chgData name="Belinsky, Charles" userId="df390934-7dca-40c8-90db-c8d8d67e4ef2" providerId="ADAL" clId="{9D51384A-06A3-4410-8BBF-4FD5D23211D3}" dt="2020-03-30T13:12:43.062" v="777" actId="114"/>
+          <ac:spMkLst>
+            <pc:docMk/>
+            <pc:sldMk cId="2109213187" sldId="295"/>
+            <ac:spMk id="3" creationId="{2B9EAD0A-1846-4726-B035-D80FCE534E6D}"/>
+          </ac:spMkLst>
+        </pc:spChg>
+      </pc:sldChg>
+      <pc:sldChg chg="modSp mod">
+        <pc:chgData name="Belinsky, Charles" userId="df390934-7dca-40c8-90db-c8d8d67e4ef2" providerId="ADAL" clId="{9D51384A-06A3-4410-8BBF-4FD5D23211D3}" dt="2020-03-30T13:14:29.629" v="785" actId="20577"/>
+        <pc:sldMkLst>
+          <pc:docMk/>
+          <pc:sldMk cId="139896278" sldId="297"/>
+        </pc:sldMkLst>
+        <pc:spChg chg="mod">
+          <ac:chgData name="Belinsky, Charles" userId="df390934-7dca-40c8-90db-c8d8d67e4ef2" providerId="ADAL" clId="{9D51384A-06A3-4410-8BBF-4FD5D23211D3}" dt="2020-03-30T13:14:29.629" v="785" actId="20577"/>
+          <ac:spMkLst>
+            <pc:docMk/>
+            <pc:sldMk cId="139896278" sldId="297"/>
+            <ac:spMk id="14" creationId="{00000000-0000-0000-0000-000000000000}"/>
+          </ac:spMkLst>
+        </pc:spChg>
+      </pc:sldChg>
+      <pc:sldChg chg="modSp mod modNotesTx">
+        <pc:chgData name="Belinsky, Charles" userId="df390934-7dca-40c8-90db-c8d8d67e4ef2" providerId="ADAL" clId="{9D51384A-06A3-4410-8BBF-4FD5D23211D3}" dt="2020-03-30T12:50:24.894" v="631" actId="6549"/>
+        <pc:sldMkLst>
+          <pc:docMk/>
+          <pc:sldMk cId="3336794585" sldId="299"/>
+        </pc:sldMkLst>
+        <pc:spChg chg="mod">
+          <ac:chgData name="Belinsky, Charles" userId="df390934-7dca-40c8-90db-c8d8d67e4ef2" providerId="ADAL" clId="{9D51384A-06A3-4410-8BBF-4FD5D23211D3}" dt="2020-03-30T12:37:37.190" v="255" actId="20577"/>
+          <ac:spMkLst>
+            <pc:docMk/>
+            <pc:sldMk cId="3336794585" sldId="299"/>
+            <ac:spMk id="2" creationId="{19F50E6F-E507-4124-857B-D1C5AC31FEB3}"/>
+          </ac:spMkLst>
+        </pc:spChg>
+        <pc:spChg chg="mod">
+          <ac:chgData name="Belinsky, Charles" userId="df390934-7dca-40c8-90db-c8d8d67e4ef2" providerId="ADAL" clId="{9D51384A-06A3-4410-8BBF-4FD5D23211D3}" dt="2020-03-30T12:50:24.894" v="631" actId="6549"/>
+          <ac:spMkLst>
+            <pc:docMk/>
+            <pc:sldMk cId="3336794585" sldId="299"/>
+            <ac:spMk id="3" creationId="{2B9EAD0A-1846-4726-B035-D80FCE534E6D}"/>
+          </ac:spMkLst>
+        </pc:spChg>
+      </pc:sldChg>
+      <pc:sldChg chg="modSp add mod modNotesTx">
+        <pc:chgData name="Belinsky, Charles" userId="df390934-7dca-40c8-90db-c8d8d67e4ef2" providerId="ADAL" clId="{9D51384A-06A3-4410-8BBF-4FD5D23211D3}" dt="2020-03-30T12:51:16.997" v="684" actId="20577"/>
+        <pc:sldMkLst>
+          <pc:docMk/>
+          <pc:sldMk cId="3229575491" sldId="300"/>
+        </pc:sldMkLst>
+        <pc:spChg chg="mod">
+          <ac:chgData name="Belinsky, Charles" userId="df390934-7dca-40c8-90db-c8d8d67e4ef2" providerId="ADAL" clId="{9D51384A-06A3-4410-8BBF-4FD5D23211D3}" dt="2020-03-30T12:50:45.239" v="632" actId="14100"/>
+          <ac:spMkLst>
+            <pc:docMk/>
+            <pc:sldMk cId="3229575491" sldId="300"/>
+            <ac:spMk id="2" creationId="{19F50E6F-E507-4124-857B-D1C5AC31FEB3}"/>
+          </ac:spMkLst>
+        </pc:spChg>
+        <pc:spChg chg="mod">
+          <ac:chgData name="Belinsky, Charles" userId="df390934-7dca-40c8-90db-c8d8d67e4ef2" providerId="ADAL" clId="{9D51384A-06A3-4410-8BBF-4FD5D23211D3}" dt="2020-03-30T12:50:56.139" v="635" actId="1076"/>
+          <ac:spMkLst>
+            <pc:docMk/>
+            <pc:sldMk cId="3229575491" sldId="300"/>
+            <ac:spMk id="3" creationId="{2B9EAD0A-1846-4726-B035-D80FCE534E6D}"/>
+          </ac:spMkLst>
+        </pc:spChg>
+      </pc:sldChg>
+      <pc:sldMasterChg chg="modSp modSldLayout">
+        <pc:chgData name="Belinsky, Charles" userId="df390934-7dca-40c8-90db-c8d8d67e4ef2" providerId="ADAL" clId="{9D51384A-06A3-4410-8BBF-4FD5D23211D3}" dt="2020-03-30T00:54:33.091" v="37"/>
+        <pc:sldMasterMkLst>
+          <pc:docMk/>
+          <pc:sldMasterMk cId="1395275884" sldId="2147483660"/>
+        </pc:sldMasterMkLst>
+        <pc:spChg chg="mod">
+          <ac:chgData name="Belinsky, Charles" userId="df390934-7dca-40c8-90db-c8d8d67e4ef2" providerId="ADAL" clId="{9D51384A-06A3-4410-8BBF-4FD5D23211D3}" dt="2020-03-30T00:54:33.091" v="37"/>
+          <ac:spMkLst>
+            <pc:docMk/>
+            <pc:sldMasterMk cId="1395275884" sldId="2147483660"/>
+            <ac:spMk id="2" creationId="{00000000-0000-0000-0000-000000000000}"/>
+          </ac:spMkLst>
+        </pc:spChg>
+        <pc:spChg chg="mod">
+          <ac:chgData name="Belinsky, Charles" userId="df390934-7dca-40c8-90db-c8d8d67e4ef2" providerId="ADAL" clId="{9D51384A-06A3-4410-8BBF-4FD5D23211D3}" dt="2020-03-30T00:54:33.091" v="37"/>
+          <ac:spMkLst>
+            <pc:docMk/>
+            <pc:sldMasterMk cId="1395275884" sldId="2147483660"/>
+            <ac:spMk id="3" creationId="{00000000-0000-0000-0000-000000000000}"/>
+          </ac:spMkLst>
+        </pc:spChg>
+        <pc:spChg chg="mod">
+          <ac:chgData name="Belinsky, Charles" userId="df390934-7dca-40c8-90db-c8d8d67e4ef2" providerId="ADAL" clId="{9D51384A-06A3-4410-8BBF-4FD5D23211D3}" dt="2020-03-30T00:54:33.091" v="37"/>
+          <ac:spMkLst>
+            <pc:docMk/>
+            <pc:sldMasterMk cId="1395275884" sldId="2147483660"/>
+            <ac:spMk id="4" creationId="{00000000-0000-0000-0000-000000000000}"/>
+          </ac:spMkLst>
+        </pc:spChg>
+        <pc:spChg chg="mod">
+          <ac:chgData name="Belinsky, Charles" userId="df390934-7dca-40c8-90db-c8d8d67e4ef2" providerId="ADAL" clId="{9D51384A-06A3-4410-8BBF-4FD5D23211D3}" dt="2020-03-30T00:54:33.091" v="37"/>
+          <ac:spMkLst>
+            <pc:docMk/>
+            <pc:sldMasterMk cId="1395275884" sldId="2147483660"/>
+            <ac:spMk id="5" creationId="{00000000-0000-0000-0000-000000000000}"/>
+          </ac:spMkLst>
+        </pc:spChg>
+        <pc:spChg chg="mod">
+          <ac:chgData name="Belinsky, Charles" userId="df390934-7dca-40c8-90db-c8d8d67e4ef2" providerId="ADAL" clId="{9D51384A-06A3-4410-8BBF-4FD5D23211D3}" dt="2020-03-30T00:54:33.091" v="37"/>
+          <ac:spMkLst>
+            <pc:docMk/>
+            <pc:sldMasterMk cId="1395275884" sldId="2147483660"/>
+            <ac:spMk id="6" creationId="{00000000-0000-0000-0000-000000000000}"/>
+          </ac:spMkLst>
+        </pc:spChg>
+        <pc:grpChg chg="mod">
+          <ac:chgData name="Belinsky, Charles" userId="df390934-7dca-40c8-90db-c8d8d67e4ef2" providerId="ADAL" clId="{9D51384A-06A3-4410-8BBF-4FD5D23211D3}" dt="2020-03-30T00:54:33.091" v="37"/>
+          <ac:grpSpMkLst>
+            <pc:docMk/>
+            <pc:sldMasterMk cId="1395275884" sldId="2147483660"/>
+            <ac:grpSpMk id="15" creationId="{00000000-0000-0000-0000-000000000000}"/>
+          </ac:grpSpMkLst>
+        </pc:grpChg>
+        <pc:sldLayoutChg chg="modSp">
+          <pc:chgData name="Belinsky, Charles" userId="df390934-7dca-40c8-90db-c8d8d67e4ef2" providerId="ADAL" clId="{9D51384A-06A3-4410-8BBF-4FD5D23211D3}" dt="2020-03-30T00:54:33.091" v="37"/>
+          <pc:sldLayoutMkLst>
+            <pc:docMk/>
+            <pc:sldMasterMk cId="1395275884" sldId="2147483660"/>
+            <pc:sldLayoutMk cId="1847488592" sldId="2147483661"/>
+          </pc:sldLayoutMkLst>
+          <pc:spChg chg="mod">
+            <ac:chgData name="Belinsky, Charles" userId="df390934-7dca-40c8-90db-c8d8d67e4ef2" providerId="ADAL" clId="{9D51384A-06A3-4410-8BBF-4FD5D23211D3}" dt="2020-03-30T00:54:33.091" v="37"/>
+            <ac:spMkLst>
+              <pc:docMk/>
+              <pc:sldMasterMk cId="1395275884" sldId="2147483660"/>
+              <pc:sldLayoutMk cId="1847488592" sldId="2147483661"/>
+              <ac:spMk id="2" creationId="{00000000-0000-0000-0000-000000000000}"/>
+            </ac:spMkLst>
+          </pc:spChg>
+          <pc:spChg chg="mod">
+            <ac:chgData name="Belinsky, Charles" userId="df390934-7dca-40c8-90db-c8d8d67e4ef2" providerId="ADAL" clId="{9D51384A-06A3-4410-8BBF-4FD5D23211D3}" dt="2020-03-30T00:54:33.091" v="37"/>
+            <ac:spMkLst>
+              <pc:docMk/>
+              <pc:sldMasterMk cId="1395275884" sldId="2147483660"/>
+              <pc:sldLayoutMk cId="1847488592" sldId="2147483661"/>
+              <ac:spMk id="3" creationId="{00000000-0000-0000-0000-000000000000}"/>
+            </ac:spMkLst>
+          </pc:spChg>
+          <pc:grpChg chg="mod">
+            <ac:chgData name="Belinsky, Charles" userId="df390934-7dca-40c8-90db-c8d8d67e4ef2" providerId="ADAL" clId="{9D51384A-06A3-4410-8BBF-4FD5D23211D3}" dt="2020-03-30T00:54:33.091" v="37"/>
+            <ac:grpSpMkLst>
+              <pc:docMk/>
+              <pc:sldMasterMk cId="1395275884" sldId="2147483660"/>
+              <pc:sldLayoutMk cId="1847488592" sldId="2147483661"/>
+              <ac:grpSpMk id="12" creationId="{00000000-0000-0000-0000-000000000000}"/>
+            </ac:grpSpMkLst>
+          </pc:grpChg>
+          <pc:grpChg chg="mod">
+            <ac:chgData name="Belinsky, Charles" userId="df390934-7dca-40c8-90db-c8d8d67e4ef2" providerId="ADAL" clId="{9D51384A-06A3-4410-8BBF-4FD5D23211D3}" dt="2020-03-30T00:54:33.091" v="37"/>
+            <ac:grpSpMkLst>
+              <pc:docMk/>
+              <pc:sldMasterMk cId="1395275884" sldId="2147483660"/>
+              <pc:sldLayoutMk cId="1847488592" sldId="2147483661"/>
+              <ac:grpSpMk id="21" creationId="{00000000-0000-0000-0000-000000000000}"/>
+            </ac:grpSpMkLst>
+          </pc:grpChg>
+        </pc:sldLayoutChg>
+        <pc:sldLayoutChg chg="modSp">
+          <pc:chgData name="Belinsky, Charles" userId="df390934-7dca-40c8-90db-c8d8d67e4ef2" providerId="ADAL" clId="{9D51384A-06A3-4410-8BBF-4FD5D23211D3}" dt="2020-03-30T00:54:33.091" v="37"/>
+          <pc:sldLayoutMkLst>
+            <pc:docMk/>
+            <pc:sldMasterMk cId="1395275884" sldId="2147483660"/>
+            <pc:sldLayoutMk cId="3616330612" sldId="2147483663"/>
+          </pc:sldLayoutMkLst>
+          <pc:spChg chg="mod">
+            <ac:chgData name="Belinsky, Charles" userId="df390934-7dca-40c8-90db-c8d8d67e4ef2" providerId="ADAL" clId="{9D51384A-06A3-4410-8BBF-4FD5D23211D3}" dt="2020-03-30T00:54:33.091" v="37"/>
+            <ac:spMkLst>
+              <pc:docMk/>
+              <pc:sldMasterMk cId="1395275884" sldId="2147483660"/>
+              <pc:sldLayoutMk cId="3616330612" sldId="2147483663"/>
+              <ac:spMk id="2" creationId="{00000000-0000-0000-0000-000000000000}"/>
+            </ac:spMkLst>
+          </pc:spChg>
+          <pc:spChg chg="mod">
+            <ac:chgData name="Belinsky, Charles" userId="df390934-7dca-40c8-90db-c8d8d67e4ef2" providerId="ADAL" clId="{9D51384A-06A3-4410-8BBF-4FD5D23211D3}" dt="2020-03-30T00:54:33.091" v="37"/>
+            <ac:spMkLst>
+              <pc:docMk/>
+              <pc:sldMasterMk cId="1395275884" sldId="2147483660"/>
+              <pc:sldLayoutMk cId="3616330612" sldId="2147483663"/>
+              <ac:spMk id="3" creationId="{00000000-0000-0000-0000-000000000000}"/>
+            </ac:spMkLst>
+          </pc:spChg>
+          <pc:grpChg chg="mod">
+            <ac:chgData name="Belinsky, Charles" userId="df390934-7dca-40c8-90db-c8d8d67e4ef2" providerId="ADAL" clId="{9D51384A-06A3-4410-8BBF-4FD5D23211D3}" dt="2020-03-30T00:54:33.091" v="37"/>
+            <ac:grpSpMkLst>
+              <pc:docMk/>
+              <pc:sldMasterMk cId="1395275884" sldId="2147483660"/>
+              <pc:sldLayoutMk cId="3616330612" sldId="2147483663"/>
+              <ac:grpSpMk id="11" creationId="{00000000-0000-0000-0000-000000000000}"/>
+            </ac:grpSpMkLst>
+          </pc:grpChg>
+        </pc:sldLayoutChg>
+        <pc:sldLayoutChg chg="modSp">
+          <pc:chgData name="Belinsky, Charles" userId="df390934-7dca-40c8-90db-c8d8d67e4ef2" providerId="ADAL" clId="{9D51384A-06A3-4410-8BBF-4FD5D23211D3}" dt="2020-03-30T00:54:33.091" v="37"/>
+          <pc:sldLayoutMkLst>
+            <pc:docMk/>
+            <pc:sldMasterMk cId="1395275884" sldId="2147483660"/>
+            <pc:sldLayoutMk cId="3557647742" sldId="2147483664"/>
+          </pc:sldLayoutMkLst>
+          <pc:spChg chg="mod">
+            <ac:chgData name="Belinsky, Charles" userId="df390934-7dca-40c8-90db-c8d8d67e4ef2" providerId="ADAL" clId="{9D51384A-06A3-4410-8BBF-4FD5D23211D3}" dt="2020-03-30T00:54:33.091" v="37"/>
+            <ac:spMkLst>
+              <pc:docMk/>
+              <pc:sldMasterMk cId="1395275884" sldId="2147483660"/>
+              <pc:sldLayoutMk cId="3557647742" sldId="2147483664"/>
+              <ac:spMk id="3" creationId="{00000000-0000-0000-0000-000000000000}"/>
+            </ac:spMkLst>
+          </pc:spChg>
+          <pc:spChg chg="mod">
+            <ac:chgData name="Belinsky, Charles" userId="df390934-7dca-40c8-90db-c8d8d67e4ef2" providerId="ADAL" clId="{9D51384A-06A3-4410-8BBF-4FD5D23211D3}" dt="2020-03-30T00:54:33.091" v="37"/>
+            <ac:spMkLst>
+              <pc:docMk/>
+              <pc:sldMasterMk cId="1395275884" sldId="2147483660"/>
+              <pc:sldLayoutMk cId="3557647742" sldId="2147483664"/>
+              <ac:spMk id="4" creationId="{00000000-0000-0000-0000-000000000000}"/>
+            </ac:spMkLst>
+          </pc:spChg>
+        </pc:sldLayoutChg>
+        <pc:sldLayoutChg chg="modSp">
+          <pc:chgData name="Belinsky, Charles" userId="df390934-7dca-40c8-90db-c8d8d67e4ef2" providerId="ADAL" clId="{9D51384A-06A3-4410-8BBF-4FD5D23211D3}" dt="2020-03-30T00:54:33.091" v="37"/>
+          <pc:sldLayoutMkLst>
+            <pc:docMk/>
+            <pc:sldMasterMk cId="1395275884" sldId="2147483660"/>
+            <pc:sldLayoutMk cId="595381913" sldId="2147483665"/>
+          </pc:sldLayoutMkLst>
+          <pc:spChg chg="mod">
+            <ac:chgData name="Belinsky, Charles" userId="df390934-7dca-40c8-90db-c8d8d67e4ef2" providerId="ADAL" clId="{9D51384A-06A3-4410-8BBF-4FD5D23211D3}" dt="2020-03-30T00:54:33.091" v="37"/>
+            <ac:spMkLst>
+              <pc:docMk/>
+              <pc:sldMasterMk cId="1395275884" sldId="2147483660"/>
+              <pc:sldLayoutMk cId="595381913" sldId="2147483665"/>
+              <ac:spMk id="3" creationId="{00000000-0000-0000-0000-000000000000}"/>
+            </ac:spMkLst>
+          </pc:spChg>
+          <pc:spChg chg="mod">
+            <ac:chgData name="Belinsky, Charles" userId="df390934-7dca-40c8-90db-c8d8d67e4ef2" providerId="ADAL" clId="{9D51384A-06A3-4410-8BBF-4FD5D23211D3}" dt="2020-03-30T00:54:33.091" v="37"/>
+            <ac:spMkLst>
+              <pc:docMk/>
+              <pc:sldMasterMk cId="1395275884" sldId="2147483660"/>
+              <pc:sldLayoutMk cId="595381913" sldId="2147483665"/>
+              <ac:spMk id="4" creationId="{00000000-0000-0000-0000-000000000000}"/>
+            </ac:spMkLst>
+          </pc:spChg>
+          <pc:spChg chg="mod">
+            <ac:chgData name="Belinsky, Charles" userId="df390934-7dca-40c8-90db-c8d8d67e4ef2" providerId="ADAL" clId="{9D51384A-06A3-4410-8BBF-4FD5D23211D3}" dt="2020-03-30T00:54:33.091" v="37"/>
+            <ac:spMkLst>
+              <pc:docMk/>
+              <pc:sldMasterMk cId="1395275884" sldId="2147483660"/>
+              <pc:sldLayoutMk cId="595381913" sldId="2147483665"/>
+              <ac:spMk id="5" creationId="{00000000-0000-0000-0000-000000000000}"/>
+            </ac:spMkLst>
+          </pc:spChg>
+          <pc:spChg chg="mod">
+            <ac:chgData name="Belinsky, Charles" userId="df390934-7dca-40c8-90db-c8d8d67e4ef2" providerId="ADAL" clId="{9D51384A-06A3-4410-8BBF-4FD5D23211D3}" dt="2020-03-30T00:54:33.091" v="37"/>
+            <ac:spMkLst>
+              <pc:docMk/>
+              <pc:sldMasterMk cId="1395275884" sldId="2147483660"/>
+              <pc:sldLayoutMk cId="595381913" sldId="2147483665"/>
+              <ac:spMk id="6" creationId="{00000000-0000-0000-0000-000000000000}"/>
+            </ac:spMkLst>
+          </pc:spChg>
+        </pc:sldLayoutChg>
+        <pc:sldLayoutChg chg="modSp">
+          <pc:chgData name="Belinsky, Charles" userId="df390934-7dca-40c8-90db-c8d8d67e4ef2" providerId="ADAL" clId="{9D51384A-06A3-4410-8BBF-4FD5D23211D3}" dt="2020-03-30T00:54:33.091" v="37"/>
+          <pc:sldLayoutMkLst>
+            <pc:docMk/>
+            <pc:sldMasterMk cId="1395275884" sldId="2147483660"/>
+            <pc:sldLayoutMk cId="1618139351" sldId="2147483668"/>
+          </pc:sldLayoutMkLst>
+          <pc:spChg chg="mod">
+            <ac:chgData name="Belinsky, Charles" userId="df390934-7dca-40c8-90db-c8d8d67e4ef2" providerId="ADAL" clId="{9D51384A-06A3-4410-8BBF-4FD5D23211D3}" dt="2020-03-30T00:54:33.091" v="37"/>
+            <ac:spMkLst>
+              <pc:docMk/>
+              <pc:sldMasterMk cId="1395275884" sldId="2147483660"/>
+              <pc:sldLayoutMk cId="1618139351" sldId="2147483668"/>
+              <ac:spMk id="2" creationId="{00000000-0000-0000-0000-000000000000}"/>
+            </ac:spMkLst>
+          </pc:spChg>
+          <pc:spChg chg="mod">
+            <ac:chgData name="Belinsky, Charles" userId="df390934-7dca-40c8-90db-c8d8d67e4ef2" providerId="ADAL" clId="{9D51384A-06A3-4410-8BBF-4FD5D23211D3}" dt="2020-03-30T00:54:33.091" v="37"/>
+            <ac:spMkLst>
+              <pc:docMk/>
+              <pc:sldMasterMk cId="1395275884" sldId="2147483660"/>
+              <pc:sldLayoutMk cId="1618139351" sldId="2147483668"/>
+              <ac:spMk id="3" creationId="{00000000-0000-0000-0000-000000000000}"/>
+            </ac:spMkLst>
+          </pc:spChg>
+          <pc:spChg chg="mod">
+            <ac:chgData name="Belinsky, Charles" userId="df390934-7dca-40c8-90db-c8d8d67e4ef2" providerId="ADAL" clId="{9D51384A-06A3-4410-8BBF-4FD5D23211D3}" dt="2020-03-30T00:54:33.091" v="37"/>
+            <ac:spMkLst>
+              <pc:docMk/>
+              <pc:sldMasterMk cId="1395275884" sldId="2147483660"/>
+              <pc:sldLayoutMk cId="1618139351" sldId="2147483668"/>
+              <ac:spMk id="4" creationId="{00000000-0000-0000-0000-000000000000}"/>
+            </ac:spMkLst>
+          </pc:spChg>
+        </pc:sldLayoutChg>
+        <pc:sldLayoutChg chg="modSp">
+          <pc:chgData name="Belinsky, Charles" userId="df390934-7dca-40c8-90db-c8d8d67e4ef2" providerId="ADAL" clId="{9D51384A-06A3-4410-8BBF-4FD5D23211D3}" dt="2020-03-30T00:54:33.091" v="37"/>
+          <pc:sldLayoutMkLst>
+            <pc:docMk/>
+            <pc:sldMasterMk cId="1395275884" sldId="2147483660"/>
+            <pc:sldLayoutMk cId="4223431649" sldId="2147483669"/>
+          </pc:sldLayoutMkLst>
+          <pc:spChg chg="mod">
+            <ac:chgData name="Belinsky, Charles" userId="df390934-7dca-40c8-90db-c8d8d67e4ef2" providerId="ADAL" clId="{9D51384A-06A3-4410-8BBF-4FD5D23211D3}" dt="2020-03-30T00:54:33.091" v="37"/>
+            <ac:spMkLst>
+              <pc:docMk/>
+              <pc:sldMasterMk cId="1395275884" sldId="2147483660"/>
+              <pc:sldLayoutMk cId="4223431649" sldId="2147483669"/>
+              <ac:spMk id="2" creationId="{00000000-0000-0000-0000-000000000000}"/>
+            </ac:spMkLst>
+          </pc:spChg>
+          <pc:spChg chg="mod">
+            <ac:chgData name="Belinsky, Charles" userId="df390934-7dca-40c8-90db-c8d8d67e4ef2" providerId="ADAL" clId="{9D51384A-06A3-4410-8BBF-4FD5D23211D3}" dt="2020-03-30T00:54:33.091" v="37"/>
+            <ac:spMkLst>
+              <pc:docMk/>
+              <pc:sldMasterMk cId="1395275884" sldId="2147483660"/>
+              <pc:sldLayoutMk cId="4223431649" sldId="2147483669"/>
+              <ac:spMk id="3" creationId="{00000000-0000-0000-0000-000000000000}"/>
+            </ac:spMkLst>
+          </pc:spChg>
+          <pc:spChg chg="mod">
+            <ac:chgData name="Belinsky, Charles" userId="df390934-7dca-40c8-90db-c8d8d67e4ef2" providerId="ADAL" clId="{9D51384A-06A3-4410-8BBF-4FD5D23211D3}" dt="2020-03-30T00:54:33.091" v="37"/>
+            <ac:spMkLst>
+              <pc:docMk/>
+              <pc:sldMasterMk cId="1395275884" sldId="2147483660"/>
+              <pc:sldLayoutMk cId="4223431649" sldId="2147483669"/>
+              <ac:spMk id="4" creationId="{00000000-0000-0000-0000-000000000000}"/>
+            </ac:spMkLst>
+          </pc:spChg>
+        </pc:sldLayoutChg>
+        <pc:sldLayoutChg chg="modSp">
+          <pc:chgData name="Belinsky, Charles" userId="df390934-7dca-40c8-90db-c8d8d67e4ef2" providerId="ADAL" clId="{9D51384A-06A3-4410-8BBF-4FD5D23211D3}" dt="2020-03-30T00:54:33.091" v="37"/>
+          <pc:sldLayoutMkLst>
+            <pc:docMk/>
+            <pc:sldMasterMk cId="1395275884" sldId="2147483660"/>
+            <pc:sldLayoutMk cId="595886489" sldId="2147483671"/>
+          </pc:sldLayoutMkLst>
+          <pc:spChg chg="mod">
+            <ac:chgData name="Belinsky, Charles" userId="df390934-7dca-40c8-90db-c8d8d67e4ef2" providerId="ADAL" clId="{9D51384A-06A3-4410-8BBF-4FD5D23211D3}" dt="2020-03-30T00:54:33.091" v="37"/>
+            <ac:spMkLst>
+              <pc:docMk/>
+              <pc:sldMasterMk cId="1395275884" sldId="2147483660"/>
+              <pc:sldLayoutMk cId="595886489" sldId="2147483671"/>
+              <ac:spMk id="2" creationId="{00000000-0000-0000-0000-000000000000}"/>
+            </ac:spMkLst>
+          </pc:spChg>
+          <pc:spChg chg="mod">
+            <ac:chgData name="Belinsky, Charles" userId="df390934-7dca-40c8-90db-c8d8d67e4ef2" providerId="ADAL" clId="{9D51384A-06A3-4410-8BBF-4FD5D23211D3}" dt="2020-03-30T00:54:33.091" v="37"/>
+            <ac:spMkLst>
+              <pc:docMk/>
+              <pc:sldMasterMk cId="1395275884" sldId="2147483660"/>
+              <pc:sldLayoutMk cId="595886489" sldId="2147483671"/>
+              <ac:spMk id="3" creationId="{00000000-0000-0000-0000-000000000000}"/>
+            </ac:spMkLst>
+          </pc:spChg>
+        </pc:sldLayoutChg>
+      </pc:sldMasterChg>
+    </pc:docChg>
+  </pc:docChgLst>
   <pc:docChgLst>
     <pc:chgData name="Belinsky, Charles" userId="df390934-7dca-40c8-90db-c8d8d67e4ef2" providerId="ADAL" clId="{2AA964BC-A7BA-42B6-95EA-11D9329BA5F2}"/>
     <pc:docChg chg="custSel delSld modSld">
@@ -359,7 +1012,7 @@
           <a:p>
             <a:fld id="{FE5B4EDC-59C0-49C7-8ADA-5A781B329E02}" type="datetimeFigureOut">
               <a:rPr lang="en-US"/>
-              <a:t>3/29/2020</a:t>
+              <a:t>3/30/2020</a:t>
             </a:fld>
             <a:endParaRPr/>
           </a:p>
@@ -524,7 +1177,7 @@
           <a:p>
             <a:fld id="{F2D8D46A-B586-417D-BFBD-8C8FE0AAF762}" type="datetimeFigureOut">
               <a:rPr lang="en-US"/>
-              <a:t>3/29/2020</a:t>
+              <a:t>3/30/2020</a:t>
             </a:fld>
             <a:endParaRPr/>
           </a:p>
@@ -813,7 +1466,12 @@
             <p:ph type="sldImg"/>
           </p:nvPr>
         </p:nvSpPr>
-        <p:spPr/>
+        <p:spPr>
+          <a:xfrm>
+            <a:off x="331788" y="696913"/>
+            <a:ext cx="6194425" cy="3486150"/>
+          </a:xfrm>
+        </p:spPr>
       </p:sp>
       <p:sp>
         <p:nvSpPr>
@@ -832,13 +1490,7 @@
           <a:p>
             <a:r>
               <a:rPr lang="en-US" dirty="0"/>
-              <a:t>Could do a whole workshop on just these three things…</a:t>
-            </a:r>
-          </a:p>
-          <a:p>
-            <a:r>
-              <a:rPr lang="en-US" dirty="0"/>
-              <a:t>For this workshop, I have done my best to hack around these issues</a:t>
+              <a:t>YS document – internal script</a:t>
             </a:r>
           </a:p>
         </p:txBody>
@@ -906,7 +1558,12 @@
             <p:ph type="sldImg"/>
           </p:nvPr>
         </p:nvSpPr>
-        <p:spPr/>
+        <p:spPr>
+          <a:xfrm>
+            <a:off x="331788" y="696913"/>
+            <a:ext cx="6194425" cy="3486150"/>
+          </a:xfrm>
+        </p:spPr>
       </p:sp>
       <p:sp>
         <p:nvSpPr>
@@ -925,19 +1582,19 @@
           <a:p>
             <a:r>
               <a:rPr lang="en-US" dirty="0"/>
-              <a:t>Development takes place outside of RMD – generally this is preferred</a:t>
-            </a:r>
-          </a:p>
-          <a:p>
-            <a:r>
-              <a:rPr lang="en-US" dirty="0"/>
-              <a:t>Same code as last example</a:t>
-            </a:r>
-          </a:p>
-          <a:p>
-            <a:r>
-              <a:rPr lang="en-US" dirty="0"/>
-              <a:t>RMD is calling an R script file – these two formats use different systems to figure out the working directory</a:t>
+              <a:t>Still bad practice…</a:t>
+            </a:r>
+          </a:p>
+          <a:p>
+            <a:r>
+              <a:rPr lang="en-US" dirty="0"/>
+              <a:t>EVAL and ECHO = FALSE: test code (commented out code)</a:t>
+            </a:r>
+          </a:p>
+          <a:p>
+            <a:r>
+              <a:rPr lang="en-US" dirty="0"/>
+              <a:t>EVAL = FALSE and ECHO = TRUE is generally only used in a tutorial</a:t>
             </a:r>
           </a:p>
         </p:txBody>
@@ -968,7 +1625,7 @@
     </p:spTree>
     <p:extLst>
       <p:ext uri="{BB962C8B-B14F-4D97-AF65-F5344CB8AC3E}">
-        <p14:creationId xmlns:p14="http://schemas.microsoft.com/office/powerpoint/2010/main" val="4253380801"/>
+        <p14:creationId xmlns:p14="http://schemas.microsoft.com/office/powerpoint/2010/main" val="540802949"/>
       </p:ext>
     </p:extLst>
   </p:cSld>
@@ -1005,7 +1662,12 @@
             <p:ph type="sldImg"/>
           </p:nvPr>
         </p:nvSpPr>
-        <p:spPr/>
+        <p:spPr>
+          <a:xfrm>
+            <a:off x="331788" y="696913"/>
+            <a:ext cx="6194425" cy="3486150"/>
+          </a:xfrm>
+        </p:spPr>
       </p:sp>
       <p:sp>
         <p:nvSpPr>
@@ -1022,7 +1684,22 @@
           <a:bodyPr/>
           <a:lstStyle/>
           <a:p>
-            <a:endParaRPr lang="en-US"/>
+            <a:r>
+              <a:rPr lang="en-US" dirty="0"/>
+              <a:t>Development takes place outside of RMD – generally this is preferred</a:t>
+            </a:r>
+          </a:p>
+          <a:p>
+            <a:r>
+              <a:rPr lang="en-US" dirty="0"/>
+              <a:t>Same code as last example</a:t>
+            </a:r>
+          </a:p>
+          <a:p>
+            <a:r>
+              <a:rPr lang="en-US" dirty="0"/>
+              <a:t>RMD is calling an R script file – these two formats use different systems to figure out the working directory</a:t>
+            </a:r>
           </a:p>
         </p:txBody>
       </p:sp>
@@ -1052,7 +1729,7 @@
     </p:spTree>
     <p:extLst>
       <p:ext uri="{BB962C8B-B14F-4D97-AF65-F5344CB8AC3E}">
-        <p14:creationId xmlns:p14="http://schemas.microsoft.com/office/powerpoint/2010/main" val="2799909130"/>
+        <p14:creationId xmlns:p14="http://schemas.microsoft.com/office/powerpoint/2010/main" val="4253380801"/>
       </p:ext>
     </p:extLst>
   </p:cSld>
@@ -1089,7 +1766,12 @@
             <p:ph type="sldImg"/>
           </p:nvPr>
         </p:nvSpPr>
-        <p:spPr/>
+        <p:spPr>
+          <a:xfrm>
+            <a:off x="331788" y="696913"/>
+            <a:ext cx="6194425" cy="3486150"/>
+          </a:xfrm>
+        </p:spPr>
       </p:sp>
       <p:sp>
         <p:nvSpPr>
@@ -1106,10 +1788,7 @@
           <a:bodyPr/>
           <a:lstStyle/>
           <a:p>
-            <a:r>
-              <a:rPr lang="en-US" dirty="0"/>
-              <a:t>Activity: start a small document</a:t>
-            </a:r>
+            <a:endParaRPr lang="en-US"/>
           </a:p>
         </p:txBody>
       </p:sp>
@@ -1139,7 +1818,7 @@
     </p:spTree>
     <p:extLst>
       <p:ext uri="{BB962C8B-B14F-4D97-AF65-F5344CB8AC3E}">
-        <p14:creationId xmlns:p14="http://schemas.microsoft.com/office/powerpoint/2010/main" val="2945275518"/>
+        <p14:creationId xmlns:p14="http://schemas.microsoft.com/office/powerpoint/2010/main" val="2799909130"/>
       </p:ext>
     </p:extLst>
   </p:cSld>
@@ -1176,7 +1855,12 @@
             <p:ph type="sldImg"/>
           </p:nvPr>
         </p:nvSpPr>
-        <p:spPr/>
+        <p:spPr>
+          <a:xfrm>
+            <a:off x="331788" y="696913"/>
+            <a:ext cx="6194425" cy="3486150"/>
+          </a:xfrm>
+        </p:spPr>
       </p:sp>
       <p:sp>
         <p:nvSpPr>
@@ -1193,7 +1877,32 @@
           <a:bodyPr/>
           <a:lstStyle/>
           <a:p>
-            <a:endParaRPr lang="en-US"/>
+            <a:r>
+              <a:rPr lang="en-US" dirty="0" err="1"/>
+              <a:t>Rmd</a:t>
+            </a:r>
+            <a:r>
+              <a:rPr lang="en-US" dirty="0"/>
+              <a:t>: Use Header structure</a:t>
+            </a:r>
+          </a:p>
+          <a:p>
+            <a:r>
+              <a:rPr lang="en-US" dirty="0"/>
+              <a:t>HTML: Hyperlink Text Markup Language</a:t>
+            </a:r>
+          </a:p>
+          <a:p>
+            <a:r>
+              <a:rPr lang="en-US" dirty="0"/>
+              <a:t>LaTeX</a:t>
+            </a:r>
+          </a:p>
+          <a:p>
+            <a:r>
+              <a:rPr lang="en-US" dirty="0"/>
+              <a:t>XML: Extensible Markup Language</a:t>
+            </a:r>
           </a:p>
         </p:txBody>
       </p:sp>
@@ -1223,7 +1932,7 @@
     </p:spTree>
     <p:extLst>
       <p:ext uri="{BB962C8B-B14F-4D97-AF65-F5344CB8AC3E}">
-        <p14:creationId xmlns:p14="http://schemas.microsoft.com/office/powerpoint/2010/main" val="2254271919"/>
+        <p14:creationId xmlns:p14="http://schemas.microsoft.com/office/powerpoint/2010/main" val="2945275518"/>
       </p:ext>
     </p:extLst>
   </p:cSld>
@@ -1260,7 +1969,12 @@
             <p:ph type="sldImg"/>
           </p:nvPr>
         </p:nvSpPr>
-        <p:spPr/>
+        <p:spPr>
+          <a:xfrm>
+            <a:off x="331788" y="696913"/>
+            <a:ext cx="6194425" cy="3486150"/>
+          </a:xfrm>
+        </p:spPr>
       </p:sp>
       <p:sp>
         <p:nvSpPr>
@@ -1307,7 +2021,7 @@
     </p:spTree>
     <p:extLst>
       <p:ext uri="{BB962C8B-B14F-4D97-AF65-F5344CB8AC3E}">
-        <p14:creationId xmlns:p14="http://schemas.microsoft.com/office/powerpoint/2010/main" val="493825204"/>
+        <p14:creationId xmlns:p14="http://schemas.microsoft.com/office/powerpoint/2010/main" val="2254271919"/>
       </p:ext>
     </p:extLst>
   </p:cSld>
@@ -1344,7 +2058,12 @@
             <p:ph type="sldImg"/>
           </p:nvPr>
         </p:nvSpPr>
-        <p:spPr/>
+        <p:spPr>
+          <a:xfrm>
+            <a:off x="331788" y="696913"/>
+            <a:ext cx="6194425" cy="3486150"/>
+          </a:xfrm>
+        </p:spPr>
       </p:sp>
       <p:sp>
         <p:nvSpPr>
@@ -1361,7 +2080,10 @@
           <a:bodyPr/>
           <a:lstStyle/>
           <a:p>
-            <a:endParaRPr lang="en-US"/>
+            <a:r>
+              <a:rPr lang="en-US" dirty="0"/>
+              <a:t>Execute 01-WindAndTemps.R to see Environment</a:t>
+            </a:r>
           </a:p>
         </p:txBody>
       </p:sp>
@@ -1391,7 +2113,7 @@
     </p:spTree>
     <p:extLst>
       <p:ext uri="{BB962C8B-B14F-4D97-AF65-F5344CB8AC3E}">
-        <p14:creationId xmlns:p14="http://schemas.microsoft.com/office/powerpoint/2010/main" val="585681869"/>
+        <p14:creationId xmlns:p14="http://schemas.microsoft.com/office/powerpoint/2010/main" val="493825204"/>
       </p:ext>
     </p:extLst>
   </p:cSld>
@@ -1428,7 +2150,12 @@
             <p:ph type="sldImg"/>
           </p:nvPr>
         </p:nvSpPr>
-        <p:spPr/>
+        <p:spPr>
+          <a:xfrm>
+            <a:off x="331788" y="696913"/>
+            <a:ext cx="6194425" cy="3486150"/>
+          </a:xfrm>
+        </p:spPr>
       </p:sp>
       <p:sp>
         <p:nvSpPr>
@@ -1445,7 +2172,15 @@
           <a:bodyPr/>
           <a:lstStyle/>
           <a:p>
-            <a:endParaRPr lang="en-US"/>
+            <a:r>
+              <a:rPr lang="en-US" dirty="0"/>
+              <a:t>Color change to hyperlinks -- </a:t>
+            </a:r>
+            <a:r>
+              <a:rPr lang="en-US" dirty="0" err="1"/>
+              <a:t>urlcolor</a:t>
+            </a:r>
+            <a:endParaRPr lang="en-US" dirty="0"/>
           </a:p>
         </p:txBody>
       </p:sp>
@@ -1467,6 +2202,102 @@
             <a:fld id="{3EBA5BD7-F043-4D1B-AA17-CD412FC534DE}" type="slidenum">
               <a:rPr lang="en-US" smtClean="0"/>
               <a:t>16</a:t>
+            </a:fld>
+            <a:endParaRPr lang="en-US"/>
+          </a:p>
+        </p:txBody>
+      </p:sp>
+    </p:spTree>
+    <p:extLst>
+      <p:ext uri="{BB962C8B-B14F-4D97-AF65-F5344CB8AC3E}">
+        <p14:creationId xmlns:p14="http://schemas.microsoft.com/office/powerpoint/2010/main" val="585681869"/>
+      </p:ext>
+    </p:extLst>
+  </p:cSld>
+  <p:clrMapOvr>
+    <a:masterClrMapping/>
+  </p:clrMapOvr>
+</p:notes>
+</file>
+
+<file path=ppt/notesSlides/notesSlide17.xml><?xml version="1.0" encoding="utf-8"?>
+<p:notes xmlns:a="http://schemas.openxmlformats.org/drawingml/2006/main" xmlns:r="http://schemas.openxmlformats.org/officeDocument/2006/relationships" xmlns:p="http://schemas.openxmlformats.org/presentationml/2006/main">
+  <p:cSld>
+    <p:spTree>
+      <p:nvGrpSpPr>
+        <p:cNvPr id="1" name=""/>
+        <p:cNvGrpSpPr/>
+        <p:nvPr/>
+      </p:nvGrpSpPr>
+      <p:grpSpPr>
+        <a:xfrm>
+          <a:off x="0" y="0"/>
+          <a:ext cx="0" cy="0"/>
+          <a:chOff x="0" y="0"/>
+          <a:chExt cx="0" cy="0"/>
+        </a:xfrm>
+      </p:grpSpPr>
+      <p:sp>
+        <p:nvSpPr>
+          <p:cNvPr id="2" name="Slide Image Placeholder 1"/>
+          <p:cNvSpPr>
+            <a:spLocks noGrp="1" noRot="1" noChangeAspect="1"/>
+          </p:cNvSpPr>
+          <p:nvPr>
+            <p:ph type="sldImg"/>
+          </p:nvPr>
+        </p:nvSpPr>
+        <p:spPr>
+          <a:xfrm>
+            <a:off x="331788" y="696913"/>
+            <a:ext cx="6194425" cy="3486150"/>
+          </a:xfrm>
+        </p:spPr>
+      </p:sp>
+      <p:sp>
+        <p:nvSpPr>
+          <p:cNvPr id="3" name="Notes Placeholder 2"/>
+          <p:cNvSpPr>
+            <a:spLocks noGrp="1"/>
+          </p:cNvSpPr>
+          <p:nvPr>
+            <p:ph type="body" idx="1"/>
+          </p:nvPr>
+        </p:nvSpPr>
+        <p:spPr/>
+        <p:txBody>
+          <a:bodyPr/>
+          <a:lstStyle/>
+          <a:p>
+            <a:r>
+              <a:rPr lang="en-US" dirty="0"/>
+              <a:t>In my </a:t>
+            </a:r>
+            <a:r>
+              <a:rPr lang="en-US"/>
+              <a:t>humble opinion– go with HTML</a:t>
+            </a:r>
+          </a:p>
+        </p:txBody>
+      </p:sp>
+      <p:sp>
+        <p:nvSpPr>
+          <p:cNvPr id="4" name="Slide Number Placeholder 3"/>
+          <p:cNvSpPr>
+            <a:spLocks noGrp="1"/>
+          </p:cNvSpPr>
+          <p:nvPr>
+            <p:ph type="sldNum" sz="quarter" idx="5"/>
+          </p:nvPr>
+        </p:nvSpPr>
+        <p:spPr/>
+        <p:txBody>
+          <a:bodyPr/>
+          <a:lstStyle/>
+          <a:p>
+            <a:fld id="{3EBA5BD7-F043-4D1B-AA17-CD412FC534DE}" type="slidenum">
+              <a:rPr lang="en-US" smtClean="0"/>
+              <a:t>17</a:t>
             </a:fld>
             <a:endParaRPr lang="en-US"/>
           </a:p>
@@ -1512,7 +2343,12 @@
             <p:ph type="sldImg"/>
           </p:nvPr>
         </p:nvSpPr>
-        <p:spPr/>
+        <p:spPr>
+          <a:xfrm>
+            <a:off x="331788" y="696913"/>
+            <a:ext cx="6194425" cy="3486150"/>
+          </a:xfrm>
+        </p:spPr>
       </p:sp>
       <p:sp>
         <p:nvSpPr>
@@ -1531,13 +2367,13 @@
           <a:p>
             <a:r>
               <a:rPr lang="en-US" dirty="0"/>
-              <a:t>Test chat here – send link and file (instructions for downloading and executing the GitHub repo)</a:t>
-            </a:r>
-          </a:p>
-          <a:p>
-            <a:r>
-              <a:rPr lang="en-US" dirty="0"/>
-              <a:t>Can send files through Zoom</a:t>
+              <a:t>Could do a whole workshop on just these three things… that are taught to programmers in the first year</a:t>
+            </a:r>
+          </a:p>
+          <a:p>
+            <a:r>
+              <a:rPr lang="en-US" dirty="0"/>
+              <a:t>For this workshop, I have done my best to hack around these issues</a:t>
             </a:r>
           </a:p>
         </p:txBody>
@@ -1568,7 +2404,7 @@
     </p:spTree>
     <p:extLst>
       <p:ext uri="{BB962C8B-B14F-4D97-AF65-F5344CB8AC3E}">
-        <p14:creationId xmlns:p14="http://schemas.microsoft.com/office/powerpoint/2010/main" val="3422228131"/>
+        <p14:creationId xmlns:p14="http://schemas.microsoft.com/office/powerpoint/2010/main" val="763232847"/>
       </p:ext>
     </p:extLst>
   </p:cSld>
@@ -1605,7 +2441,12 @@
             <p:ph type="sldImg"/>
           </p:nvPr>
         </p:nvSpPr>
-        <p:spPr/>
+        <p:spPr>
+          <a:xfrm>
+            <a:off x="331788" y="696913"/>
+            <a:ext cx="6194425" cy="3486150"/>
+          </a:xfrm>
+        </p:spPr>
       </p:sp>
       <p:sp>
         <p:nvSpPr>
@@ -1624,19 +2465,13 @@
           <a:p>
             <a:r>
               <a:rPr lang="en-US" dirty="0"/>
-              <a:t>Show 01.R</a:t>
-            </a:r>
-          </a:p>
-          <a:p>
-            <a:r>
-              <a:rPr lang="en-US" dirty="0"/>
-              <a:t>Use sourced script in example 5</a:t>
-            </a:r>
-          </a:p>
-          <a:p>
-            <a:r>
-              <a:rPr lang="en-US" dirty="0"/>
-              <a:t>RMD does allow cat() and print() but it does not look good</a:t>
+              <a:t>Test chat here – send link and file (instructions for downloading and executing the GitHub repo)</a:t>
+            </a:r>
+          </a:p>
+          <a:p>
+            <a:r>
+              <a:rPr lang="en-US" dirty="0"/>
+              <a:t>Can send files through Zoom</a:t>
             </a:r>
           </a:p>
         </p:txBody>
@@ -1667,7 +2502,7 @@
     </p:spTree>
     <p:extLst>
       <p:ext uri="{BB962C8B-B14F-4D97-AF65-F5344CB8AC3E}">
-        <p14:creationId xmlns:p14="http://schemas.microsoft.com/office/powerpoint/2010/main" val="3550061548"/>
+        <p14:creationId xmlns:p14="http://schemas.microsoft.com/office/powerpoint/2010/main" val="3422228131"/>
       </p:ext>
     </p:extLst>
   </p:cSld>
@@ -1704,7 +2539,12 @@
             <p:ph type="sldImg"/>
           </p:nvPr>
         </p:nvSpPr>
-        <p:spPr/>
+        <p:spPr>
+          <a:xfrm>
+            <a:off x="331788" y="696913"/>
+            <a:ext cx="6194425" cy="3486150"/>
+          </a:xfrm>
+        </p:spPr>
       </p:sp>
       <p:sp>
         <p:nvSpPr>
@@ -1721,7 +2561,22 @@
           <a:bodyPr/>
           <a:lstStyle/>
           <a:p>
-            <a:endParaRPr lang="en-US" dirty="0"/>
+            <a:r>
+              <a:rPr lang="en-US" dirty="0"/>
+              <a:t>Show 01.R</a:t>
+            </a:r>
+          </a:p>
+          <a:p>
+            <a:r>
+              <a:rPr lang="en-US" dirty="0"/>
+              <a:t>Use sourced script in example 5</a:t>
+            </a:r>
+          </a:p>
+          <a:p>
+            <a:r>
+              <a:rPr lang="en-US" dirty="0"/>
+              <a:t>RMD does allow cat() and print() but it does not look good</a:t>
+            </a:r>
           </a:p>
         </p:txBody>
       </p:sp>
@@ -1751,7 +2606,7 @@
     </p:spTree>
     <p:extLst>
       <p:ext uri="{BB962C8B-B14F-4D97-AF65-F5344CB8AC3E}">
-        <p14:creationId xmlns:p14="http://schemas.microsoft.com/office/powerpoint/2010/main" val="978922940"/>
+        <p14:creationId xmlns:p14="http://schemas.microsoft.com/office/powerpoint/2010/main" val="3550061548"/>
       </p:ext>
     </p:extLst>
   </p:cSld>
@@ -1788,7 +2643,12 @@
             <p:ph type="sldImg"/>
           </p:nvPr>
         </p:nvSpPr>
-        <p:spPr/>
+        <p:spPr>
+          <a:xfrm>
+            <a:off x="331788" y="696913"/>
+            <a:ext cx="6194425" cy="3486150"/>
+          </a:xfrm>
+        </p:spPr>
       </p:sp>
       <p:sp>
         <p:nvSpPr>
@@ -1807,8 +2667,17 @@
           <a:p>
             <a:r>
               <a:rPr lang="en-US" dirty="0"/>
-              <a:t>The worse way to do this… but the easiest</a:t>
-            </a:r>
+              <a:t>Just here to show you some of the complexities of Working Directories</a:t>
+            </a:r>
+          </a:p>
+          <a:p>
+            <a:r>
+              <a:rPr lang="en-US" dirty="0"/>
+              <a:t>Still does not work for you:  Uncomment the URL link (another hack…)</a:t>
+            </a:r>
+          </a:p>
+          <a:p>
+            <a:endParaRPr lang="en-US" dirty="0"/>
           </a:p>
         </p:txBody>
       </p:sp>
@@ -1838,7 +2707,7 @@
     </p:spTree>
     <p:extLst>
       <p:ext uri="{BB962C8B-B14F-4D97-AF65-F5344CB8AC3E}">
-        <p14:creationId xmlns:p14="http://schemas.microsoft.com/office/powerpoint/2010/main" val="1383887537"/>
+        <p14:creationId xmlns:p14="http://schemas.microsoft.com/office/powerpoint/2010/main" val="978922940"/>
       </p:ext>
     </p:extLst>
   </p:cSld>
@@ -1875,7 +2744,12 @@
             <p:ph type="sldImg"/>
           </p:nvPr>
         </p:nvSpPr>
-        <p:spPr/>
+        <p:spPr>
+          <a:xfrm>
+            <a:off x="331788" y="696913"/>
+            <a:ext cx="6194425" cy="3486150"/>
+          </a:xfrm>
+        </p:spPr>
       </p:sp>
       <p:sp>
         <p:nvSpPr>
@@ -1894,8 +2768,19 @@
           <a:p>
             <a:r>
               <a:rPr lang="en-US" dirty="0"/>
-              <a:t>Use Yellowstone document</a:t>
-            </a:r>
+              <a:t>The worse way to do this… but the easiest</a:t>
+            </a:r>
+          </a:p>
+          <a:p>
+            <a:r>
+              <a:rPr lang="en-US" dirty="0"/>
+              <a:t>Can follow along – this is a copy of the 02*.</a:t>
+            </a:r>
+            <a:r>
+              <a:rPr lang="en-US" dirty="0" err="1"/>
+              <a:t>Rmd</a:t>
+            </a:r>
+            <a:endParaRPr lang="en-US" dirty="0"/>
           </a:p>
         </p:txBody>
       </p:sp>
@@ -1925,7 +2810,7 @@
     </p:spTree>
     <p:extLst>
       <p:ext uri="{BB962C8B-B14F-4D97-AF65-F5344CB8AC3E}">
-        <p14:creationId xmlns:p14="http://schemas.microsoft.com/office/powerpoint/2010/main" val="1144361347"/>
+        <p14:creationId xmlns:p14="http://schemas.microsoft.com/office/powerpoint/2010/main" val="1383887537"/>
       </p:ext>
     </p:extLst>
   </p:cSld>
@@ -1962,7 +2847,12 @@
             <p:ph type="sldImg"/>
           </p:nvPr>
         </p:nvSpPr>
-        <p:spPr/>
+        <p:spPr>
+          <a:xfrm>
+            <a:off x="331788" y="696913"/>
+            <a:ext cx="6194425" cy="3486150"/>
+          </a:xfrm>
+        </p:spPr>
       </p:sp>
       <p:sp>
         <p:nvSpPr>
@@ -1981,7 +2871,7 @@
           <a:p>
             <a:r>
               <a:rPr lang="en-US" dirty="0"/>
-              <a:t>Tutorial vs reports</a:t>
+              <a:t>Can also use Python instead of R</a:t>
             </a:r>
           </a:p>
         </p:txBody>
@@ -2012,7 +2902,7 @@
     </p:spTree>
     <p:extLst>
       <p:ext uri="{BB962C8B-B14F-4D97-AF65-F5344CB8AC3E}">
-        <p14:creationId xmlns:p14="http://schemas.microsoft.com/office/powerpoint/2010/main" val="2526103380"/>
+        <p14:creationId xmlns:p14="http://schemas.microsoft.com/office/powerpoint/2010/main" val="1144361347"/>
       </p:ext>
     </p:extLst>
   </p:cSld>
@@ -2049,7 +2939,12 @@
             <p:ph type="sldImg"/>
           </p:nvPr>
         </p:nvSpPr>
-        <p:spPr/>
+        <p:spPr>
+          <a:xfrm>
+            <a:off x="331788" y="696913"/>
+            <a:ext cx="6194425" cy="3486150"/>
+          </a:xfrm>
+        </p:spPr>
       </p:sp>
       <p:sp>
         <p:nvSpPr>
@@ -2068,7 +2963,13 @@
           <a:p>
             <a:r>
               <a:rPr lang="en-US" dirty="0"/>
-              <a:t>This workshop is geared towards a PDF document but…</a:t>
+              <a:t>Tutorial vs reports</a:t>
+            </a:r>
+          </a:p>
+          <a:p>
+            <a:r>
+              <a:rPr lang="en-US" dirty="0"/>
+              <a:t>Can delete author and date</a:t>
             </a:r>
           </a:p>
         </p:txBody>
@@ -2099,7 +3000,7 @@
     </p:spTree>
     <p:extLst>
       <p:ext uri="{BB962C8B-B14F-4D97-AF65-F5344CB8AC3E}">
-        <p14:creationId xmlns:p14="http://schemas.microsoft.com/office/powerpoint/2010/main" val="4289454137"/>
+        <p14:creationId xmlns:p14="http://schemas.microsoft.com/office/powerpoint/2010/main" val="2526103380"/>
       </p:ext>
     </p:extLst>
   </p:cSld>
@@ -2136,7 +3037,12 @@
             <p:ph type="sldImg"/>
           </p:nvPr>
         </p:nvSpPr>
-        <p:spPr/>
+        <p:spPr>
+          <a:xfrm>
+            <a:off x="331788" y="696913"/>
+            <a:ext cx="6194425" cy="3486150"/>
+          </a:xfrm>
+        </p:spPr>
       </p:sp>
       <p:sp>
         <p:nvSpPr>
@@ -2155,14 +3061,31 @@
           <a:p>
             <a:r>
               <a:rPr lang="en-US" dirty="0"/>
-              <a:t>Still bad practice…</a:t>
-            </a:r>
-          </a:p>
-          <a:p>
-            <a:r>
-              <a:rPr lang="en-US" dirty="0"/>
-              <a:t>EVAL = FALSE and ECHO = TRUE is generally only used in a tutorial</a:t>
-            </a:r>
+              <a:t>This workshop is geared towards a PDF document but…</a:t>
+            </a:r>
+          </a:p>
+          <a:p>
+            <a:r>
+              <a:rPr lang="en-US" dirty="0" err="1"/>
+              <a:t>Rmd</a:t>
+            </a:r>
+            <a:r>
+              <a:rPr lang="en-US" dirty="0"/>
+              <a:t> is a bridge to the other documents</a:t>
+            </a:r>
+          </a:p>
+          <a:p>
+            <a:r>
+              <a:rPr lang="en-US" dirty="0"/>
+              <a:t>Conversions: HTML </a:t>
+            </a:r>
+            <a:r>
+              <a:rPr lang="en-US" dirty="0">
+                <a:sym typeface="Wingdings" panose="05000000000000000000" pitchFamily="2" charset="2"/>
+              </a:rPr>
+              <a:t> PDF</a:t>
+            </a:r>
+            <a:endParaRPr lang="en-US" dirty="0"/>
           </a:p>
         </p:txBody>
       </p:sp>
@@ -2192,7 +3115,7 @@
     </p:spTree>
     <p:extLst>
       <p:ext uri="{BB962C8B-B14F-4D97-AF65-F5344CB8AC3E}">
-        <p14:creationId xmlns:p14="http://schemas.microsoft.com/office/powerpoint/2010/main" val="540802949"/>
+        <p14:creationId xmlns:p14="http://schemas.microsoft.com/office/powerpoint/2010/main" val="4289454137"/>
       </p:ext>
     </p:extLst>
   </p:cSld>
@@ -2227,7 +3150,7 @@
         </p:nvGrpSpPr>
         <p:grpSpPr>
           <a:xfrm>
-            <a:off x="7516443" y="4145281"/>
+            <a:off x="7516445" y="4145285"/>
             <a:ext cx="4686117" cy="2731407"/>
             <a:chOff x="5638800" y="3108960"/>
             <a:chExt cx="3515503" cy="2048555"/>
@@ -2396,7 +3319,7 @@
         </p:nvGrpSpPr>
         <p:grpSpPr>
           <a:xfrm>
-            <a:off x="-8916" y="6057149"/>
+            <a:off x="-8916" y="6057153"/>
             <a:ext cx="5498726" cy="820207"/>
             <a:chOff x="-6689" y="4553748"/>
             <a:chExt cx="4125119" cy="615155"/>
@@ -2503,7 +3426,7 @@
             <a:lstStyle/>
             <a:p>
               <a:pPr lvl="0" algn="ctr"/>
-              <a:endParaRPr/>
+              <a:endParaRPr sz="2399"/>
             </a:p>
           </p:txBody>
         </p:sp>
@@ -2646,7 +3569,7 @@
             <a:lstStyle/>
             <a:p>
               <a:pPr lvl="0" algn="ctr"/>
-              <a:endParaRPr/>
+              <a:endParaRPr sz="2399"/>
             </a:p>
           </p:txBody>
         </p:sp>
@@ -2780,7 +3703,7 @@
             <a:lstStyle/>
             <a:p>
               <a:pPr lvl="0" algn="ctr"/>
-              <a:endParaRPr/>
+              <a:endParaRPr sz="2399"/>
             </a:p>
           </p:txBody>
         </p:sp>
@@ -2797,7 +3720,7 @@
         </p:nvSpPr>
         <p:spPr>
           <a:xfrm>
-            <a:off x="1625176" y="584200"/>
+            <a:off x="1625176" y="584204"/>
             <a:ext cx="8735325" cy="2000251"/>
           </a:xfrm>
         </p:spPr>
@@ -2845,13 +3768,13 @@
                 <a:spcPts val="0"/>
               </a:spcBef>
               <a:buNone/>
-              <a:defRPr sz="2800" cap="all" spc="200" baseline="0">
+              <a:defRPr sz="2801" cap="all" spc="200" baseline="0">
                 <a:solidFill>
                   <a:schemeClr val="accent1"/>
                 </a:solidFill>
               </a:defRPr>
             </a:lvl1pPr>
-            <a:lvl2pPr marL="609493" indent="0" algn="ctr">
+            <a:lvl2pPr marL="609504" indent="0" algn="ctr">
               <a:buNone/>
               <a:defRPr>
                 <a:solidFill>
@@ -2861,7 +3784,7 @@
                 </a:solidFill>
               </a:defRPr>
             </a:lvl2pPr>
-            <a:lvl3pPr marL="1218987" indent="0" algn="ctr">
+            <a:lvl3pPr marL="1219007" indent="0" algn="ctr">
               <a:buNone/>
               <a:defRPr>
                 <a:solidFill>
@@ -2871,7 +3794,7 @@
                 </a:solidFill>
               </a:defRPr>
             </a:lvl3pPr>
-            <a:lvl4pPr marL="1828480" indent="0" algn="ctr">
+            <a:lvl4pPr marL="1828511" indent="0" algn="ctr">
               <a:buNone/>
               <a:defRPr>
                 <a:solidFill>
@@ -2881,7 +3804,7 @@
                 </a:solidFill>
               </a:defRPr>
             </a:lvl4pPr>
-            <a:lvl5pPr marL="2437973" indent="0" algn="ctr">
+            <a:lvl5pPr marL="2438013" indent="0" algn="ctr">
               <a:buNone/>
               <a:defRPr>
                 <a:solidFill>
@@ -2891,7 +3814,7 @@
                 </a:solidFill>
               </a:defRPr>
             </a:lvl5pPr>
-            <a:lvl6pPr marL="3047467" indent="0" algn="ctr">
+            <a:lvl6pPr marL="3047518" indent="0" algn="ctr">
               <a:buNone/>
               <a:defRPr>
                 <a:solidFill>
@@ -2901,7 +3824,7 @@
                 </a:solidFill>
               </a:defRPr>
             </a:lvl6pPr>
-            <a:lvl7pPr marL="3656960" indent="0" algn="ctr">
+            <a:lvl7pPr marL="3657020" indent="0" algn="ctr">
               <a:buNone/>
               <a:defRPr>
                 <a:solidFill>
@@ -2911,7 +3834,7 @@
                 </a:solidFill>
               </a:defRPr>
             </a:lvl7pPr>
-            <a:lvl8pPr marL="4266453" indent="0" algn="ctr">
+            <a:lvl8pPr marL="4266524" indent="0" algn="ctr">
               <a:buNone/>
               <a:defRPr>
                 <a:solidFill>
@@ -2921,7 +3844,7 @@
                 </a:solidFill>
               </a:defRPr>
             </a:lvl8pPr>
-            <a:lvl9pPr marL="4875947" indent="0" algn="ctr">
+            <a:lvl9pPr marL="4876027" indent="0" algn="ctr">
               <a:buNone/>
               <a:defRPr>
                 <a:solidFill>
@@ -2958,7 +3881,7 @@
           <a:p>
             <a:fld id="{F0DFD029-FB74-4578-B929-F66AA97659CA}" type="datetimeFigureOut">
               <a:rPr lang="en-US"/>
-              <a:t>3/29/2020</a:t>
+              <a:t>3/30/2020</a:t>
             </a:fld>
             <a:endParaRPr/>
           </a:p>
@@ -3156,7 +4079,7 @@
           <a:p>
             <a:fld id="{F0DFD029-FB74-4578-B929-F66AA97659CA}" type="datetimeFigureOut">
               <a:rPr lang="en-US"/>
-              <a:t>3/29/2020</a:t>
+              <a:t>3/30/2020</a:t>
             </a:fld>
             <a:endParaRPr/>
           </a:p>
@@ -3364,7 +4287,7 @@
           <a:p>
             <a:fld id="{F0DFD029-FB74-4578-B929-F66AA97659CA}" type="datetimeFigureOut">
               <a:rPr lang="en-US"/>
-              <a:t>3/29/2020</a:t>
+              <a:t>3/30/2020</a:t>
             </a:fld>
             <a:endParaRPr/>
           </a:p>
@@ -3562,7 +4485,7 @@
           <a:p>
             <a:fld id="{F0DFD029-FB74-4578-B929-F66AA97659CA}" type="datetimeFigureOut">
               <a:rPr lang="en-US"/>
-              <a:t>3/29/2020</a:t>
+              <a:t>3/30/2020</a:t>
             </a:fld>
             <a:endParaRPr/>
           </a:p>
@@ -3660,7 +4583,7 @@
         </p:nvGrpSpPr>
         <p:grpSpPr>
           <a:xfrm>
-            <a:off x="7516443" y="4145281"/>
+            <a:off x="7516445" y="4145285"/>
             <a:ext cx="4686117" cy="2731407"/>
             <a:chOff x="5638800" y="3108960"/>
             <a:chExt cx="3515503" cy="2048555"/>
@@ -3833,7 +4756,7 @@
         </p:nvSpPr>
         <p:spPr>
           <a:xfrm>
-            <a:off x="1625177" y="2209801"/>
+            <a:off x="1625177" y="2209805"/>
             <a:ext cx="8938472" cy="2764335"/>
           </a:xfrm>
         </p:spPr>
@@ -3867,7 +4790,7 @@
         </p:nvSpPr>
         <p:spPr>
           <a:xfrm>
-            <a:off x="1625176" y="4951266"/>
+            <a:off x="1625176" y="4951270"/>
             <a:ext cx="7069519" cy="1220933"/>
           </a:xfrm>
         </p:spPr>
@@ -3881,15 +4804,15 @@
                 <a:spcPts val="0"/>
               </a:spcBef>
               <a:buNone/>
-              <a:defRPr sz="2800" cap="all" spc="200" baseline="0">
+              <a:defRPr sz="2801" cap="all" spc="200" baseline="0">
                 <a:solidFill>
                   <a:schemeClr val="accent1"/>
                 </a:solidFill>
               </a:defRPr>
             </a:lvl1pPr>
-            <a:lvl2pPr marL="609493" indent="0">
+            <a:lvl2pPr marL="609504" indent="0">
               <a:buNone/>
-              <a:defRPr sz="2400">
+              <a:defRPr sz="2399">
                 <a:solidFill>
                   <a:schemeClr val="tx1">
                     <a:tint val="75000"/>
@@ -3897,9 +4820,9 @@
                 </a:solidFill>
               </a:defRPr>
             </a:lvl2pPr>
-            <a:lvl3pPr marL="1218987" indent="0">
+            <a:lvl3pPr marL="1219007" indent="0">
               <a:buNone/>
-              <a:defRPr sz="2100">
+              <a:defRPr sz="2099">
                 <a:solidFill>
                   <a:schemeClr val="tx1">
                     <a:tint val="75000"/>
@@ -3907,7 +4830,7 @@
                 </a:solidFill>
               </a:defRPr>
             </a:lvl3pPr>
-            <a:lvl4pPr marL="1828480" indent="0">
+            <a:lvl4pPr marL="1828511" indent="0">
               <a:buNone/>
               <a:defRPr sz="1900">
                 <a:solidFill>
@@ -3917,7 +4840,7 @@
                 </a:solidFill>
               </a:defRPr>
             </a:lvl4pPr>
-            <a:lvl5pPr marL="2437973" indent="0">
+            <a:lvl5pPr marL="2438013" indent="0">
               <a:buNone/>
               <a:defRPr sz="1900">
                 <a:solidFill>
@@ -3927,7 +4850,7 @@
                 </a:solidFill>
               </a:defRPr>
             </a:lvl5pPr>
-            <a:lvl6pPr marL="3047467" indent="0">
+            <a:lvl6pPr marL="3047518" indent="0">
               <a:buNone/>
               <a:defRPr sz="1900">
                 <a:solidFill>
@@ -3937,7 +4860,7 @@
                 </a:solidFill>
               </a:defRPr>
             </a:lvl6pPr>
-            <a:lvl7pPr marL="3656960" indent="0">
+            <a:lvl7pPr marL="3657020" indent="0">
               <a:buNone/>
               <a:defRPr sz="1900">
                 <a:solidFill>
@@ -3947,7 +4870,7 @@
                 </a:solidFill>
               </a:defRPr>
             </a:lvl7pPr>
-            <a:lvl8pPr marL="4266453" indent="0">
+            <a:lvl8pPr marL="4266524" indent="0">
               <a:buNone/>
               <a:defRPr sz="1900">
                 <a:solidFill>
@@ -3957,7 +4880,7 @@
                 </a:solidFill>
               </a:defRPr>
             </a:lvl8pPr>
-            <a:lvl9pPr marL="4875947" indent="0">
+            <a:lvl9pPr marL="4876027" indent="0">
               <a:buNone/>
               <a:defRPr sz="1900">
                 <a:solidFill>
@@ -3994,7 +4917,7 @@
           <a:p>
             <a:fld id="{F0DFD029-FB74-4578-B929-F66AA97659CA}" type="datetimeFigureOut">
               <a:rPr lang="en-US"/>
-              <a:t>3/29/2020</a:t>
+              <a:t>3/30/2020</a:t>
             </a:fld>
             <a:endParaRPr/>
           </a:p>
@@ -4119,7 +5042,7 @@
         </p:nvSpPr>
         <p:spPr>
           <a:xfrm>
-            <a:off x="1218883" y="1706880"/>
+            <a:off x="1218884" y="1706880"/>
             <a:ext cx="5078677" cy="4465320"/>
           </a:xfrm>
         </p:spPr>
@@ -4129,10 +5052,10 @@
           </a:bodyPr>
           <a:lstStyle>
             <a:lvl1pPr>
-              <a:defRPr sz="2800"/>
+              <a:defRPr sz="2801"/>
             </a:lvl1pPr>
             <a:lvl2pPr>
-              <a:defRPr sz="2400"/>
+              <a:defRPr sz="2399"/>
             </a:lvl2pPr>
             <a:lvl3pPr>
               <a:defRPr sz="2000"/>
@@ -4206,7 +5129,7 @@
         </p:nvSpPr>
         <p:spPr>
           <a:xfrm>
-            <a:off x="6500707" y="1706880"/>
+            <a:off x="6500708" y="1706880"/>
             <a:ext cx="5078677" cy="4465320"/>
           </a:xfrm>
         </p:spPr>
@@ -4216,10 +5139,10 @@
           </a:bodyPr>
           <a:lstStyle>
             <a:lvl1pPr>
-              <a:defRPr sz="2800"/>
+              <a:defRPr sz="2801"/>
             </a:lvl1pPr>
             <a:lvl2pPr>
-              <a:defRPr sz="2400"/>
+              <a:defRPr sz="2399"/>
             </a:lvl2pPr>
             <a:lvl3pPr>
               <a:defRPr sz="2000"/>
@@ -4298,7 +5221,7 @@
           <a:p>
             <a:fld id="{F0DFD029-FB74-4578-B929-F66AA97659CA}" type="datetimeFigureOut">
               <a:rPr lang="en-US"/>
-              <a:t>3/29/2020</a:t>
+              <a:t>3/30/2020</a:t>
             </a:fld>
             <a:endParaRPr/>
           </a:p>
@@ -4441,43 +5364,43 @@
                 <a:spcPts val="0"/>
               </a:spcBef>
               <a:buNone/>
-              <a:defRPr sz="2800" b="0" cap="all" spc="200" baseline="0">
+              <a:defRPr sz="2801" b="0" cap="all" spc="200" baseline="0">
                 <a:solidFill>
                   <a:schemeClr val="accent1"/>
                 </a:solidFill>
               </a:defRPr>
             </a:lvl1pPr>
-            <a:lvl2pPr marL="609493" indent="0">
+            <a:lvl2pPr marL="609504" indent="0">
               <a:buNone/>
-              <a:defRPr sz="2700" b="1"/>
+              <a:defRPr sz="2701" b="1"/>
             </a:lvl2pPr>
-            <a:lvl3pPr marL="1218987" indent="0">
+            <a:lvl3pPr marL="1219007" indent="0">
               <a:buNone/>
-              <a:defRPr sz="2400" b="1"/>
+              <a:defRPr sz="2399" b="1"/>
             </a:lvl3pPr>
-            <a:lvl4pPr marL="1828480" indent="0">
+            <a:lvl4pPr marL="1828511" indent="0">
               <a:buNone/>
-              <a:defRPr sz="2100" b="1"/>
+              <a:defRPr sz="2099" b="1"/>
             </a:lvl4pPr>
-            <a:lvl5pPr marL="2437973" indent="0">
+            <a:lvl5pPr marL="2438013" indent="0">
               <a:buNone/>
-              <a:defRPr sz="2100" b="1"/>
+              <a:defRPr sz="2099" b="1"/>
             </a:lvl5pPr>
-            <a:lvl6pPr marL="3047467" indent="0">
+            <a:lvl6pPr marL="3047518" indent="0">
               <a:buNone/>
-              <a:defRPr sz="2100" b="1"/>
+              <a:defRPr sz="2099" b="1"/>
             </a:lvl6pPr>
-            <a:lvl7pPr marL="3656960" indent="0">
+            <a:lvl7pPr marL="3657020" indent="0">
               <a:buNone/>
-              <a:defRPr sz="2100" b="1"/>
+              <a:defRPr sz="2099" b="1"/>
             </a:lvl7pPr>
-            <a:lvl8pPr marL="4266453" indent="0">
+            <a:lvl8pPr marL="4266524" indent="0">
               <a:buNone/>
-              <a:defRPr sz="2100" b="1"/>
+              <a:defRPr sz="2099" b="1"/>
             </a:lvl8pPr>
-            <a:lvl9pPr marL="4875947" indent="0">
+            <a:lvl9pPr marL="4876027" indent="0">
               <a:buNone/>
-              <a:defRPr sz="2100" b="1"/>
+              <a:defRPr sz="2099" b="1"/>
             </a:lvl9pPr>
           </a:lstStyle>
           <a:p>
@@ -4501,7 +5424,7 @@
         </p:nvSpPr>
         <p:spPr>
           <a:xfrm>
-            <a:off x="1218883" y="2717800"/>
+            <a:off x="1218884" y="2717800"/>
             <a:ext cx="5078677" cy="3454400"/>
           </a:xfrm>
         </p:spPr>
@@ -4511,10 +5434,10 @@
           </a:bodyPr>
           <a:lstStyle>
             <a:lvl1pPr>
-              <a:defRPr sz="2800"/>
+              <a:defRPr sz="2801"/>
             </a:lvl1pPr>
             <a:lvl2pPr>
-              <a:defRPr sz="2400"/>
+              <a:defRPr sz="2399"/>
             </a:lvl2pPr>
             <a:lvl3pPr>
               <a:defRPr sz="2000"/>
@@ -4602,43 +5525,43 @@
                 <a:spcPts val="0"/>
               </a:spcBef>
               <a:buNone/>
-              <a:defRPr sz="2800" b="0" cap="all" spc="200" baseline="0">
+              <a:defRPr sz="2801" b="0" cap="all" spc="200" baseline="0">
                 <a:solidFill>
                   <a:schemeClr val="accent1"/>
                 </a:solidFill>
               </a:defRPr>
             </a:lvl1pPr>
-            <a:lvl2pPr marL="609493" indent="0">
+            <a:lvl2pPr marL="609504" indent="0">
               <a:buNone/>
-              <a:defRPr sz="2700" b="1"/>
+              <a:defRPr sz="2701" b="1"/>
             </a:lvl2pPr>
-            <a:lvl3pPr marL="1218987" indent="0">
+            <a:lvl3pPr marL="1219007" indent="0">
               <a:buNone/>
-              <a:defRPr sz="2400" b="1"/>
+              <a:defRPr sz="2399" b="1"/>
             </a:lvl3pPr>
-            <a:lvl4pPr marL="1828480" indent="0">
+            <a:lvl4pPr marL="1828511" indent="0">
               <a:buNone/>
-              <a:defRPr sz="2100" b="1"/>
+              <a:defRPr sz="2099" b="1"/>
             </a:lvl4pPr>
-            <a:lvl5pPr marL="2437973" indent="0">
+            <a:lvl5pPr marL="2438013" indent="0">
               <a:buNone/>
-              <a:defRPr sz="2100" b="1"/>
+              <a:defRPr sz="2099" b="1"/>
             </a:lvl5pPr>
-            <a:lvl6pPr marL="3047467" indent="0">
+            <a:lvl6pPr marL="3047518" indent="0">
               <a:buNone/>
-              <a:defRPr sz="2100" b="1"/>
+              <a:defRPr sz="2099" b="1"/>
             </a:lvl6pPr>
-            <a:lvl7pPr marL="3656960" indent="0">
+            <a:lvl7pPr marL="3657020" indent="0">
               <a:buNone/>
-              <a:defRPr sz="2100" b="1"/>
+              <a:defRPr sz="2099" b="1"/>
             </a:lvl7pPr>
-            <a:lvl8pPr marL="4266453" indent="0">
+            <a:lvl8pPr marL="4266524" indent="0">
               <a:buNone/>
-              <a:defRPr sz="2100" b="1"/>
+              <a:defRPr sz="2099" b="1"/>
             </a:lvl8pPr>
-            <a:lvl9pPr marL="4875947" indent="0">
+            <a:lvl9pPr marL="4876027" indent="0">
               <a:buNone/>
-              <a:defRPr sz="2100" b="1"/>
+              <a:defRPr sz="2099" b="1"/>
             </a:lvl9pPr>
           </a:lstStyle>
           <a:p>
@@ -4662,7 +5585,7 @@
         </p:nvSpPr>
         <p:spPr>
           <a:xfrm>
-            <a:off x="6500707" y="2717800"/>
+            <a:off x="6500708" y="2717800"/>
             <a:ext cx="5078677" cy="3454400"/>
           </a:xfrm>
         </p:spPr>
@@ -4672,10 +5595,10 @@
           </a:bodyPr>
           <a:lstStyle>
             <a:lvl1pPr>
-              <a:defRPr sz="2800"/>
+              <a:defRPr sz="2801"/>
             </a:lvl1pPr>
             <a:lvl2pPr>
-              <a:defRPr sz="2400"/>
+              <a:defRPr sz="2399"/>
             </a:lvl2pPr>
             <a:lvl3pPr>
               <a:defRPr sz="2000"/>
@@ -4754,7 +5677,7 @@
           <a:p>
             <a:fld id="{F0DFD029-FB74-4578-B929-F66AA97659CA}" type="datetimeFigureOut">
               <a:rPr lang="en-US"/>
-              <a:t>3/29/2020</a:t>
+              <a:t>3/30/2020</a:t>
             </a:fld>
             <a:endParaRPr/>
           </a:p>
@@ -4884,7 +5807,7 @@
           <a:p>
             <a:fld id="{F0DFD029-FB74-4578-B929-F66AA97659CA}" type="datetimeFigureOut">
               <a:rPr lang="en-US"/>
-              <a:t>3/29/2020</a:t>
+              <a:t>3/30/2020</a:t>
             </a:fld>
             <a:endParaRPr/>
           </a:p>
@@ -4991,7 +5914,7 @@
           <a:p>
             <a:fld id="{F0DFD029-FB74-4578-B929-F66AA97659CA}" type="datetimeFigureOut">
               <a:rPr lang="en-US"/>
-              <a:t>3/29/2020</a:t>
+              <a:t>3/30/2020</a:t>
             </a:fld>
             <a:endParaRPr/>
           </a:p>
@@ -5103,7 +6026,7 @@
           </a:bodyPr>
           <a:lstStyle>
             <a:lvl1pPr algn="l">
-              <a:defRPr sz="2800" b="0" cap="all" spc="200" baseline="0">
+              <a:defRPr sz="2801" b="0" cap="all" spc="200" baseline="0">
                 <a:solidFill>
                   <a:schemeClr val="accent1"/>
                 </a:solidFill>
@@ -5144,35 +6067,35 @@
               <a:buNone/>
               <a:defRPr sz="2000"/>
             </a:lvl1pPr>
-            <a:lvl2pPr marL="609493" indent="0">
+            <a:lvl2pPr marL="609504" indent="0">
               <a:buNone/>
               <a:defRPr sz="1600"/>
             </a:lvl2pPr>
-            <a:lvl3pPr marL="1218987" indent="0">
+            <a:lvl3pPr marL="1219007" indent="0">
               <a:buNone/>
               <a:defRPr sz="1300"/>
             </a:lvl3pPr>
-            <a:lvl4pPr marL="1828480" indent="0">
+            <a:lvl4pPr marL="1828511" indent="0">
               <a:buNone/>
               <a:defRPr sz="1200"/>
             </a:lvl4pPr>
-            <a:lvl5pPr marL="2437973" indent="0">
+            <a:lvl5pPr marL="2438013" indent="0">
               <a:buNone/>
               <a:defRPr sz="1200"/>
             </a:lvl5pPr>
-            <a:lvl6pPr marL="3047467" indent="0">
+            <a:lvl6pPr marL="3047518" indent="0">
               <a:buNone/>
               <a:defRPr sz="1200"/>
             </a:lvl6pPr>
-            <a:lvl7pPr marL="3656960" indent="0">
+            <a:lvl7pPr marL="3657020" indent="0">
               <a:buNone/>
               <a:defRPr sz="1200"/>
             </a:lvl7pPr>
-            <a:lvl8pPr marL="4266453" indent="0">
+            <a:lvl8pPr marL="4266524" indent="0">
               <a:buNone/>
               <a:defRPr sz="1200"/>
             </a:lvl8pPr>
-            <a:lvl9pPr marL="4875947" indent="0">
+            <a:lvl9pPr marL="4876027" indent="0">
               <a:buNone/>
               <a:defRPr sz="1200"/>
             </a:lvl9pPr>
@@ -5208,10 +6131,10 @@
           </a:bodyPr>
           <a:lstStyle>
             <a:lvl1pPr>
-              <a:defRPr sz="2800"/>
+              <a:defRPr sz="2801"/>
             </a:lvl1pPr>
             <a:lvl2pPr>
-              <a:defRPr sz="2400"/>
+              <a:defRPr sz="2399"/>
             </a:lvl2pPr>
             <a:lvl3pPr>
               <a:defRPr sz="2000"/>
@@ -5290,7 +6213,7 @@
           <a:p>
             <a:fld id="{F0DFD029-FB74-4578-B929-F66AA97659CA}" type="datetimeFigureOut">
               <a:rPr lang="en-US"/>
-              <a:t>3/29/2020</a:t>
+              <a:t>3/30/2020</a:t>
             </a:fld>
             <a:endParaRPr/>
           </a:p>
@@ -5402,7 +6325,7 @@
           </a:bodyPr>
           <a:lstStyle>
             <a:lvl1pPr algn="l">
-              <a:defRPr sz="2800" b="0" cap="all" spc="200" baseline="0">
+              <a:defRPr sz="2801" b="0" cap="all" spc="200" baseline="0">
                 <a:solidFill>
                   <a:schemeClr val="accent1"/>
                 </a:solidFill>
@@ -5443,35 +6366,35 @@
               <a:buNone/>
               <a:defRPr sz="2000"/>
             </a:lvl1pPr>
-            <a:lvl2pPr marL="609493" indent="0">
+            <a:lvl2pPr marL="609504" indent="0">
               <a:buNone/>
               <a:defRPr sz="1600"/>
             </a:lvl2pPr>
-            <a:lvl3pPr marL="1218987" indent="0">
+            <a:lvl3pPr marL="1219007" indent="0">
               <a:buNone/>
               <a:defRPr sz="1300"/>
             </a:lvl3pPr>
-            <a:lvl4pPr marL="1828480" indent="0">
+            <a:lvl4pPr marL="1828511" indent="0">
               <a:buNone/>
               <a:defRPr sz="1200"/>
             </a:lvl4pPr>
-            <a:lvl5pPr marL="2437973" indent="0">
+            <a:lvl5pPr marL="2438013" indent="0">
               <a:buNone/>
               <a:defRPr sz="1200"/>
             </a:lvl5pPr>
-            <a:lvl6pPr marL="3047467" indent="0">
+            <a:lvl6pPr marL="3047518" indent="0">
               <a:buNone/>
               <a:defRPr sz="1200"/>
             </a:lvl6pPr>
-            <a:lvl7pPr marL="3656960" indent="0">
+            <a:lvl7pPr marL="3657020" indent="0">
               <a:buNone/>
               <a:defRPr sz="1200"/>
             </a:lvl7pPr>
-            <a:lvl8pPr marL="4266453" indent="0">
+            <a:lvl8pPr marL="4266524" indent="0">
               <a:buNone/>
               <a:defRPr sz="1200"/>
             </a:lvl8pPr>
-            <a:lvl9pPr marL="4875947" indent="0">
+            <a:lvl9pPr marL="4876027" indent="0">
               <a:buNone/>
               <a:defRPr sz="1200"/>
             </a:lvl9pPr>
@@ -5517,39 +6440,39 @@
           <a:lstStyle>
             <a:lvl1pPr marL="0" indent="0">
               <a:buNone/>
-              <a:defRPr sz="2800"/>
+              <a:defRPr sz="2801"/>
             </a:lvl1pPr>
-            <a:lvl2pPr marL="609493" indent="0">
+            <a:lvl2pPr marL="609504" indent="0">
               <a:buNone/>
               <a:defRPr sz="3700"/>
             </a:lvl2pPr>
-            <a:lvl3pPr marL="1218987" indent="0">
+            <a:lvl3pPr marL="1219007" indent="0">
               <a:buNone/>
-              <a:defRPr sz="3200"/>
+              <a:defRPr sz="3201"/>
             </a:lvl3pPr>
-            <a:lvl4pPr marL="1828480" indent="0">
+            <a:lvl4pPr marL="1828511" indent="0">
               <a:buNone/>
-              <a:defRPr sz="2700"/>
+              <a:defRPr sz="2701"/>
             </a:lvl4pPr>
-            <a:lvl5pPr marL="2437973" indent="0">
+            <a:lvl5pPr marL="2438013" indent="0">
               <a:buNone/>
-              <a:defRPr sz="2700"/>
+              <a:defRPr sz="2701"/>
             </a:lvl5pPr>
-            <a:lvl6pPr marL="3047467" indent="0">
+            <a:lvl6pPr marL="3047518" indent="0">
               <a:buNone/>
-              <a:defRPr sz="2700"/>
+              <a:defRPr sz="2701"/>
             </a:lvl6pPr>
-            <a:lvl7pPr marL="3656960" indent="0">
+            <a:lvl7pPr marL="3657020" indent="0">
               <a:buNone/>
-              <a:defRPr sz="2700"/>
+              <a:defRPr sz="2701"/>
             </a:lvl7pPr>
-            <a:lvl8pPr marL="4266453" indent="0">
+            <a:lvl8pPr marL="4266524" indent="0">
               <a:buNone/>
-              <a:defRPr sz="2700"/>
+              <a:defRPr sz="2701"/>
             </a:lvl8pPr>
-            <a:lvl9pPr marL="4875947" indent="0">
+            <a:lvl9pPr marL="4876027" indent="0">
               <a:buNone/>
-              <a:defRPr sz="2700"/>
+              <a:defRPr sz="2701"/>
             </a:lvl9pPr>
           </a:lstStyle>
           <a:p>
@@ -5578,7 +6501,7 @@
           <a:p>
             <a:fld id="{F0DFD029-FB74-4578-B929-F66AA97659CA}" type="datetimeFigureOut">
               <a:rPr lang="en-US"/>
-              <a:t>3/29/2020</a:t>
+              <a:t>3/30/2020</a:t>
             </a:fld>
             <a:endParaRPr/>
           </a:p>
@@ -5707,7 +6630,7 @@
         </p:nvGrpSpPr>
         <p:grpSpPr>
           <a:xfrm>
-            <a:off x="-15870" y="-3174"/>
+            <a:off x="-15867" y="-3174"/>
             <a:ext cx="819993" cy="5229225"/>
             <a:chOff x="-11906" y="-2381"/>
             <a:chExt cx="615155" cy="3921919"/>
@@ -5808,7 +6731,7 @@
             <a:lstStyle/>
             <a:p>
               <a:pPr algn="ctr"/>
-              <a:endParaRPr/>
+              <a:endParaRPr sz="2399"/>
             </a:p>
           </p:txBody>
         </p:sp>
@@ -5937,7 +6860,7 @@
             <a:lstStyle/>
             <a:p>
               <a:pPr algn="ctr"/>
-              <a:endParaRPr/>
+              <a:endParaRPr sz="2399"/>
             </a:p>
           </p:txBody>
         </p:sp>
@@ -6065,7 +6988,7 @@
             <a:lstStyle/>
             <a:p>
               <a:pPr algn="ctr"/>
-              <a:endParaRPr/>
+              <a:endParaRPr sz="2399"/>
             </a:p>
           </p:txBody>
         </p:sp>
@@ -6082,7 +7005,7 @@
         </p:nvSpPr>
         <p:spPr>
           <a:xfrm>
-            <a:off x="1218883" y="274637"/>
+            <a:off x="1218884" y="274637"/>
             <a:ext cx="10360501" cy="1223963"/>
           </a:xfrm>
           <a:prstGeom prst="rect">
@@ -6115,7 +7038,7 @@
         </p:nvSpPr>
         <p:spPr>
           <a:xfrm>
-            <a:off x="1218883" y="1701797"/>
+            <a:off x="1218884" y="1701797"/>
             <a:ext cx="10360501" cy="4462272"/>
           </a:xfrm>
           <a:prstGeom prst="rect">
@@ -6177,7 +7100,7 @@
         </p:nvSpPr>
         <p:spPr>
           <a:xfrm>
-            <a:off x="1218882" y="6356352"/>
+            <a:off x="1218882" y="6356356"/>
             <a:ext cx="2234618" cy="365125"/>
           </a:xfrm>
           <a:prstGeom prst="rect">
@@ -6201,7 +7124,7 @@
             <a:fld id="{F0DFD029-FB74-4578-B929-F66AA97659CA}" type="datetimeFigureOut">
               <a:rPr lang="en-US"/>
               <a:pPr/>
-              <a:t>3/29/2020</a:t>
+              <a:t>3/30/2020</a:t>
             </a:fld>
             <a:endParaRPr/>
           </a:p>
@@ -6219,7 +7142,7 @@
         </p:nvSpPr>
         <p:spPr>
           <a:xfrm>
-            <a:off x="3453501" y="6356352"/>
+            <a:off x="3453501" y="6356356"/>
             <a:ext cx="5281824" cy="365125"/>
           </a:xfrm>
           <a:prstGeom prst="rect">
@@ -6256,7 +7179,7 @@
         </p:nvSpPr>
         <p:spPr>
           <a:xfrm>
-            <a:off x="10563649" y="6356352"/>
+            <a:off x="10563650" y="6356356"/>
             <a:ext cx="1015735" cy="365125"/>
           </a:xfrm>
           <a:prstGeom prst="rect">
@@ -6321,7 +7244,7 @@
   </mc:AlternateContent>
   <p:txStyles>
     <p:titleStyle>
-      <a:lvl1pPr algn="l" defTabSz="1218987" rtl="0" eaLnBrk="1" latinLnBrk="0" hangingPunct="1">
+      <a:lvl1pPr algn="l" defTabSz="1219007" rtl="0" eaLnBrk="1" latinLnBrk="0" hangingPunct="1">
         <a:lnSpc>
           <a:spcPct val="90000"/>
         </a:lnSpc>
@@ -6340,7 +7263,7 @@
       </a:lvl1pPr>
     </p:titleStyle>
     <p:bodyStyle>
-      <a:lvl1pPr marL="304747" indent="-304747" algn="l" defTabSz="1218987" rtl="0" eaLnBrk="1" latinLnBrk="0" hangingPunct="1">
+      <a:lvl1pPr marL="304752" indent="-304752" algn="l" defTabSz="1219007" rtl="0" eaLnBrk="1" latinLnBrk="0" hangingPunct="1">
         <a:lnSpc>
           <a:spcPct val="90000"/>
         </a:lnSpc>
@@ -6353,7 +7276,7 @@
         <a:buSzPct val="100000"/>
         <a:buFont typeface="Arial" pitchFamily="34" charset="0"/>
         <a:buChar char="•"/>
-        <a:defRPr sz="2800" kern="1200">
+        <a:defRPr sz="2801" kern="1200">
           <a:solidFill>
             <a:schemeClr val="tx1"/>
           </a:solidFill>
@@ -6362,7 +7285,7 @@
           <a:cs typeface="+mn-cs"/>
         </a:defRPr>
       </a:lvl1pPr>
-      <a:lvl2pPr marL="609493" indent="-231607" algn="l" defTabSz="1218987" rtl="0" eaLnBrk="1" latinLnBrk="0" hangingPunct="1">
+      <a:lvl2pPr marL="609504" indent="-231611" algn="l" defTabSz="1219007" rtl="0" eaLnBrk="1" latinLnBrk="0" hangingPunct="1">
         <a:lnSpc>
           <a:spcPct val="90000"/>
         </a:lnSpc>
@@ -6375,7 +7298,7 @@
         <a:buSzPct val="80000"/>
         <a:buFont typeface="Arial" pitchFamily="34" charset="0"/>
         <a:buChar char="•"/>
-        <a:defRPr sz="2400" kern="1200">
+        <a:defRPr sz="2399" kern="1200">
           <a:solidFill>
             <a:schemeClr val="tx1"/>
           </a:solidFill>
@@ -6384,7 +7307,7 @@
           <a:cs typeface="+mn-cs"/>
         </a:defRPr>
       </a:lvl2pPr>
-      <a:lvl3pPr marL="914240" indent="-231607" algn="l" defTabSz="1218987" rtl="0" eaLnBrk="1" latinLnBrk="0" hangingPunct="1">
+      <a:lvl3pPr marL="914255" indent="-231611" algn="l" defTabSz="1219007" rtl="0" eaLnBrk="1" latinLnBrk="0" hangingPunct="1">
         <a:lnSpc>
           <a:spcPct val="90000"/>
         </a:lnSpc>
@@ -6406,7 +7329,7 @@
           <a:cs typeface="+mn-cs"/>
         </a:defRPr>
       </a:lvl3pPr>
-      <a:lvl4pPr marL="1218987" indent="-231607" algn="l" defTabSz="1218987" rtl="0" eaLnBrk="1" latinLnBrk="0" hangingPunct="1">
+      <a:lvl4pPr marL="1219007" indent="-231611" algn="l" defTabSz="1219007" rtl="0" eaLnBrk="1" latinLnBrk="0" hangingPunct="1">
         <a:lnSpc>
           <a:spcPct val="90000"/>
         </a:lnSpc>
@@ -6428,7 +7351,7 @@
           <a:cs typeface="+mn-cs"/>
         </a:defRPr>
       </a:lvl4pPr>
-      <a:lvl5pPr marL="1523733" indent="-231607" algn="l" defTabSz="1218987" rtl="0" eaLnBrk="1" latinLnBrk="0" hangingPunct="1">
+      <a:lvl5pPr marL="1523758" indent="-231611" algn="l" defTabSz="1219007" rtl="0" eaLnBrk="1" latinLnBrk="0" hangingPunct="1">
         <a:lnSpc>
           <a:spcPct val="90000"/>
         </a:lnSpc>
@@ -6450,7 +7373,7 @@
           <a:cs typeface="+mn-cs"/>
         </a:defRPr>
       </a:lvl5pPr>
-      <a:lvl6pPr marL="1828480" indent="-231607" algn="l" defTabSz="1218987" rtl="0" eaLnBrk="1" latinLnBrk="0" hangingPunct="1">
+      <a:lvl6pPr marL="1828511" indent="-231611" algn="l" defTabSz="1219007" rtl="0" eaLnBrk="1" latinLnBrk="0" hangingPunct="1">
         <a:lnSpc>
           <a:spcPct val="90000"/>
         </a:lnSpc>
@@ -6472,7 +7395,7 @@
           <a:cs typeface="+mn-cs"/>
         </a:defRPr>
       </a:lvl6pPr>
-      <a:lvl7pPr marL="2133227" indent="-231607" algn="l" defTabSz="1218987" rtl="0" eaLnBrk="1" latinLnBrk="0" hangingPunct="1">
+      <a:lvl7pPr marL="2133263" indent="-231611" algn="l" defTabSz="1219007" rtl="0" eaLnBrk="1" latinLnBrk="0" hangingPunct="1">
         <a:lnSpc>
           <a:spcPct val="90000"/>
         </a:lnSpc>
@@ -6494,7 +7417,7 @@
           <a:cs typeface="+mn-cs"/>
         </a:defRPr>
       </a:lvl7pPr>
-      <a:lvl8pPr marL="2437973" indent="-231607" algn="l" defTabSz="1218987" rtl="0" eaLnBrk="1" latinLnBrk="0" hangingPunct="1">
+      <a:lvl8pPr marL="2438013" indent="-231611" algn="l" defTabSz="1219007" rtl="0" eaLnBrk="1" latinLnBrk="0" hangingPunct="1">
         <a:lnSpc>
           <a:spcPct val="90000"/>
         </a:lnSpc>
@@ -6516,7 +7439,7 @@
           <a:cs typeface="+mn-cs"/>
         </a:defRPr>
       </a:lvl8pPr>
-      <a:lvl9pPr marL="2742720" indent="-231607" algn="l" defTabSz="1218987" rtl="0" eaLnBrk="1" latinLnBrk="0" hangingPunct="1">
+      <a:lvl9pPr marL="2742766" indent="-231611" algn="l" defTabSz="1219007" rtl="0" eaLnBrk="1" latinLnBrk="0" hangingPunct="1">
         <a:lnSpc>
           <a:spcPct val="90000"/>
         </a:lnSpc>
@@ -6543,8 +7466,8 @@
       <a:defPPr>
         <a:defRPr/>
       </a:defPPr>
-      <a:lvl1pPr marL="0" algn="l" defTabSz="1218987" rtl="0" eaLnBrk="1" latinLnBrk="0" hangingPunct="1">
-        <a:defRPr sz="2400" kern="1200">
+      <a:lvl1pPr marL="0" algn="l" defTabSz="1219007" rtl="0" eaLnBrk="1" latinLnBrk="0" hangingPunct="1">
+        <a:defRPr sz="2399" kern="1200">
           <a:solidFill>
             <a:schemeClr val="tx1"/>
           </a:solidFill>
@@ -6553,8 +7476,8 @@
           <a:cs typeface="+mn-cs"/>
         </a:defRPr>
       </a:lvl1pPr>
-      <a:lvl2pPr marL="609493" algn="l" defTabSz="1218987" rtl="0" eaLnBrk="1" latinLnBrk="0" hangingPunct="1">
-        <a:defRPr sz="2400" kern="1200">
+      <a:lvl2pPr marL="609504" algn="l" defTabSz="1219007" rtl="0" eaLnBrk="1" latinLnBrk="0" hangingPunct="1">
+        <a:defRPr sz="2399" kern="1200">
           <a:solidFill>
             <a:schemeClr val="tx1"/>
           </a:solidFill>
@@ -6563,8 +7486,8 @@
           <a:cs typeface="+mn-cs"/>
         </a:defRPr>
       </a:lvl2pPr>
-      <a:lvl3pPr marL="1218987" algn="l" defTabSz="1218987" rtl="0" eaLnBrk="1" latinLnBrk="0" hangingPunct="1">
-        <a:defRPr sz="2400" kern="1200">
+      <a:lvl3pPr marL="1219007" algn="l" defTabSz="1219007" rtl="0" eaLnBrk="1" latinLnBrk="0" hangingPunct="1">
+        <a:defRPr sz="2399" kern="1200">
           <a:solidFill>
             <a:schemeClr val="tx1"/>
           </a:solidFill>
@@ -6573,8 +7496,8 @@
           <a:cs typeface="+mn-cs"/>
         </a:defRPr>
       </a:lvl3pPr>
-      <a:lvl4pPr marL="1828480" algn="l" defTabSz="1218987" rtl="0" eaLnBrk="1" latinLnBrk="0" hangingPunct="1">
-        <a:defRPr sz="2400" kern="1200">
+      <a:lvl4pPr marL="1828511" algn="l" defTabSz="1219007" rtl="0" eaLnBrk="1" latinLnBrk="0" hangingPunct="1">
+        <a:defRPr sz="2399" kern="1200">
           <a:solidFill>
             <a:schemeClr val="tx1"/>
           </a:solidFill>
@@ -6583,8 +7506,8 @@
           <a:cs typeface="+mn-cs"/>
         </a:defRPr>
       </a:lvl4pPr>
-      <a:lvl5pPr marL="2437973" algn="l" defTabSz="1218987" rtl="0" eaLnBrk="1" latinLnBrk="0" hangingPunct="1">
-        <a:defRPr sz="2400" kern="1200">
+      <a:lvl5pPr marL="2438013" algn="l" defTabSz="1219007" rtl="0" eaLnBrk="1" latinLnBrk="0" hangingPunct="1">
+        <a:defRPr sz="2399" kern="1200">
           <a:solidFill>
             <a:schemeClr val="tx1"/>
           </a:solidFill>
@@ -6593,8 +7516,8 @@
           <a:cs typeface="+mn-cs"/>
         </a:defRPr>
       </a:lvl5pPr>
-      <a:lvl6pPr marL="3047467" algn="l" defTabSz="1218987" rtl="0" eaLnBrk="1" latinLnBrk="0" hangingPunct="1">
-        <a:defRPr sz="2400" kern="1200">
+      <a:lvl6pPr marL="3047518" algn="l" defTabSz="1219007" rtl="0" eaLnBrk="1" latinLnBrk="0" hangingPunct="1">
+        <a:defRPr sz="2399" kern="1200">
           <a:solidFill>
             <a:schemeClr val="tx1"/>
           </a:solidFill>
@@ -6603,8 +7526,8 @@
           <a:cs typeface="+mn-cs"/>
         </a:defRPr>
       </a:lvl6pPr>
-      <a:lvl7pPr marL="3656960" algn="l" defTabSz="1218987" rtl="0" eaLnBrk="1" latinLnBrk="0" hangingPunct="1">
-        <a:defRPr sz="2400" kern="1200">
+      <a:lvl7pPr marL="3657020" algn="l" defTabSz="1219007" rtl="0" eaLnBrk="1" latinLnBrk="0" hangingPunct="1">
+        <a:defRPr sz="2399" kern="1200">
           <a:solidFill>
             <a:schemeClr val="tx1"/>
           </a:solidFill>
@@ -6613,8 +7536,8 @@
           <a:cs typeface="+mn-cs"/>
         </a:defRPr>
       </a:lvl7pPr>
-      <a:lvl8pPr marL="4266453" algn="l" defTabSz="1218987" rtl="0" eaLnBrk="1" latinLnBrk="0" hangingPunct="1">
-        <a:defRPr sz="2400" kern="1200">
+      <a:lvl8pPr marL="4266524" algn="l" defTabSz="1219007" rtl="0" eaLnBrk="1" latinLnBrk="0" hangingPunct="1">
+        <a:defRPr sz="2399" kern="1200">
           <a:solidFill>
             <a:schemeClr val="tx1"/>
           </a:solidFill>
@@ -6623,8 +7546,8 @@
           <a:cs typeface="+mn-cs"/>
         </a:defRPr>
       </a:lvl8pPr>
-      <a:lvl9pPr marL="4875947" algn="l" defTabSz="1218987" rtl="0" eaLnBrk="1" latinLnBrk="0" hangingPunct="1">
-        <a:defRPr sz="2400" kern="1200">
+      <a:lvl9pPr marL="4876027" algn="l" defTabSz="1219007" rtl="0" eaLnBrk="1" latinLnBrk="0" hangingPunct="1">
+        <a:defRPr sz="2399" kern="1200">
           <a:solidFill>
             <a:schemeClr val="tx1"/>
           </a:solidFill>
@@ -6693,8 +7616,20 @@
           <a:lstStyle/>
           <a:p>
             <a:r>
-              <a:rPr lang="en-US" dirty="0"/>
-              <a:t>Unstated Prerequisites (SA)</a:t>
+              <a:rPr lang="en-US" dirty="0" err="1"/>
+              <a:t>Rmarkdown</a:t>
+            </a:r>
+            <a:r>
+              <a:rPr lang="en-US" dirty="0"/>
+              <a:t> (but really a </a:t>
+            </a:r>
+            <a:r>
+              <a:rPr lang="en-US" dirty="0" err="1"/>
+              <a:t>KnitR</a:t>
+            </a:r>
+            <a:r>
+              <a:rPr lang="en-US" dirty="0"/>
+              <a:t>) Workshop </a:t>
             </a:r>
           </a:p>
         </p:txBody>
@@ -6718,75 +7653,48 @@
         <p:spPr/>
         <p:txBody>
           <a:bodyPr>
-            <a:normAutofit lnSpcReduction="10000"/>
+            <a:normAutofit/>
           </a:bodyPr>
           <a:lstStyle/>
           <a:p>
             <a:r>
               <a:rPr lang="en-US" dirty="0"/>
-              <a:t>Zipped files</a:t>
+              <a:t>Goal:</a:t>
             </a:r>
           </a:p>
           <a:p>
             <a:pPr lvl="1"/>
             <a:r>
               <a:rPr lang="en-US" dirty="0"/>
-              <a:t>Create a zipped files and send</a:t>
+              <a:t>Create a document (PDF, DOCX, HTML) with embedded output and plots from an external R script file</a:t>
             </a:r>
           </a:p>
           <a:p>
             <a:pPr lvl="1"/>
-            <a:r>
-              <a:rPr lang="en-US" dirty="0"/>
-              <a:t>Download a zipped file and find it</a:t>
-            </a:r>
-          </a:p>
-          <a:p>
-            <a:pPr lvl="1"/>
-            <a:r>
-              <a:rPr lang="en-US" dirty="0"/>
-              <a:t>Unzip the file and find the folder</a:t>
-            </a:r>
-          </a:p>
-          <a:p>
-            <a:r>
-              <a:rPr lang="en-US" dirty="0"/>
-              <a:t>Sourcing file</a:t>
-            </a:r>
-          </a:p>
-          <a:p>
-            <a:pPr lvl="1"/>
-            <a:r>
-              <a:rPr lang="en-US" dirty="0"/>
-              <a:t>Treat your script as a whole – so, everything gets executed at once</a:t>
-            </a:r>
-          </a:p>
-          <a:p>
-            <a:pPr lvl="1"/>
-            <a:r>
-              <a:rPr lang="en-US" dirty="0"/>
-              <a:t>This put all information in the Environment</a:t>
-            </a:r>
-          </a:p>
-          <a:p>
-            <a:r>
-              <a:rPr lang="en-US" dirty="0"/>
-              <a:t>Working directory</a:t>
-            </a:r>
-          </a:p>
-          <a:p>
-            <a:pPr lvl="1"/>
-            <a:r>
-              <a:rPr lang="en-US" dirty="0"/>
-              <a:t>R is unique</a:t>
-            </a:r>
-          </a:p>
-          <a:p>
-            <a:pPr lvl="1"/>
-            <a:r>
-              <a:rPr lang="en-US" dirty="0"/>
-              <a:t>RMD, R and RStudio Project all have different rules for the working directory</a:t>
-            </a:r>
+            <a:endParaRPr lang="en-US" dirty="0"/>
+          </a:p>
+          <a:p>
+            <a:r>
+              <a:rPr lang="en-US" dirty="0" err="1"/>
+              <a:t>RMarkdown</a:t>
+            </a:r>
+            <a:r>
+              <a:rPr lang="en-US" dirty="0"/>
+              <a:t> handles the formatting of text </a:t>
+            </a:r>
+          </a:p>
+          <a:p>
+            <a:r>
+              <a:rPr lang="en-US" dirty="0" err="1"/>
+              <a:t>KnitR</a:t>
+            </a:r>
+            <a:r>
+              <a:rPr lang="en-US" dirty="0"/>
+              <a:t> handles the “knitting” of programming and text components </a:t>
+            </a:r>
+          </a:p>
+          <a:p>
+            <a:endParaRPr lang="en-US" dirty="0"/>
           </a:p>
         </p:txBody>
       </p:sp>
@@ -6844,7 +7752,7 @@
         </p:nvSpPr>
         <p:spPr>
           <a:xfrm>
-            <a:off x="1218883" y="228600"/>
+            <a:off x="1218884" y="228603"/>
             <a:ext cx="10360501" cy="1223963"/>
           </a:xfrm>
         </p:spPr>
@@ -6854,7 +7762,7 @@
           <a:p>
             <a:r>
               <a:rPr lang="en-US" dirty="0"/>
-              <a:t>Importing scripts (05)</a:t>
+              <a:t>Breaking up code in RMD (04)</a:t>
             </a:r>
           </a:p>
         </p:txBody>
@@ -6869,12 +7777,7 @@
             <p:ph idx="1"/>
           </p:nvPr>
         </p:nvSpPr>
-        <p:spPr>
-          <a:xfrm>
-            <a:off x="1218883" y="1701796"/>
-            <a:ext cx="10360501" cy="4927603"/>
-          </a:xfrm>
-        </p:spPr>
+        <p:spPr/>
         <p:txBody>
           <a:bodyPr>
             <a:normAutofit/>
@@ -6883,68 +7786,104 @@
           <a:p>
             <a:r>
               <a:rPr lang="en-US" dirty="0"/>
-              <a:t>Do development elsewhere and import code into RMD document</a:t>
-            </a:r>
-          </a:p>
-          <a:p>
-            <a:r>
-              <a:rPr lang="en-US" dirty="0"/>
-              <a:t>Plots are in the Environment (memory)</a:t>
-            </a:r>
-          </a:p>
-          <a:p>
-            <a:r>
-              <a:rPr lang="en-US" dirty="0"/>
-              <a:t>Advantages to this method: </a:t>
+              <a:t>Use the exact same code as last </a:t>
+            </a:r>
+            <a:r>
+              <a:rPr lang="en-US" dirty="0" err="1"/>
+              <a:t>Rmd</a:t>
+            </a:r>
+            <a:r>
+              <a:rPr lang="en-US" dirty="0"/>
+              <a:t> but broken into sections</a:t>
+            </a:r>
+          </a:p>
+          <a:p>
+            <a:r>
+              <a:rPr lang="en-US" b="1" i="1" dirty="0"/>
+              <a:t>eval</a:t>
+            </a:r>
+            <a:r>
+              <a:rPr lang="en-US" dirty="0"/>
+              <a:t> (execute code) and </a:t>
+            </a:r>
+            <a:r>
+              <a:rPr lang="en-US" b="1" i="1" dirty="0"/>
+              <a:t>echo</a:t>
+            </a:r>
+            <a:r>
+              <a:rPr lang="en-US" dirty="0"/>
+              <a:t> (show code) can be set for each section – both default to TRUE</a:t>
+            </a:r>
+          </a:p>
+          <a:p>
+            <a:r>
+              <a:rPr lang="en-US" dirty="0"/>
+              <a:t>Comments outside of R blocks: &lt;!--   …    </a:t>
+            </a:r>
+            <a:r>
+              <a:rPr lang="en-US" dirty="0">
+                <a:sym typeface="Wingdings" panose="05000000000000000000" pitchFamily="2" charset="2"/>
+              </a:rPr>
+              <a:t>--&gt;</a:t>
+            </a:r>
+            <a:endParaRPr lang="en-US" dirty="0"/>
+          </a:p>
+          <a:p>
+            <a:r>
+              <a:rPr lang="en-US" dirty="0"/>
+              <a:t>Can </a:t>
+            </a:r>
+            <a:r>
+              <a:rPr lang="en-US" b="1" i="1" dirty="0"/>
+              <a:t>Play</a:t>
+            </a:r>
+            <a:r>
+              <a:rPr lang="en-US" dirty="0"/>
+              <a:t> individual sections </a:t>
+            </a:r>
+          </a:p>
+          <a:p>
+            <a:r>
+              <a:rPr lang="en-US" dirty="0"/>
+              <a:t>Knit execute the code in order (except for code that has </a:t>
+            </a:r>
+            <a:r>
+              <a:rPr lang="en-US" b="1" i="1" dirty="0"/>
+              <a:t>eval</a:t>
+            </a:r>
+            <a:r>
+              <a:rPr lang="en-US" dirty="0"/>
+              <a:t> set to </a:t>
+            </a:r>
+            <a:r>
+              <a:rPr lang="en-US" b="1" i="1" dirty="0"/>
+              <a:t>FALSE</a:t>
+            </a:r>
+            <a:r>
+              <a:rPr lang="en-US" dirty="0"/>
+              <a:t>)	</a:t>
+            </a:r>
+          </a:p>
+          <a:p>
+            <a:r>
+              <a:rPr lang="en-US" dirty="0">
+                <a:solidFill>
+                  <a:srgbClr val="FFFF00"/>
+                </a:solidFill>
+              </a:rPr>
+              <a:t>Task 2</a:t>
             </a:r>
           </a:p>
           <a:p>
             <a:pPr lvl="1"/>
-            <a:r>
-              <a:rPr lang="en-US" dirty="0"/>
-              <a:t>development can be done in standard R Environment</a:t>
-            </a:r>
-          </a:p>
-          <a:p>
-            <a:pPr lvl="1"/>
-            <a:r>
-              <a:rPr lang="en-US" dirty="0"/>
-              <a:t>Easier to control document output</a:t>
-            </a:r>
-          </a:p>
-          <a:p>
-            <a:pPr lvl="1"/>
-            <a:r>
-              <a:rPr lang="en-US" dirty="0"/>
-              <a:t>Cleaner </a:t>
-            </a:r>
-          </a:p>
-          <a:p>
-            <a:r>
-              <a:rPr lang="en-US" dirty="0"/>
-              <a:t>Disadvantages</a:t>
-            </a:r>
-          </a:p>
-          <a:p>
-            <a:pPr lvl="1"/>
-            <a:r>
-              <a:rPr lang="en-US" dirty="0"/>
-              <a:t>Harder if you ECHO a lot code to document (e.g. tutorial) </a:t>
-            </a:r>
-          </a:p>
-          <a:p>
-            <a:pPr lvl="1"/>
-            <a:r>
-              <a:rPr lang="en-US" dirty="0"/>
-              <a:t>need to worry more about working directory	</a:t>
-            </a:r>
+            <a:endParaRPr lang="en-US" dirty="0"/>
           </a:p>
         </p:txBody>
       </p:sp>
     </p:spTree>
     <p:extLst>
       <p:ext uri="{BB962C8B-B14F-4D97-AF65-F5344CB8AC3E}">
-        <p14:creationId xmlns:p14="http://schemas.microsoft.com/office/powerpoint/2010/main" val="4124782566"/>
+        <p14:creationId xmlns:p14="http://schemas.microsoft.com/office/powerpoint/2010/main" val="3569865002"/>
       </p:ext>
     </p:extLst>
   </p:cSld>
@@ -6995,7 +7934,7 @@
         </p:nvSpPr>
         <p:spPr>
           <a:xfrm>
-            <a:off x="1218883" y="228600"/>
+            <a:off x="1218884" y="228603"/>
             <a:ext cx="10360501" cy="1223963"/>
           </a:xfrm>
         </p:spPr>
@@ -7005,7 +7944,7 @@
           <a:p>
             <a:r>
               <a:rPr lang="en-US" dirty="0"/>
-              <a:t>Figure manipulation (06)</a:t>
+              <a:t>Importing scripts (05)</a:t>
             </a:r>
           </a:p>
         </p:txBody>
@@ -7020,7 +7959,12 @@
             <p:ph idx="1"/>
           </p:nvPr>
         </p:nvSpPr>
-        <p:spPr/>
+        <p:spPr>
+          <a:xfrm>
+            <a:off x="1218884" y="1701799"/>
+            <a:ext cx="10360501" cy="4927603"/>
+          </a:xfrm>
+        </p:spPr>
         <p:txBody>
           <a:bodyPr>
             <a:normAutofit/>
@@ -7029,39 +7973,76 @@
           <a:p>
             <a:r>
               <a:rPr lang="en-US" dirty="0"/>
-              <a:t>Can make basic formatting changes to the output using </a:t>
+              <a:t>Doing development outside the </a:t>
             </a:r>
             <a:r>
               <a:rPr lang="en-US" dirty="0" err="1"/>
-              <a:t>KnitR</a:t>
-            </a:r>
-            <a:r>
-              <a:rPr lang="en-US" dirty="0"/>
-              <a:t> commands</a:t>
-            </a:r>
-          </a:p>
-          <a:p>
-            <a:r>
-              <a:rPr lang="en-US" dirty="0"/>
-              <a:t>Most command: Height, width, and alignment of figures</a:t>
-            </a:r>
-          </a:p>
-          <a:p>
-            <a:r>
-              <a:rPr lang="en-US" dirty="0"/>
-              <a:t>Note spacing issues in plot 3 (partially cut off)</a:t>
-            </a:r>
-            <a:br>
-              <a:rPr lang="en-US" dirty="0"/>
-            </a:br>
-            <a:endParaRPr lang="en-US" dirty="0"/>
+              <a:t>Rmd</a:t>
+            </a:r>
+            <a:r>
+              <a:rPr lang="en-US" dirty="0"/>
+              <a:t> document</a:t>
+            </a:r>
+          </a:p>
+          <a:p>
+            <a:r>
+              <a:rPr lang="en-US" dirty="0"/>
+              <a:t>Plots are in the Environment (memory)</a:t>
+            </a:r>
+          </a:p>
+          <a:p>
+            <a:r>
+              <a:rPr lang="en-US" dirty="0"/>
+              <a:t>Advantages to this method: </a:t>
+            </a:r>
+          </a:p>
+          <a:p>
+            <a:pPr lvl="1"/>
+            <a:r>
+              <a:rPr lang="en-US" dirty="0"/>
+              <a:t>Development can be done in standard R Environment</a:t>
+            </a:r>
+          </a:p>
+          <a:p>
+            <a:pPr lvl="1"/>
+            <a:r>
+              <a:rPr lang="en-US" dirty="0"/>
+              <a:t>Easier to control document output</a:t>
+            </a:r>
+          </a:p>
+          <a:p>
+            <a:pPr lvl="1"/>
+            <a:r>
+              <a:rPr lang="en-US" dirty="0"/>
+              <a:t>Cleaner </a:t>
+            </a:r>
+          </a:p>
+          <a:p>
+            <a:r>
+              <a:rPr lang="en-US" dirty="0"/>
+              <a:t>Disadvantages</a:t>
+            </a:r>
+          </a:p>
+          <a:p>
+            <a:pPr lvl="1"/>
+            <a:r>
+              <a:rPr lang="en-US" dirty="0"/>
+              <a:t>Harder if you ECHO a lot code to document (e.g. tutorial) </a:t>
+            </a:r>
+          </a:p>
+          <a:p>
+            <a:pPr lvl="1"/>
+            <a:r>
+              <a:rPr lang="en-US" dirty="0"/>
+              <a:t>Need to worry more about working directory	</a:t>
+            </a:r>
           </a:p>
         </p:txBody>
       </p:sp>
     </p:spTree>
     <p:extLst>
       <p:ext uri="{BB962C8B-B14F-4D97-AF65-F5344CB8AC3E}">
-        <p14:creationId xmlns:p14="http://schemas.microsoft.com/office/powerpoint/2010/main" val="2451106529"/>
+        <p14:creationId xmlns:p14="http://schemas.microsoft.com/office/powerpoint/2010/main" val="4124782566"/>
       </p:ext>
     </p:extLst>
   </p:cSld>
@@ -7110,14 +8091,19 @@
             <p:ph type="title"/>
           </p:nvPr>
         </p:nvSpPr>
-        <p:spPr/>
+        <p:spPr>
+          <a:xfrm>
+            <a:off x="1218884" y="228603"/>
+            <a:ext cx="10360501" cy="1223963"/>
+          </a:xfrm>
+        </p:spPr>
         <p:txBody>
           <a:bodyPr/>
           <a:lstStyle/>
           <a:p>
             <a:r>
               <a:rPr lang="en-US" dirty="0"/>
-              <a:t>Basic RMD: formatting without GUI (07)</a:t>
+              <a:t>Figure (plot) manipulation (06)</a:t>
             </a:r>
           </a:p>
         </p:txBody>
@@ -7132,126 +8118,48 @@
             <p:ph idx="1"/>
           </p:nvPr>
         </p:nvSpPr>
-        <p:spPr>
-          <a:xfrm>
-            <a:off x="1218883" y="1701796"/>
-            <a:ext cx="10360501" cy="5156204"/>
-          </a:xfrm>
-        </p:spPr>
+        <p:spPr/>
         <p:txBody>
           <a:bodyPr>
-            <a:normAutofit lnSpcReduction="10000"/>
+            <a:normAutofit/>
           </a:bodyPr>
           <a:lstStyle/>
           <a:p>
             <a:r>
               <a:rPr lang="en-US" dirty="0"/>
-              <a:t>Text generally needs to be formatted but… we don’t not have nice Word buttons</a:t>
-            </a:r>
-          </a:p>
-          <a:p>
-            <a:r>
-              <a:rPr lang="en-US" dirty="0"/>
-              <a:t>Markup language uses text commands to handle the formatting</a:t>
-            </a:r>
-          </a:p>
-          <a:p>
-            <a:pPr lvl="1"/>
-            <a:r>
-              <a:rPr lang="en-US" dirty="0"/>
-              <a:t>HTML: View Source on web page</a:t>
-            </a:r>
-          </a:p>
-          <a:p>
-            <a:r>
-              <a:rPr lang="en-US" dirty="0"/>
-              <a:t>Markup vs. Markdown (MU of MU) </a:t>
-            </a:r>
-          </a:p>
-          <a:p>
-            <a:pPr lvl="1"/>
+              <a:t>Can make basic changes to the plots using </a:t>
+            </a:r>
             <a:r>
               <a:rPr lang="en-US" dirty="0" err="1"/>
-              <a:t>Rmarkdown</a:t>
-            </a:r>
-            <a:r>
-              <a:rPr lang="en-US" dirty="0"/>
-              <a:t> creates PDF, HTML, and </a:t>
-            </a:r>
-            <a:r>
-              <a:rPr lang="en-US" dirty="0" err="1"/>
-              <a:t>DOCX</a:t>
-            </a:r>
-            <a:r>
-              <a:rPr lang="en-US" sz="1600" dirty="0" err="1"/>
-              <a:t>ml</a:t>
-            </a:r>
-            <a:r>
-              <a:rPr lang="en-US" dirty="0"/>
-              <a:t>  documents</a:t>
-            </a:r>
-          </a:p>
-          <a:p>
-            <a:r>
-              <a:rPr lang="en-US" dirty="0" err="1"/>
-              <a:t>RMarkdown</a:t>
-            </a:r>
-            <a:r>
-              <a:rPr lang="en-US" dirty="0"/>
-              <a:t> </a:t>
-            </a:r>
-            <a:r>
-              <a:rPr lang="en-US" dirty="0" err="1"/>
-              <a:t>Cheatsheet</a:t>
-            </a:r>
-            <a:r>
-              <a:rPr lang="en-US" dirty="0"/>
-              <a:t> – </a:t>
-            </a:r>
-            <a:r>
-              <a:rPr lang="en-US" dirty="0" err="1"/>
-              <a:t>Pandoc</a:t>
-            </a:r>
-            <a:r>
-              <a:rPr lang="en-US" dirty="0"/>
-              <a:t> section </a:t>
-            </a:r>
-          </a:p>
-          <a:p>
-            <a:pPr lvl="1"/>
-            <a:r>
-              <a:rPr lang="en-US" dirty="0">
-                <a:hlinkClick r:id="rId3"/>
-              </a:rPr>
-              <a:t>https://rstudio.com/wp-content/uploads/2016/03/rmarkdown-cheatsheet-2.0.pdf</a:t>
-            </a:r>
-            <a:r>
-              <a:rPr lang="en-US" dirty="0"/>
-              <a:t> </a:t>
-            </a:r>
-          </a:p>
-          <a:p>
-            <a:r>
-              <a:rPr lang="en-US" dirty="0"/>
-              <a:t>RMD: Use Header structures!</a:t>
-            </a:r>
-          </a:p>
-          <a:p>
-            <a:r>
-              <a:rPr lang="en-US" dirty="0">
-                <a:solidFill>
-                  <a:srgbClr val="FFFF00"/>
-                </a:solidFill>
-              </a:rPr>
-              <a:t>Task 3</a:t>
-            </a:r>
+              <a:t>KnitR</a:t>
+            </a:r>
+            <a:r>
+              <a:rPr lang="en-US" dirty="0"/>
+              <a:t> commands</a:t>
+            </a:r>
+          </a:p>
+          <a:p>
+            <a:r>
+              <a:rPr lang="en-US" dirty="0"/>
+              <a:t>Most common: Height, width, and alignment of figures</a:t>
+            </a:r>
+          </a:p>
+          <a:p>
+            <a:r>
+              <a:rPr lang="en-US" dirty="0"/>
+              <a:t>Note spacing issues in plot 3 (partially cut off)</a:t>
+            </a:r>
+            <a:br>
+              <a:rPr lang="en-US" dirty="0"/>
+            </a:br>
+            <a:endParaRPr lang="en-US" dirty="0"/>
           </a:p>
         </p:txBody>
       </p:sp>
     </p:spTree>
     <p:extLst>
       <p:ext uri="{BB962C8B-B14F-4D97-AF65-F5344CB8AC3E}">
-        <p14:creationId xmlns:p14="http://schemas.microsoft.com/office/powerpoint/2010/main" val="2895583067"/>
+        <p14:creationId xmlns:p14="http://schemas.microsoft.com/office/powerpoint/2010/main" val="2451106529"/>
       </p:ext>
     </p:extLst>
   </p:cSld>
@@ -7300,38 +8208,34 @@
             <p:ph type="title"/>
           </p:nvPr>
         </p:nvSpPr>
+        <p:spPr/>
+        <p:txBody>
+          <a:bodyPr/>
+          <a:lstStyle/>
+          <a:p>
+            <a:r>
+              <a:rPr lang="en-US" dirty="0"/>
+              <a:t>Basic RMD: formatting without GUI (07)</a:t>
+            </a:r>
+          </a:p>
+        </p:txBody>
+      </p:sp>
+      <p:sp>
+        <p:nvSpPr>
+          <p:cNvPr id="14" name="Content Placeholder 13"/>
+          <p:cNvSpPr>
+            <a:spLocks noGrp="1"/>
+          </p:cNvSpPr>
+          <p:nvPr>
+            <p:ph idx="1"/>
+          </p:nvPr>
+        </p:nvSpPr>
         <p:spPr>
           <a:xfrm>
-            <a:off x="1218883" y="228600"/>
-            <a:ext cx="10360501" cy="1223963"/>
+            <a:off x="1218884" y="1701796"/>
+            <a:ext cx="10360501" cy="5156204"/>
           </a:xfrm>
         </p:spPr>
-        <p:txBody>
-          <a:bodyPr/>
-          <a:lstStyle/>
-          <a:p>
-            <a:r>
-              <a:rPr lang="en-US" dirty="0" err="1"/>
-              <a:t>Rmarkdown</a:t>
-            </a:r>
-            <a:r>
-              <a:rPr lang="en-US" dirty="0"/>
-              <a:t> – Spacing (08)</a:t>
-            </a:r>
-          </a:p>
-        </p:txBody>
-      </p:sp>
-      <p:sp>
-        <p:nvSpPr>
-          <p:cNvPr id="14" name="Content Placeholder 13"/>
-          <p:cNvSpPr>
-            <a:spLocks noGrp="1"/>
-          </p:cNvSpPr>
-          <p:nvPr>
-            <p:ph idx="1"/>
-          </p:nvPr>
-        </p:nvSpPr>
-        <p:spPr/>
         <p:txBody>
           <a:bodyPr>
             <a:normAutofit/>
@@ -7339,43 +8243,124 @@
           <a:lstStyle/>
           <a:p>
             <a:r>
+              <a:rPr lang="en-US" dirty="0"/>
+              <a:t>We want to format text, but we don’t not have nice Word buttons</a:t>
+            </a:r>
+          </a:p>
+          <a:p>
+            <a:r>
+              <a:rPr lang="en-US" dirty="0"/>
+              <a:t>Markup languages use text commands to handle formatting</a:t>
+            </a:r>
+          </a:p>
+          <a:p>
+            <a:pPr lvl="1"/>
+            <a:r>
+              <a:rPr lang="en-US" dirty="0"/>
+              <a:t>HTML: View Source on web page</a:t>
+            </a:r>
+          </a:p>
+          <a:p>
+            <a:pPr lvl="1"/>
+            <a:r>
+              <a:rPr lang="en-US" dirty="0"/>
+              <a:t>PDF: LaTeX</a:t>
+            </a:r>
+          </a:p>
+          <a:p>
+            <a:pPr lvl="1"/>
+            <a:r>
+              <a:rPr lang="en-US" dirty="0"/>
+              <a:t>Word: Uses XML (it’s the </a:t>
+            </a:r>
+            <a:r>
+              <a:rPr lang="en-US" b="1" i="1" dirty="0"/>
+              <a:t>X</a:t>
+            </a:r>
+            <a:r>
+              <a:rPr lang="en-US" dirty="0"/>
+              <a:t> in </a:t>
+            </a:r>
+            <a:r>
+              <a:rPr lang="en-US" b="1" i="1" dirty="0"/>
+              <a:t>DOCX</a:t>
+            </a:r>
+            <a:r>
+              <a:rPr lang="en-US" dirty="0"/>
+              <a:t>)</a:t>
+            </a:r>
+          </a:p>
+          <a:p>
+            <a:r>
               <a:rPr lang="en-US" dirty="0" err="1"/>
               <a:t>Rmarkdown</a:t>
             </a:r>
             <a:r>
               <a:rPr lang="en-US" dirty="0"/>
-              <a:t> is not robust!</a:t>
+              <a:t> is a markup of markups (hence the “markdown”)</a:t>
             </a:r>
           </a:p>
           <a:p>
             <a:pPr lvl="1"/>
             <a:r>
               <a:rPr lang="en-US" dirty="0"/>
-              <a:t>Things RMD cannot really do: Color, Unicode characters, spacing</a:t>
-            </a:r>
-          </a:p>
-          <a:p>
-            <a:pPr lvl="1"/>
-            <a:endParaRPr lang="en-US" dirty="0"/>
-          </a:p>
-          <a:p>
-            <a:r>
-              <a:rPr lang="en-US" dirty="0"/>
-              <a:t>But you can use HTML and LaTeX </a:t>
-            </a:r>
-          </a:p>
-          <a:p>
-            <a:pPr lvl="1"/>
-            <a:r>
-              <a:rPr lang="en-US" dirty="0"/>
-              <a:t>Only works for the matching document </a:t>
-            </a:r>
-          </a:p>
-          <a:p>
-            <a:pPr lvl="1"/>
-            <a:r>
-              <a:rPr lang="en-US" dirty="0"/>
-              <a:t>HTML is ignored for PDF, LaTeX is ignored for HTML</a:t>
+              <a:t>Uses </a:t>
+            </a:r>
+            <a:r>
+              <a:rPr lang="en-US" dirty="0" err="1"/>
+              <a:t>Rmd</a:t>
+            </a:r>
+            <a:r>
+              <a:rPr lang="en-US" dirty="0"/>
+              <a:t> to create HTML, LaTeX, and XML</a:t>
+            </a:r>
+          </a:p>
+          <a:p>
+            <a:r>
+              <a:rPr lang="en-US" dirty="0" err="1">
+                <a:hlinkClick r:id="rId3"/>
+              </a:rPr>
+              <a:t>RMarkdown</a:t>
+            </a:r>
+            <a:r>
+              <a:rPr lang="en-US" dirty="0">
+                <a:hlinkClick r:id="rId3"/>
+              </a:rPr>
+              <a:t> </a:t>
+            </a:r>
+            <a:r>
+              <a:rPr lang="en-US" dirty="0" err="1">
+                <a:hlinkClick r:id="rId3"/>
+              </a:rPr>
+              <a:t>Cheatsheet</a:t>
+            </a:r>
+            <a:r>
+              <a:rPr lang="en-US" dirty="0">
+                <a:hlinkClick r:id="rId3"/>
+              </a:rPr>
+              <a:t> </a:t>
+            </a:r>
+            <a:r>
+              <a:rPr lang="en-US" dirty="0"/>
+              <a:t>– </a:t>
+            </a:r>
+            <a:r>
+              <a:rPr lang="en-US" dirty="0" err="1"/>
+              <a:t>Pandoc</a:t>
+            </a:r>
+            <a:r>
+              <a:rPr lang="en-US" dirty="0"/>
+              <a:t> section </a:t>
+            </a:r>
+          </a:p>
+          <a:p>
+            <a:r>
+              <a:rPr lang="en-US" dirty="0">
+                <a:solidFill>
+                  <a:srgbClr val="FFFF00"/>
+                </a:solidFill>
+              </a:rPr>
+              <a:t>Task 3</a:t>
             </a:r>
           </a:p>
         </p:txBody>
@@ -7383,7 +8368,7 @@
     </p:spTree>
     <p:extLst>
       <p:ext uri="{BB962C8B-B14F-4D97-AF65-F5344CB8AC3E}">
-        <p14:creationId xmlns:p14="http://schemas.microsoft.com/office/powerpoint/2010/main" val="3272729281"/>
+        <p14:creationId xmlns:p14="http://schemas.microsoft.com/office/powerpoint/2010/main" val="2895583067"/>
       </p:ext>
     </p:extLst>
   </p:cSld>
@@ -7434,7 +8419,7 @@
         </p:nvSpPr>
         <p:spPr>
           <a:xfrm>
-            <a:off x="1218883" y="228600"/>
+            <a:off x="1218884" y="228603"/>
             <a:ext cx="10360501" cy="1223963"/>
           </a:xfrm>
         </p:spPr>
@@ -7443,8 +8428,12 @@
           <a:lstStyle/>
           <a:p>
             <a:r>
-              <a:rPr lang="en-US" dirty="0"/>
-              <a:t>Outputting variable: Inline Code (09)</a:t>
+              <a:rPr lang="en-US" dirty="0" err="1"/>
+              <a:t>Rmarkdown</a:t>
+            </a:r>
+            <a:r>
+              <a:rPr lang="en-US" dirty="0"/>
+              <a:t> – Spacing (08)</a:t>
             </a:r>
           </a:p>
         </p:txBody>
@@ -7467,57 +8456,62 @@
           <a:lstStyle/>
           <a:p>
             <a:r>
-              <a:rPr lang="en-US" dirty="0"/>
-              <a:t>Want to output variable to the document without using print() or cat()</a:t>
-            </a:r>
-          </a:p>
-          <a:p>
-            <a:r>
-              <a:rPr lang="en-US" dirty="0"/>
-              <a:t>The Environment is available, and the Environment holds all the information from the script </a:t>
-            </a:r>
-          </a:p>
-          <a:p>
-            <a:r>
-              <a:rPr lang="en-US" dirty="0"/>
-              <a:t>Output environment variables directly or perform R operations on the variables and then output to the document.</a:t>
-            </a:r>
-          </a:p>
-          <a:p>
-            <a:r>
-              <a:rPr lang="en-US" dirty="0"/>
-              <a:t>Semicolons are very useful here because they allow you two string together two R operations.</a:t>
-            </a:r>
-          </a:p>
-          <a:p>
-            <a:r>
-              <a:rPr lang="en-US" dirty="0">
-                <a:solidFill>
-                  <a:srgbClr val="FFFF00"/>
-                </a:solidFill>
-              </a:rPr>
-              <a:t>Task 4</a:t>
-            </a:r>
-          </a:p>
-          <a:p>
-            <a:pPr marL="0" indent="0">
-              <a:buNone/>
-            </a:pPr>
-            <a:endParaRPr lang="en-US" dirty="0">
-              <a:solidFill>
-                <a:srgbClr val="FFFF00"/>
-              </a:solidFill>
-            </a:endParaRPr>
-          </a:p>
-          <a:p>
+              <a:rPr lang="en-US" dirty="0" err="1"/>
+              <a:t>Rmarkdown</a:t>
+            </a:r>
+            <a:r>
+              <a:rPr lang="en-US" dirty="0"/>
+              <a:t> is not robust!</a:t>
+            </a:r>
+          </a:p>
+          <a:p>
+            <a:pPr lvl="1"/>
+            <a:r>
+              <a:rPr lang="en-US" dirty="0"/>
+              <a:t>Things RMD cannot handle: color, font-size, Unicode characters, spacing</a:t>
+            </a:r>
+          </a:p>
+          <a:p>
+            <a:pPr lvl="1"/>
+            <a:r>
+              <a:rPr lang="en-US" dirty="0" err="1"/>
+              <a:t>Rmarkdown</a:t>
+            </a:r>
+            <a:r>
+              <a:rPr lang="en-US" dirty="0"/>
+              <a:t> is really meant to be a bridge to the other languages</a:t>
+            </a:r>
+          </a:p>
+          <a:p>
+            <a:pPr lvl="1"/>
             <a:endParaRPr lang="en-US" dirty="0"/>
+          </a:p>
+          <a:p>
+            <a:r>
+              <a:rPr lang="en-US" dirty="0"/>
+              <a:t>Using HTML and LaTeX </a:t>
+            </a:r>
+          </a:p>
+          <a:p>
+            <a:pPr lvl="1"/>
+            <a:r>
+              <a:rPr lang="en-US" dirty="0"/>
+              <a:t>Only works for the matching document </a:t>
+            </a:r>
+          </a:p>
+          <a:p>
+            <a:pPr lvl="1"/>
+            <a:r>
+              <a:rPr lang="en-US" dirty="0"/>
+              <a:t>HTML is ignored for PDF, LaTeX is ignored for HTML</a:t>
+            </a:r>
           </a:p>
         </p:txBody>
       </p:sp>
     </p:spTree>
     <p:extLst>
       <p:ext uri="{BB962C8B-B14F-4D97-AF65-F5344CB8AC3E}">
-        <p14:creationId xmlns:p14="http://schemas.microsoft.com/office/powerpoint/2010/main" val="1509648475"/>
+        <p14:creationId xmlns:p14="http://schemas.microsoft.com/office/powerpoint/2010/main" val="3272729281"/>
       </p:ext>
     </p:extLst>
   </p:cSld>
@@ -7568,7 +8562,7 @@
         </p:nvSpPr>
         <p:spPr>
           <a:xfrm>
-            <a:off x="1218883" y="228600"/>
+            <a:off x="1218884" y="228603"/>
             <a:ext cx="10360501" cy="1223963"/>
           </a:xfrm>
         </p:spPr>
@@ -7578,7 +8572,7 @@
           <a:p>
             <a:r>
               <a:rPr lang="en-US" dirty="0"/>
-              <a:t>Hyperlinks and Images(10)</a:t>
+              <a:t>Outputting variable: Inline Code (09)</a:t>
             </a:r>
           </a:p>
         </p:txBody>
@@ -7602,59 +8596,64 @@
           <a:p>
             <a:r>
               <a:rPr lang="en-US" dirty="0"/>
-              <a:t>Hyperlink text to a website</a:t>
-            </a:r>
-          </a:p>
-          <a:p>
-            <a:r>
-              <a:rPr lang="en-US" dirty="0"/>
-              <a:t>Hyperlink text to another section of the document</a:t>
-            </a:r>
-          </a:p>
-          <a:p>
-            <a:r>
-              <a:rPr lang="en-US" dirty="0"/>
-              <a:t>Embed an image from a local directory </a:t>
+              <a:t>The Environment is available, and the Environment holds all the information from the script </a:t>
+            </a:r>
+          </a:p>
+          <a:p>
+            <a:r>
+              <a:rPr lang="en-US" dirty="0"/>
+              <a:t>In </a:t>
+            </a:r>
+            <a:r>
+              <a:rPr lang="en-US" dirty="0" err="1"/>
+              <a:t>Rmd</a:t>
+            </a:r>
+            <a:r>
+              <a:rPr lang="en-US" dirty="0"/>
+              <a:t>, you can output environment variables or perform R operations on the variables and then output it to the document.</a:t>
             </a:r>
           </a:p>
           <a:p>
             <a:pPr lvl="1"/>
             <a:r>
               <a:rPr lang="en-US" dirty="0"/>
-              <a:t>I am not sure if embedding an image from a website is possible</a:t>
+              <a:t>`r &lt;command&gt;`</a:t>
             </a:r>
           </a:p>
           <a:p>
             <a:pPr lvl="1"/>
-            <a:endParaRPr lang="en-US" dirty="0"/>
-          </a:p>
-          <a:p>
-            <a:r>
-              <a:rPr lang="en-US" dirty="0"/>
-              <a:t>These all use a similar format:</a:t>
-            </a:r>
-          </a:p>
-          <a:p>
-            <a:pPr lvl="1"/>
-            <a:r>
-              <a:rPr lang="en-US" dirty="0"/>
-              <a:t>[&lt;text&gt;](&lt;link to image file, website, or anchor in page&gt;)</a:t>
-            </a:r>
-          </a:p>
-          <a:p>
-            <a:pPr lvl="1"/>
-            <a:r>
-              <a:rPr lang="en-US" dirty="0"/>
-              <a:t>For an image, the text becomes the caption</a:t>
-            </a:r>
-          </a:p>
-          <a:p>
-            <a:endParaRPr lang="en-US" dirty="0"/>
+            <a:r>
+              <a:rPr lang="en-US" dirty="0"/>
+              <a:t>Similar to using the Console</a:t>
+            </a:r>
+          </a:p>
+          <a:p>
+            <a:r>
+              <a:rPr lang="en-US" dirty="0"/>
+              <a:t>Semicolons are very useful here because they allow you two string together two R operations.</a:t>
+            </a:r>
+          </a:p>
+          <a:p>
+            <a:r>
+              <a:rPr lang="en-US" dirty="0">
+                <a:solidFill>
+                  <a:srgbClr val="FFFF00"/>
+                </a:solidFill>
+              </a:rPr>
+              <a:t>Task 4</a:t>
+            </a:r>
           </a:p>
           <a:p>
             <a:pPr marL="0" indent="0">
               <a:buNone/>
             </a:pPr>
+            <a:endParaRPr lang="en-US" dirty="0">
+              <a:solidFill>
+                <a:srgbClr val="FFFF00"/>
+              </a:solidFill>
+            </a:endParaRPr>
+          </a:p>
+          <a:p>
             <a:endParaRPr lang="en-US" dirty="0"/>
           </a:p>
         </p:txBody>
@@ -7662,7 +8661,7 @@
     </p:spTree>
     <p:extLst>
       <p:ext uri="{BB962C8B-B14F-4D97-AF65-F5344CB8AC3E}">
-        <p14:creationId xmlns:p14="http://schemas.microsoft.com/office/powerpoint/2010/main" val="3969417241"/>
+        <p14:creationId xmlns:p14="http://schemas.microsoft.com/office/powerpoint/2010/main" val="1509648475"/>
       </p:ext>
     </p:extLst>
   </p:cSld>
@@ -7713,7 +8712,7 @@
         </p:nvSpPr>
         <p:spPr>
           <a:xfrm>
-            <a:off x="1218883" y="228600"/>
+            <a:off x="1218884" y="228603"/>
             <a:ext cx="10360501" cy="1223963"/>
           </a:xfrm>
         </p:spPr>
@@ -7722,10 +8721,9 @@
           <a:lstStyle/>
           <a:p>
             <a:r>
-              <a:rPr lang="en-US"/>
-              <a:t>Next steps:</a:t>
-            </a:r>
-            <a:endParaRPr lang="en-US" dirty="0"/>
+              <a:rPr lang="en-US" dirty="0"/>
+              <a:t>Hyperlinks and Images(10)</a:t>
+            </a:r>
           </a:p>
         </p:txBody>
       </p:sp>
@@ -7748,13 +8746,196 @@
           <a:p>
             <a:r>
               <a:rPr lang="en-US" dirty="0"/>
-              <a:t>Slideshows</a:t>
-            </a:r>
-          </a:p>
-          <a:p>
-            <a:r>
-              <a:rPr lang="en-US" dirty="0"/>
-              <a:t>Learn HTML for advanced formatting (can convert to PDF using Print-to-PDF) </a:t>
+              <a:t>Hyperlink text to a website</a:t>
+            </a:r>
+          </a:p>
+          <a:p>
+            <a:r>
+              <a:rPr lang="en-US" dirty="0"/>
+              <a:t>Hyperlink text to another section of the document</a:t>
+            </a:r>
+          </a:p>
+          <a:p>
+            <a:r>
+              <a:rPr lang="en-US" dirty="0"/>
+              <a:t>Embed an image from a local directory </a:t>
+            </a:r>
+          </a:p>
+          <a:p>
+            <a:pPr lvl="1"/>
+            <a:r>
+              <a:rPr lang="en-US" dirty="0"/>
+              <a:t>I am not sure if embedding an image from a website is possible</a:t>
+            </a:r>
+          </a:p>
+          <a:p>
+            <a:pPr lvl="1"/>
+            <a:endParaRPr lang="en-US" dirty="0"/>
+          </a:p>
+          <a:p>
+            <a:r>
+              <a:rPr lang="en-US" dirty="0"/>
+              <a:t>These all use a similar format:</a:t>
+            </a:r>
+          </a:p>
+          <a:p>
+            <a:pPr lvl="1"/>
+            <a:r>
+              <a:rPr lang="en-US" dirty="0"/>
+              <a:t>[&lt;text&gt;](&lt;link to image file, website, or anchor in page&gt;)</a:t>
+            </a:r>
+          </a:p>
+          <a:p>
+            <a:pPr lvl="1"/>
+            <a:r>
+              <a:rPr lang="en-US" dirty="0"/>
+              <a:t>For an image, &lt;text&gt; becomes the caption</a:t>
+            </a:r>
+          </a:p>
+          <a:p>
+            <a:pPr lvl="1"/>
+            <a:r>
+              <a:rPr lang="en-US" dirty="0"/>
+              <a:t>For a hyperlink, &lt;text&gt; becomes the hyperlinked text </a:t>
+            </a:r>
+          </a:p>
+          <a:p>
+            <a:endParaRPr lang="en-US" dirty="0"/>
+          </a:p>
+          <a:p>
+            <a:pPr marL="0" indent="0">
+              <a:buNone/>
+            </a:pPr>
+            <a:endParaRPr lang="en-US" dirty="0"/>
+          </a:p>
+        </p:txBody>
+      </p:sp>
+    </p:spTree>
+    <p:extLst>
+      <p:ext uri="{BB962C8B-B14F-4D97-AF65-F5344CB8AC3E}">
+        <p14:creationId xmlns:p14="http://schemas.microsoft.com/office/powerpoint/2010/main" val="3969417241"/>
+      </p:ext>
+    </p:extLst>
+  </p:cSld>
+  <p:clrMapOvr>
+    <a:masterClrMapping/>
+  </p:clrMapOvr>
+  <mc:AlternateContent xmlns:mc="http://schemas.openxmlformats.org/markup-compatibility/2006" xmlns:p14="http://schemas.microsoft.com/office/powerpoint/2010/main">
+    <mc:Choice Requires="p14">
+      <p:transition spd="med" p14:dur="700">
+        <p:fade/>
+      </p:transition>
+    </mc:Choice>
+    <mc:Fallback xmlns="">
+      <p:transition spd="med">
+        <p:fade/>
+      </p:transition>
+    </mc:Fallback>
+  </mc:AlternateContent>
+</p:sld>
+</file>
+
+<file path=ppt/slides/slide17.xml><?xml version="1.0" encoding="utf-8"?>
+<p:sld xmlns:a="http://schemas.openxmlformats.org/drawingml/2006/main" xmlns:r="http://schemas.openxmlformats.org/officeDocument/2006/relationships" xmlns:p="http://schemas.openxmlformats.org/presentationml/2006/main">
+  <p:cSld>
+    <p:spTree>
+      <p:nvGrpSpPr>
+        <p:cNvPr id="1" name=""/>
+        <p:cNvGrpSpPr/>
+        <p:nvPr/>
+      </p:nvGrpSpPr>
+      <p:grpSpPr>
+        <a:xfrm>
+          <a:off x="0" y="0"/>
+          <a:ext cx="0" cy="0"/>
+          <a:chOff x="0" y="0"/>
+          <a:chExt cx="0" cy="0"/>
+        </a:xfrm>
+      </p:grpSpPr>
+      <p:sp>
+        <p:nvSpPr>
+          <p:cNvPr id="13" name="Title 12"/>
+          <p:cNvSpPr>
+            <a:spLocks noGrp="1"/>
+          </p:cNvSpPr>
+          <p:nvPr>
+            <p:ph type="title"/>
+          </p:nvPr>
+        </p:nvSpPr>
+        <p:spPr>
+          <a:xfrm>
+            <a:off x="1218884" y="228603"/>
+            <a:ext cx="10360501" cy="1223963"/>
+          </a:xfrm>
+        </p:spPr>
+        <p:txBody>
+          <a:bodyPr/>
+          <a:lstStyle/>
+          <a:p>
+            <a:r>
+              <a:rPr lang="en-US"/>
+              <a:t>Next steps:</a:t>
+            </a:r>
+            <a:endParaRPr lang="en-US" dirty="0"/>
+          </a:p>
+        </p:txBody>
+      </p:sp>
+      <p:sp>
+        <p:nvSpPr>
+          <p:cNvPr id="14" name="Content Placeholder 13"/>
+          <p:cNvSpPr>
+            <a:spLocks noGrp="1"/>
+          </p:cNvSpPr>
+          <p:nvPr>
+            <p:ph idx="1"/>
+          </p:nvPr>
+        </p:nvSpPr>
+        <p:spPr/>
+        <p:txBody>
+          <a:bodyPr>
+            <a:normAutofit/>
+          </a:bodyPr>
+          <a:lstStyle/>
+          <a:p>
+            <a:r>
+              <a:rPr lang="en-US" dirty="0"/>
+              <a:t>Slideshows (in </a:t>
+            </a:r>
+            <a:r>
+              <a:rPr lang="en-US" b="1" i="1" dirty="0"/>
+              <a:t>Options</a:t>
+            </a:r>
+            <a:r>
+              <a:rPr lang="en-US" dirty="0"/>
+              <a:t> when you create a new </a:t>
+            </a:r>
+            <a:r>
+              <a:rPr lang="en-US" dirty="0" err="1"/>
+              <a:t>Rmd</a:t>
+            </a:r>
+            <a:r>
+              <a:rPr lang="en-US" dirty="0"/>
+              <a:t> file)</a:t>
+            </a:r>
+          </a:p>
+          <a:p>
+            <a:r>
+              <a:rPr lang="en-US" dirty="0"/>
+              <a:t>Learn HTML for advanced formatting </a:t>
+            </a:r>
+          </a:p>
+          <a:p>
+            <a:pPr lvl="1"/>
+            <a:r>
+              <a:rPr lang="en-US" dirty="0"/>
+              <a:t>HTML is easier and more practical to learn than LaTeX </a:t>
+            </a:r>
+          </a:p>
+          <a:p>
+            <a:pPr lvl="1"/>
+            <a:r>
+              <a:rPr lang="en-US" dirty="0"/>
+              <a:t>Can convert HTML to PDF using Print-to-PDF </a:t>
             </a:r>
           </a:p>
           <a:p>
@@ -7762,7 +8943,10 @@
               <a:rPr lang="en-US" dirty="0" err="1"/>
               <a:t>RShiny</a:t>
             </a:r>
-            <a:endParaRPr lang="en-US" dirty="0"/>
+            <a:r>
+              <a:rPr lang="en-US" dirty="0"/>
+              <a:t>: interactive plots -- need HTML</a:t>
+            </a:r>
           </a:p>
         </p:txBody>
       </p:sp>
@@ -7824,14 +9008,19 @@
             <p:ph type="title"/>
           </p:nvPr>
         </p:nvSpPr>
-        <p:spPr/>
+        <p:spPr>
+          <a:xfrm>
+            <a:off x="1218884" y="274637"/>
+            <a:ext cx="10360501" cy="715963"/>
+          </a:xfrm>
+        </p:spPr>
         <p:txBody>
           <a:bodyPr/>
           <a:lstStyle/>
           <a:p>
             <a:r>
               <a:rPr lang="en-US" dirty="0"/>
-              <a:t>Downloading Material (SA)</a:t>
+              <a:t>Assumed Prerequisites (SA)</a:t>
             </a:r>
           </a:p>
         </p:txBody>
@@ -7852,7 +9041,12 @@
             <p:ph idx="1"/>
           </p:nvPr>
         </p:nvSpPr>
-        <p:spPr/>
+        <p:spPr>
+          <a:xfrm>
+            <a:off x="1218884" y="1295400"/>
+            <a:ext cx="10360501" cy="5440363"/>
+          </a:xfrm>
+        </p:spPr>
         <p:txBody>
           <a:bodyPr>
             <a:normAutofit/>
@@ -7860,89 +9054,95 @@
           <a:lstStyle/>
           <a:p>
             <a:r>
-              <a:rPr lang="en-US" dirty="0">
-                <a:hlinkClick r:id="rId3">
-                  <a:extLst>
-                    <a:ext uri="{A12FA001-AC4F-418D-AE19-62706E023703}">
-                      <ahyp:hlinkClr xmlns:ahyp="http://schemas.microsoft.com/office/drawing/2018/hyperlinkcolor" val="tx"/>
-                    </a:ext>
-                  </a:extLst>
-                </a:hlinkClick>
-              </a:rPr>
-              <a:t>https://github.com/QFCatMSU/RMarkdown-Workshop-Material</a:t>
-            </a:r>
-            <a:endParaRPr lang="en-US" dirty="0"/>
-          </a:p>
-          <a:p>
-            <a:r>
-              <a:rPr lang="en-US" dirty="0"/>
-              <a:t>Clone or Download </a:t>
+              <a:rPr lang="en-US" dirty="0"/>
+              <a:t>Zipped files (i.e., many files </a:t>
             </a:r>
             <a:r>
               <a:rPr lang="en-US" dirty="0">
                 <a:sym typeface="Wingdings" panose="05000000000000000000" pitchFamily="2" charset="2"/>
               </a:rPr>
-              <a:t> Download Zip</a:t>
-            </a:r>
-          </a:p>
-          <a:p>
-            <a:r>
-              <a:rPr lang="en-US" dirty="0">
-                <a:sym typeface="Wingdings" panose="05000000000000000000" pitchFamily="2" charset="2"/>
-              </a:rPr>
-              <a:t>Find zip and extract</a:t>
-            </a:r>
-          </a:p>
-          <a:p>
-            <a:r>
-              <a:rPr lang="en-US" dirty="0">
-                <a:sym typeface="Wingdings" panose="05000000000000000000" pitchFamily="2" charset="2"/>
-              </a:rPr>
-              <a:t>Open *.</a:t>
-            </a:r>
-            <a:r>
-              <a:rPr lang="en-US" dirty="0" err="1">
-                <a:sym typeface="Wingdings" panose="05000000000000000000" pitchFamily="2" charset="2"/>
-              </a:rPr>
-              <a:t>rProj</a:t>
-            </a:r>
-            <a:r>
-              <a:rPr lang="en-US" dirty="0">
-                <a:sym typeface="Wingdings" panose="05000000000000000000" pitchFamily="2" charset="2"/>
-              </a:rPr>
-              <a:t> file in root directory </a:t>
-            </a:r>
-          </a:p>
-          <a:p>
-            <a:r>
-              <a:rPr lang="en-US" dirty="0">
-                <a:sym typeface="Wingdings" panose="05000000000000000000" pitchFamily="2" charset="2"/>
-              </a:rPr>
-              <a:t>In RStudio File tab: find and execute .R file </a:t>
-            </a:r>
-          </a:p>
-          <a:p>
-            <a:r>
-              <a:rPr lang="en-US" dirty="0">
-                <a:solidFill>
-                  <a:srgbClr val="FFFF00"/>
-                </a:solidFill>
-                <a:sym typeface="Wingdings" panose="05000000000000000000" pitchFamily="2" charset="2"/>
-              </a:rPr>
-              <a:t>Task 1</a:t>
-            </a:r>
-            <a:endParaRPr lang="en-US" dirty="0">
-              <a:solidFill>
-                <a:srgbClr val="FFFF00"/>
-              </a:solidFill>
-            </a:endParaRPr>
+              <a:t> one file)</a:t>
+            </a:r>
+            <a:endParaRPr lang="en-US" dirty="0"/>
+          </a:p>
+          <a:p>
+            <a:pPr lvl="1"/>
+            <a:r>
+              <a:rPr lang="en-US" dirty="0"/>
+              <a:t>Create a zipped files and send</a:t>
+            </a:r>
+          </a:p>
+          <a:p>
+            <a:pPr lvl="1"/>
+            <a:r>
+              <a:rPr lang="en-US" dirty="0"/>
+              <a:t>Download a zipped file and find it</a:t>
+            </a:r>
+          </a:p>
+          <a:p>
+            <a:pPr lvl="1"/>
+            <a:r>
+              <a:rPr lang="en-US" dirty="0"/>
+              <a:t>Unzip the file and find the folder</a:t>
+            </a:r>
+          </a:p>
+          <a:p>
+            <a:r>
+              <a:rPr lang="en-US" dirty="0"/>
+              <a:t>Sourcing file</a:t>
+            </a:r>
+          </a:p>
+          <a:p>
+            <a:pPr lvl="1"/>
+            <a:r>
+              <a:rPr lang="en-US" dirty="0"/>
+              <a:t>Treat your script as a whole – so, everything gets executed at once</a:t>
+            </a:r>
+          </a:p>
+          <a:p>
+            <a:pPr lvl="1"/>
+            <a:r>
+              <a:rPr lang="en-US" dirty="0"/>
+              <a:t>This put all information in the Environment</a:t>
+            </a:r>
+          </a:p>
+          <a:p>
+            <a:r>
+              <a:rPr lang="en-US" dirty="0"/>
+              <a:t>File paths (Working directories)</a:t>
+            </a:r>
+          </a:p>
+          <a:p>
+            <a:pPr lvl="1"/>
+            <a:r>
+              <a:rPr lang="en-US" dirty="0"/>
+              <a:t>Absolute vs. relative naming</a:t>
+            </a:r>
+          </a:p>
+          <a:p>
+            <a:pPr lvl="1"/>
+            <a:r>
+              <a:rPr lang="en-US" dirty="0"/>
+              <a:t>R is unique</a:t>
+            </a:r>
+          </a:p>
+          <a:p>
+            <a:pPr lvl="1"/>
+            <a:r>
+              <a:rPr lang="en-US" dirty="0" err="1"/>
+              <a:t>RMarkdown</a:t>
+            </a:r>
+            <a:r>
+              <a:rPr lang="en-US" dirty="0"/>
+              <a:t>, R and RStudio Project all have different rules</a:t>
+            </a:r>
           </a:p>
         </p:txBody>
       </p:sp>
     </p:spTree>
     <p:extLst>
       <p:ext uri="{BB962C8B-B14F-4D97-AF65-F5344CB8AC3E}">
-        <p14:creationId xmlns:p14="http://schemas.microsoft.com/office/powerpoint/2010/main" val="2109213187"/>
+        <p14:creationId xmlns:p14="http://schemas.microsoft.com/office/powerpoint/2010/main" val="3229575491"/>
       </p:ext>
     </p:extLst>
   </p:cSld>
@@ -7983,7 +9183,13 @@
       </p:grpSpPr>
       <p:sp>
         <p:nvSpPr>
-          <p:cNvPr id="13" name="Title 12"/>
+          <p:cNvPr id="2" name="Title 1">
+            <a:extLst>
+              <a:ext uri="{FF2B5EF4-FFF2-40B4-BE49-F238E27FC236}">
+                <a16:creationId xmlns:a16="http://schemas.microsoft.com/office/drawing/2014/main" id="{19F50E6F-E507-4124-857B-D1C5AC31FEB3}"/>
+              </a:ext>
+            </a:extLst>
+          </p:cNvPr>
           <p:cNvSpPr>
             <a:spLocks noGrp="1"/>
           </p:cNvSpPr>
@@ -7998,14 +9204,20 @@
           <a:p>
             <a:r>
               <a:rPr lang="en-US" dirty="0"/>
-              <a:t>Considerations in your R document (01)</a:t>
-            </a:r>
-          </a:p>
-        </p:txBody>
-      </p:sp>
-      <p:sp>
-        <p:nvSpPr>
-          <p:cNvPr id="14" name="Content Placeholder 13"/>
+              <a:t>Downloading Material (SA)</a:t>
+            </a:r>
+          </a:p>
+        </p:txBody>
+      </p:sp>
+      <p:sp>
+        <p:nvSpPr>
+          <p:cNvPr id="3" name="Content Placeholder 2">
+            <a:extLst>
+              <a:ext uri="{FF2B5EF4-FFF2-40B4-BE49-F238E27FC236}">
+                <a16:creationId xmlns:a16="http://schemas.microsoft.com/office/drawing/2014/main" id="{2B9EAD0A-1846-4726-B035-D80FCE534E6D}"/>
+              </a:ext>
+            </a:extLst>
+          </p:cNvPr>
           <p:cNvSpPr>
             <a:spLocks noGrp="1"/>
           </p:cNvSpPr>
@@ -8021,66 +9233,161 @@
           <a:lstStyle/>
           <a:p>
             <a:r>
-              <a:rPr lang="en-US" dirty="0"/>
-              <a:t>Source script (i.e., treat script as a whole)</a:t>
-            </a:r>
-          </a:p>
-          <a:p>
-            <a:pPr lvl="1"/>
-            <a:r>
-              <a:rPr lang="en-US" dirty="0"/>
-              <a:t>puts everything in the environment</a:t>
-            </a:r>
-          </a:p>
-          <a:p>
-            <a:r>
-              <a:rPr lang="en-US" dirty="0"/>
-              <a:t>Save plot data to a variable </a:t>
-            </a:r>
-          </a:p>
-          <a:p>
-            <a:pPr lvl="1"/>
-            <a:r>
-              <a:rPr lang="en-US" dirty="0"/>
-              <a:t>Variable are in the environment</a:t>
-            </a:r>
-          </a:p>
-          <a:p>
-            <a:pPr lvl="1"/>
-            <a:r>
-              <a:rPr lang="en-US" dirty="0"/>
-              <a:t>Easier to use later to control layout in RMD document</a:t>
-            </a:r>
-          </a:p>
-          <a:p>
-            <a:r>
-              <a:rPr lang="en-US" dirty="0"/>
-              <a:t>Cat() and print() generally get replaced in RMD</a:t>
-            </a:r>
-          </a:p>
-          <a:p>
-            <a:r>
-              <a:rPr lang="en-US" dirty="0"/>
-              <a:t>Put linked folders at the top</a:t>
-            </a:r>
-          </a:p>
-          <a:p>
-            <a:pPr lvl="1"/>
-            <a:r>
-              <a:rPr lang="en-US" dirty="0"/>
-              <a:t>This is the one thing you might have to change!</a:t>
-            </a:r>
-          </a:p>
-          <a:p>
-            <a:pPr lvl="1"/>
+              <a:rPr lang="en-US" dirty="0">
+                <a:hlinkClick r:id="rId3">
+                  <a:extLst>
+                    <a:ext uri="{A12FA001-AC4F-418D-AE19-62706E023703}">
+                      <ahyp:hlinkClr xmlns:ahyp="http://schemas.microsoft.com/office/drawing/2018/hyperlinkcolor" val="tx"/>
+                    </a:ext>
+                  </a:extLst>
+                </a:hlinkClick>
+              </a:rPr>
+              <a:t>https://github.com/QFCatMSU/RMarkdown-Workshop-Material</a:t>
+            </a:r>
             <a:endParaRPr lang="en-US" dirty="0"/>
+          </a:p>
+          <a:p>
+            <a:r>
+              <a:rPr lang="en-US" dirty="0"/>
+              <a:t>Clone or Download </a:t>
+            </a:r>
+            <a:r>
+              <a:rPr lang="en-US" dirty="0">
+                <a:sym typeface="Wingdings" panose="05000000000000000000" pitchFamily="2" charset="2"/>
+              </a:rPr>
+              <a:t> Download Zip</a:t>
+            </a:r>
+          </a:p>
+          <a:p>
+            <a:r>
+              <a:rPr lang="en-US" dirty="0">
+                <a:sym typeface="Wingdings" panose="05000000000000000000" pitchFamily="2" charset="2"/>
+              </a:rPr>
+              <a:t>Find downloaded zip file and extract</a:t>
+            </a:r>
+          </a:p>
+          <a:p>
+            <a:r>
+              <a:rPr lang="en-US" dirty="0">
+                <a:sym typeface="Wingdings" panose="05000000000000000000" pitchFamily="2" charset="2"/>
+              </a:rPr>
+              <a:t>Open </a:t>
+            </a:r>
+            <a:r>
+              <a:rPr lang="en-US" b="1" i="1" dirty="0" err="1">
+                <a:sym typeface="Wingdings" panose="05000000000000000000" pitchFamily="2" charset="2"/>
+              </a:rPr>
+              <a:t>RMarkdown</a:t>
+            </a:r>
+            <a:r>
+              <a:rPr lang="en-US" b="1" i="1" dirty="0">
+                <a:sym typeface="Wingdings" panose="05000000000000000000" pitchFamily="2" charset="2"/>
+              </a:rPr>
+              <a:t>-Workshop-</a:t>
+            </a:r>
+            <a:r>
+              <a:rPr lang="en-US" b="1" i="1" dirty="0" err="1">
+                <a:sym typeface="Wingdings" panose="05000000000000000000" pitchFamily="2" charset="2"/>
+              </a:rPr>
+              <a:t>Material.rProj</a:t>
+            </a:r>
+            <a:r>
+              <a:rPr lang="en-US" b="1" i="1" dirty="0">
+                <a:sym typeface="Wingdings" panose="05000000000000000000" pitchFamily="2" charset="2"/>
+              </a:rPr>
+              <a:t> </a:t>
+            </a:r>
+            <a:r>
+              <a:rPr lang="en-US" dirty="0">
+                <a:sym typeface="Wingdings" panose="05000000000000000000" pitchFamily="2" charset="2"/>
+              </a:rPr>
+              <a:t>file in root directory </a:t>
+            </a:r>
+          </a:p>
+          <a:p>
+            <a:r>
+              <a:rPr lang="en-US" dirty="0">
+                <a:sym typeface="Wingdings" panose="05000000000000000000" pitchFamily="2" charset="2"/>
+              </a:rPr>
+              <a:t>In RStudio </a:t>
+            </a:r>
+            <a:r>
+              <a:rPr lang="en-US" b="1" i="1" dirty="0">
+                <a:sym typeface="Wingdings" panose="05000000000000000000" pitchFamily="2" charset="2"/>
+              </a:rPr>
+              <a:t>Files</a:t>
+            </a:r>
+            <a:r>
+              <a:rPr lang="en-US" dirty="0">
+                <a:sym typeface="Wingdings" panose="05000000000000000000" pitchFamily="2" charset="2"/>
+              </a:rPr>
+              <a:t> tab, find and open </a:t>
+            </a:r>
+            <a:r>
+              <a:rPr lang="en-US" b="1" i="1" dirty="0"/>
+              <a:t>01-WindsAndTemps.R</a:t>
+            </a:r>
+            <a:r>
+              <a:rPr lang="en-US" dirty="0">
+                <a:sym typeface="Wingdings" panose="05000000000000000000" pitchFamily="2" charset="2"/>
+              </a:rPr>
+              <a:t> file </a:t>
+            </a:r>
+          </a:p>
+          <a:p>
+            <a:r>
+              <a:rPr lang="en-US" dirty="0">
+                <a:sym typeface="Wingdings" panose="05000000000000000000" pitchFamily="2" charset="2"/>
+              </a:rPr>
+              <a:t>Execute </a:t>
+            </a:r>
+            <a:r>
+              <a:rPr lang="en-US" b="1" i="1" dirty="0">
+                <a:sym typeface="Wingdings" panose="05000000000000000000" pitchFamily="2" charset="2"/>
+              </a:rPr>
+              <a:t>01-WindsAndTemps.R</a:t>
+            </a:r>
+            <a:r>
+              <a:rPr lang="en-US" dirty="0">
+                <a:sym typeface="Wingdings" panose="05000000000000000000" pitchFamily="2" charset="2"/>
+              </a:rPr>
+              <a:t> using </a:t>
+            </a:r>
+            <a:r>
+              <a:rPr lang="en-US" b="1" i="1" dirty="0">
+                <a:sym typeface="Wingdings" panose="05000000000000000000" pitchFamily="2" charset="2"/>
+              </a:rPr>
+              <a:t>Source</a:t>
+            </a:r>
+            <a:r>
+              <a:rPr lang="en-US" dirty="0">
+                <a:sym typeface="Wingdings" panose="05000000000000000000" pitchFamily="2" charset="2"/>
+              </a:rPr>
+              <a:t> button</a:t>
+            </a:r>
+          </a:p>
+          <a:p>
+            <a:r>
+              <a:rPr lang="en-US" dirty="0">
+                <a:solidFill>
+                  <a:srgbClr val="FFFF00"/>
+                </a:solidFill>
+                <a:sym typeface="Wingdings" panose="05000000000000000000" pitchFamily="2" charset="2"/>
+              </a:rPr>
+              <a:t>Task 1</a:t>
+            </a:r>
+            <a:endParaRPr lang="en-US" dirty="0">
+              <a:solidFill>
+                <a:srgbClr val="FFFF00"/>
+              </a:solidFill>
+            </a:endParaRPr>
           </a:p>
         </p:txBody>
       </p:sp>
     </p:spTree>
     <p:extLst>
       <p:ext uri="{BB962C8B-B14F-4D97-AF65-F5344CB8AC3E}">
-        <p14:creationId xmlns:p14="http://schemas.microsoft.com/office/powerpoint/2010/main" val="139896278"/>
+        <p14:creationId xmlns:p14="http://schemas.microsoft.com/office/powerpoint/2010/main" val="2109213187"/>
       </p:ext>
     </p:extLst>
   </p:cSld>
@@ -8136,7 +9443,7 @@
           <a:p>
             <a:r>
               <a:rPr lang="en-US" dirty="0"/>
-              <a:t>Working directory in RMD and RStudio Projects (01)</a:t>
+              <a:t>Considerations in your R document (01)</a:t>
             </a:r>
           </a:p>
         </p:txBody>
@@ -8151,84 +9458,91 @@
             <p:ph idx="1"/>
           </p:nvPr>
         </p:nvSpPr>
-        <p:spPr/>
+        <p:spPr>
+          <a:xfrm>
+            <a:off x="1218884" y="1701796"/>
+            <a:ext cx="10360501" cy="4699003"/>
+          </a:xfrm>
+        </p:spPr>
         <p:txBody>
           <a:bodyPr>
-            <a:normAutofit lnSpcReduction="10000"/>
+            <a:normAutofit/>
           </a:bodyPr>
           <a:lstStyle/>
           <a:p>
             <a:r>
               <a:rPr lang="en-US" dirty="0"/>
-              <a:t>RStudio projects set the working directory as the root of the project</a:t>
+              <a:t>Save plot data to a variable </a:t>
             </a:r>
           </a:p>
           <a:p>
             <a:pPr lvl="1"/>
             <a:r>
               <a:rPr lang="en-US" dirty="0"/>
-              <a:t>The folder that the *.</a:t>
-            </a:r>
-            <a:r>
-              <a:rPr lang="en-US" dirty="0" err="1"/>
-              <a:t>rProj</a:t>
-            </a:r>
-            <a:r>
-              <a:rPr lang="en-US" dirty="0"/>
-              <a:t> file is in is the working directory for the project</a:t>
-            </a:r>
-          </a:p>
-          <a:p>
-            <a:r>
-              <a:rPr lang="en-US" dirty="0"/>
-              <a:t>RMD files set the working directory as the folder the RMD file is in </a:t>
+              <a:t>Variable are in the environment</a:t>
             </a:r>
           </a:p>
           <a:p>
             <a:pPr lvl="1"/>
             <a:r>
               <a:rPr lang="en-US" dirty="0"/>
-              <a:t>This is true even if it is in an RStudio Project</a:t>
-            </a:r>
-          </a:p>
-          <a:p>
-            <a:r>
-              <a:rPr lang="en-US" dirty="0"/>
-              <a:t>And R file’s working directory depends upon how it is invoked</a:t>
-            </a:r>
-          </a:p>
-          <a:p>
-            <a:r>
-              <a:rPr lang="en-US" dirty="0"/>
-              <a:t>To make all this work in this project:</a:t>
+              <a:t>Easier to use later to control layout in RMD document</a:t>
+            </a:r>
+          </a:p>
+          <a:p>
+            <a:r>
+              <a:rPr lang="en-US" dirty="0"/>
+              <a:t>Source script (i.e., treat script as a whole)</a:t>
             </a:r>
           </a:p>
           <a:p>
             <a:pPr lvl="1"/>
             <a:r>
               <a:rPr lang="en-US" dirty="0"/>
-              <a:t>Put RMD file in the root folder of the project (hacky!)</a:t>
-            </a:r>
-          </a:p>
-          <a:p>
-            <a:r>
-              <a:rPr lang="en-US" dirty="0"/>
-              <a:t>Still does not work for you:</a:t>
+              <a:t>puts everything in the environment</a:t>
+            </a:r>
+          </a:p>
+          <a:p>
+            <a:r>
+              <a:rPr lang="en-US" b="1" i="1" dirty="0"/>
+              <a:t>cat() </a:t>
+            </a:r>
+            <a:r>
+              <a:rPr lang="en-US" dirty="0"/>
+              <a:t>and </a:t>
+            </a:r>
+            <a:r>
+              <a:rPr lang="en-US" b="1" i="1" dirty="0"/>
+              <a:t>print() </a:t>
+            </a:r>
+            <a:r>
+              <a:rPr lang="en-US" dirty="0"/>
+              <a:t>generally get replaced in RMD</a:t>
+            </a:r>
+          </a:p>
+          <a:p>
+            <a:r>
+              <a:rPr lang="en-US" dirty="0"/>
+              <a:t>Put linked folders at the top</a:t>
             </a:r>
           </a:p>
           <a:p>
             <a:pPr lvl="1"/>
             <a:r>
               <a:rPr lang="en-US" dirty="0"/>
-              <a:t>Uncomment the URL link (another hack…)</a:t>
-            </a:r>
+              <a:t>This is the one thing you might have to change!</a:t>
+            </a:r>
+          </a:p>
+          <a:p>
+            <a:pPr lvl="1"/>
+            <a:endParaRPr lang="en-US" dirty="0"/>
           </a:p>
         </p:txBody>
       </p:sp>
     </p:spTree>
     <p:extLst>
       <p:ext uri="{BB962C8B-B14F-4D97-AF65-F5344CB8AC3E}">
-        <p14:creationId xmlns:p14="http://schemas.microsoft.com/office/powerpoint/2010/main" val="2270281720"/>
+        <p14:creationId xmlns:p14="http://schemas.microsoft.com/office/powerpoint/2010/main" val="139896278"/>
       </p:ext>
     </p:extLst>
   </p:cSld>
@@ -8284,7 +9598,7 @@
           <a:p>
             <a:r>
               <a:rPr lang="en-US" dirty="0"/>
-              <a:t>Creating your first RMD (02)</a:t>
+              <a:t>Working directory in RMD and RStudio Projects (01)</a:t>
             </a:r>
           </a:p>
         </p:txBody>
@@ -8299,7 +9613,12 @@
             <p:ph idx="1"/>
           </p:nvPr>
         </p:nvSpPr>
-        <p:spPr/>
+        <p:spPr>
+          <a:xfrm>
+            <a:off x="1218884" y="1701796"/>
+            <a:ext cx="10360501" cy="4775203"/>
+          </a:xfrm>
+        </p:spPr>
         <p:txBody>
           <a:bodyPr>
             <a:normAutofit/>
@@ -8308,79 +9627,70 @@
           <a:p>
             <a:r>
               <a:rPr lang="en-US" dirty="0"/>
-              <a:t>File </a:t>
-            </a:r>
-            <a:r>
-              <a:rPr lang="en-US" dirty="0">
-                <a:sym typeface="Wingdings" panose="05000000000000000000" pitchFamily="2" charset="2"/>
-              </a:rPr>
-              <a:t> New File  </a:t>
-            </a:r>
-            <a:r>
-              <a:rPr lang="en-US" dirty="0" err="1">
-                <a:sym typeface="Wingdings" panose="05000000000000000000" pitchFamily="2" charset="2"/>
-              </a:rPr>
-              <a:t>RMarkdown</a:t>
-            </a:r>
-            <a:r>
-              <a:rPr lang="en-US" dirty="0">
-                <a:sym typeface="Wingdings" panose="05000000000000000000" pitchFamily="2" charset="2"/>
-              </a:rPr>
+              <a:t>RStudio Projects sets the root folder as the working directory</a:t>
+            </a:r>
+          </a:p>
+          <a:p>
+            <a:pPr lvl="1"/>
+            <a:r>
+              <a:rPr lang="en-US" dirty="0"/>
+              <a:t>This is the folder that has the </a:t>
+            </a:r>
+            <a:r>
+              <a:rPr lang="en-US" b="1" i="1" dirty="0"/>
+              <a:t>*.</a:t>
+            </a:r>
+            <a:r>
+              <a:rPr lang="en-US" b="1" i="1" dirty="0" err="1"/>
+              <a:t>rProj</a:t>
+            </a:r>
+            <a:r>
+              <a:rPr lang="en-US" b="1" i="1" dirty="0"/>
               <a:t> </a:t>
             </a:r>
-          </a:p>
-          <a:p>
-            <a:r>
-              <a:rPr lang="en-US" dirty="0"/>
-              <a:t>Title and author: your choice, check PDF), note options on side</a:t>
-            </a:r>
-          </a:p>
-          <a:p>
-            <a:r>
-              <a:rPr lang="en-US" dirty="0"/>
-              <a:t>Create new and save to the root folder in your project</a:t>
-            </a:r>
-          </a:p>
-          <a:p>
-            <a:r>
-              <a:rPr lang="en-US" dirty="0"/>
-              <a:t>Delete everything below header (including r setup….)</a:t>
-            </a:r>
-          </a:p>
-          <a:p>
-            <a:r>
-              <a:rPr lang="en-US" dirty="0"/>
-              <a:t>Development: Copy R code in and press play</a:t>
+            <a:r>
+              <a:rPr lang="en-US" dirty="0"/>
+              <a:t>file</a:t>
             </a:r>
           </a:p>
           <a:p>
             <a:pPr lvl="1"/>
             <a:r>
               <a:rPr lang="en-US" dirty="0"/>
-              <a:t>Can do all development in RMD … but debugging is harder</a:t>
+              <a:t>This is the working directory for the RStudio Session</a:t>
             </a:r>
           </a:p>
           <a:p>
             <a:pPr lvl="1"/>
             <a:r>
               <a:rPr lang="en-US" dirty="0"/>
-              <a:t>Often get warnings if file is not saved first</a:t>
-            </a:r>
-          </a:p>
-          <a:p>
-            <a:r>
-              <a:rPr lang="en-US" dirty="0"/>
-              <a:t>Document: Click Knit </a:t>
-            </a:r>
-            <a:r>
-              <a:rPr lang="en-US" dirty="0">
-                <a:sym typeface="Wingdings" panose="05000000000000000000" pitchFamily="2" charset="2"/>
-              </a:rPr>
-              <a:t> Knit</a:t>
-            </a:r>
-            <a:r>
-              <a:rPr lang="en-US" dirty="0"/>
-              <a:t>-to-PDF</a:t>
+              <a:t>Any R file executed in the RStudio Session will have this working directory</a:t>
+            </a:r>
+          </a:p>
+          <a:p>
+            <a:r>
+              <a:rPr lang="en-US" dirty="0"/>
+              <a:t>RMD files set the working directory as the folder the RMD file is in </a:t>
+            </a:r>
+          </a:p>
+          <a:p>
+            <a:pPr lvl="1"/>
+            <a:r>
+              <a:rPr lang="en-US" dirty="0"/>
+              <a:t>This is true even if it is in an RStudio Project</a:t>
+            </a:r>
+          </a:p>
+          <a:p>
+            <a:r>
+              <a:rPr lang="en-US" dirty="0"/>
+              <a:t>To make all this work in this project:</a:t>
+            </a:r>
+          </a:p>
+          <a:p>
+            <a:pPr lvl="1"/>
+            <a:r>
+              <a:rPr lang="en-US" dirty="0"/>
+              <a:t>Put RMD file in the root folder of the project (hacky!)</a:t>
             </a:r>
           </a:p>
         </p:txBody>
@@ -8388,7 +9698,7 @@
     </p:spTree>
     <p:extLst>
       <p:ext uri="{BB962C8B-B14F-4D97-AF65-F5344CB8AC3E}">
-        <p14:creationId xmlns:p14="http://schemas.microsoft.com/office/powerpoint/2010/main" val="1690464180"/>
+        <p14:creationId xmlns:p14="http://schemas.microsoft.com/office/powerpoint/2010/main" val="2270281720"/>
       </p:ext>
     </p:extLst>
   </p:cSld>
@@ -8444,7 +9754,7 @@
           <a:p>
             <a:r>
               <a:rPr lang="en-US" dirty="0"/>
-              <a:t>Unpacking an RMD document (02)</a:t>
+              <a:t>Creating your first RMD (02)</a:t>
             </a:r>
           </a:p>
         </p:txBody>
@@ -8461,81 +9771,137 @@
         </p:nvSpPr>
         <p:spPr>
           <a:xfrm>
-            <a:off x="1218883" y="1701797"/>
+            <a:off x="1218884" y="1701797"/>
             <a:ext cx="10360501" cy="4881566"/>
           </a:xfrm>
         </p:spPr>
         <p:txBody>
           <a:bodyPr>
-            <a:normAutofit/>
+            <a:normAutofit fontScale="92500" lnSpcReduction="10000"/>
           </a:bodyPr>
           <a:lstStyle/>
           <a:p>
             <a:r>
               <a:rPr lang="en-US" dirty="0"/>
-              <a:t>Show display in RMD after Play</a:t>
+              <a:t>Create RMD file</a:t>
             </a:r>
           </a:p>
           <a:p>
             <a:pPr lvl="1"/>
             <a:r>
               <a:rPr lang="en-US" dirty="0"/>
-              <a:t>RMD can be used for development</a:t>
-            </a:r>
-          </a:p>
-          <a:p>
-            <a:r>
-              <a:rPr lang="en-US" dirty="0"/>
-              <a:t>Header: sets the rules for the document</a:t>
+              <a:t>File </a:t>
+            </a:r>
+            <a:r>
+              <a:rPr lang="en-US" dirty="0">
+                <a:sym typeface="Wingdings" panose="05000000000000000000" pitchFamily="2" charset="2"/>
+              </a:rPr>
+              <a:t> New File  </a:t>
+            </a:r>
+            <a:r>
+              <a:rPr lang="en-US" dirty="0" err="1">
+                <a:sym typeface="Wingdings" panose="05000000000000000000" pitchFamily="2" charset="2"/>
+              </a:rPr>
+              <a:t>Rmarkdown</a:t>
+            </a:r>
+            <a:r>
+              <a:rPr lang="en-US" dirty="0">
+                <a:sym typeface="Wingdings" panose="05000000000000000000" pitchFamily="2" charset="2"/>
+              </a:rPr>
+              <a:t>… </a:t>
             </a:r>
           </a:p>
           <a:p>
             <a:pPr lvl="1"/>
             <a:r>
-              <a:rPr lang="en-US" dirty="0"/>
-              <a:t>Generally for advanced users</a:t>
-            </a:r>
-          </a:p>
-          <a:p>
-            <a:r>
-              <a:rPr lang="en-US" dirty="0"/>
-              <a:t>R Code: always distinguished by apostrophe: ` (inline) or ``` (block)</a:t>
+              <a:rPr lang="en-US" b="1" i="1" dirty="0"/>
+              <a:t>Title</a:t>
+            </a:r>
+            <a:r>
+              <a:rPr lang="en-US" dirty="0"/>
+              <a:t> and </a:t>
+            </a:r>
+            <a:r>
+              <a:rPr lang="en-US" b="1" i="1" dirty="0"/>
+              <a:t>Author</a:t>
+            </a:r>
+            <a:r>
+              <a:rPr lang="en-US" dirty="0"/>
+              <a:t>: your choice</a:t>
             </a:r>
           </a:p>
           <a:p>
             <a:pPr lvl="1"/>
             <a:r>
               <a:rPr lang="en-US" dirty="0"/>
-              <a:t>Usually R – can also be Python</a:t>
-            </a:r>
-          </a:p>
-          <a:p>
-            <a:r>
-              <a:rPr lang="en-US" dirty="0"/>
-              <a:t>No </a:t>
+              <a:t>Default Output Format: Check </a:t>
+            </a:r>
+            <a:r>
+              <a:rPr lang="en-US" b="1" i="1" dirty="0"/>
+              <a:t>PDF</a:t>
+            </a:r>
+          </a:p>
+          <a:p>
+            <a:pPr lvl="1"/>
+            <a:r>
+              <a:rPr lang="en-US" dirty="0"/>
+              <a:t>Note options on side (we will stick to the default </a:t>
+            </a:r>
+            <a:r>
+              <a:rPr lang="en-US" b="1" i="1" dirty="0"/>
+              <a:t>Document</a:t>
+            </a:r>
+            <a:r>
+              <a:rPr lang="en-US" dirty="0"/>
+              <a:t>)</a:t>
+            </a:r>
+          </a:p>
+          <a:p>
+            <a:r>
+              <a:rPr lang="en-US" dirty="0"/>
+              <a:t>Save </a:t>
             </a:r>
             <a:r>
               <a:rPr lang="en-US" dirty="0" err="1"/>
-              <a:t>Rmarkdown</a:t>
-            </a:r>
-            <a:r>
-              <a:rPr lang="en-US" dirty="0"/>
-              <a:t> in this document</a:t>
-            </a:r>
-          </a:p>
-          <a:p>
-            <a:pPr lvl="1"/>
-            <a:r>
-              <a:rPr lang="en-US" dirty="0"/>
-              <a:t>It is mostly </a:t>
-            </a:r>
-            <a:r>
-              <a:rPr lang="en-US" dirty="0" err="1"/>
-              <a:t>KnitR</a:t>
-            </a:r>
-            <a:r>
-              <a:rPr lang="en-US" dirty="0"/>
-              <a:t> at this point</a:t>
+              <a:t>Rmd</a:t>
+            </a:r>
+            <a:r>
+              <a:rPr lang="en-US" dirty="0"/>
+              <a:t> file to the root folder in your project</a:t>
+            </a:r>
+          </a:p>
+          <a:p>
+            <a:r>
+              <a:rPr lang="en-US" dirty="0"/>
+              <a:t>Delete everything below header (including r setup….)</a:t>
+            </a:r>
+          </a:p>
+          <a:p>
+            <a:r>
+              <a:rPr lang="en-US" dirty="0"/>
+              <a:t>Create an R block (``` {r}       ```)</a:t>
+            </a:r>
+          </a:p>
+          <a:p>
+            <a:r>
+              <a:rPr lang="en-US" dirty="0"/>
+              <a:t>Copy in code from 01-WindsAndTemps.R Document</a:t>
+            </a:r>
+          </a:p>
+          <a:p>
+            <a:r>
+              <a:rPr lang="en-US" dirty="0"/>
+              <a:t>Click Knit </a:t>
+            </a:r>
+            <a:r>
+              <a:rPr lang="en-US" dirty="0">
+                <a:sym typeface="Wingdings" panose="05000000000000000000" pitchFamily="2" charset="2"/>
+              </a:rPr>
+              <a:t> Knit</a:t>
+            </a:r>
+            <a:r>
+              <a:rPr lang="en-US" dirty="0"/>
+              <a:t>-to-PDF</a:t>
             </a:r>
           </a:p>
         </p:txBody>
@@ -8543,7 +9909,7 @@
     </p:spTree>
     <p:extLst>
       <p:ext uri="{BB962C8B-B14F-4D97-AF65-F5344CB8AC3E}">
-        <p14:creationId xmlns:p14="http://schemas.microsoft.com/office/powerpoint/2010/main" val="3529114326"/>
+        <p14:creationId xmlns:p14="http://schemas.microsoft.com/office/powerpoint/2010/main" val="1690464180"/>
       </p:ext>
     </p:extLst>
   </p:cSld>
@@ -8599,7 +9965,7 @@
           <a:p>
             <a:r>
               <a:rPr lang="en-US" dirty="0"/>
-              <a:t>Creating your first PDF (03)</a:t>
+              <a:t>Unpacking an RMD document (02)</a:t>
             </a:r>
           </a:p>
         </p:txBody>
@@ -8614,7 +9980,12 @@
             <p:ph idx="1"/>
           </p:nvPr>
         </p:nvSpPr>
-        <p:spPr/>
+        <p:spPr>
+          <a:xfrm>
+            <a:off x="1218884" y="1701796"/>
+            <a:ext cx="10360501" cy="4881566"/>
+          </a:xfrm>
+        </p:spPr>
         <p:txBody>
           <a:bodyPr>
             <a:normAutofit/>
@@ -8622,65 +9993,78 @@
           <a:lstStyle/>
           <a:p>
             <a:r>
-              <a:rPr lang="en-US" dirty="0">
-                <a:sym typeface="Wingdings" panose="05000000000000000000" pitchFamily="2" charset="2"/>
-              </a:rPr>
-              <a:t>For reports, you usually do not want to echo the code</a:t>
+              <a:rPr lang="en-US" dirty="0"/>
+              <a:t>No </a:t>
+            </a:r>
+            <a:r>
+              <a:rPr lang="en-US" dirty="0" err="1"/>
+              <a:t>Rmarkdown</a:t>
+            </a:r>
+            <a:r>
+              <a:rPr lang="en-US" dirty="0"/>
+              <a:t> in this document</a:t>
             </a:r>
           </a:p>
           <a:p>
             <a:pPr lvl="1"/>
             <a:r>
-              <a:rPr lang="en-US" dirty="0">
-                <a:sym typeface="Wingdings" panose="05000000000000000000" pitchFamily="2" charset="2"/>
-              </a:rPr>
-              <a:t>echo=FALSE</a:t>
-            </a:r>
-          </a:p>
-          <a:p>
-            <a:r>
-              <a:rPr lang="en-US" dirty="0"/>
-              <a:t>Add text to top (formatting comes later)</a:t>
-            </a:r>
-          </a:p>
-          <a:p>
-            <a:r>
-              <a:rPr lang="en-US" dirty="0">
-                <a:sym typeface="Wingdings" panose="05000000000000000000" pitchFamily="2" charset="2"/>
-              </a:rPr>
-              <a:t>Can delete author and date if you want</a:t>
-            </a:r>
-          </a:p>
-          <a:p>
-            <a:r>
-              <a:rPr lang="en-US" dirty="0"/>
-              <a:t>Knit </a:t>
-            </a:r>
-            <a:r>
-              <a:rPr lang="en-US" dirty="0">
-                <a:sym typeface="Wingdings" panose="05000000000000000000" pitchFamily="2" charset="2"/>
-              </a:rPr>
-              <a:t> PDF</a:t>
-            </a:r>
-          </a:p>
-          <a:p>
-            <a:r>
-              <a:rPr lang="en-US" dirty="0">
-                <a:sym typeface="Wingdings" panose="05000000000000000000" pitchFamily="2" charset="2"/>
-              </a:rPr>
-              <a:t>Console output (print() and cat()) is awkward in a document – we’ll get to that!</a:t>
-            </a:r>
-          </a:p>
-          <a:p>
-            <a:pPr marL="0" indent="0">
-              <a:buNone/>
-            </a:pPr>
-            <a:endParaRPr lang="en-US" dirty="0">
-              <a:sym typeface="Wingdings" panose="05000000000000000000" pitchFamily="2" charset="2"/>
-            </a:endParaRPr>
-          </a:p>
-          <a:p>
-            <a:endParaRPr lang="en-US" dirty="0"/>
+              <a:rPr lang="en-US" dirty="0"/>
+              <a:t>It is mostly </a:t>
+            </a:r>
+            <a:r>
+              <a:rPr lang="en-US" dirty="0" err="1"/>
+              <a:t>KnitR</a:t>
+            </a:r>
+            <a:r>
+              <a:rPr lang="en-US" dirty="0"/>
+              <a:t> at this point</a:t>
+            </a:r>
+          </a:p>
+          <a:p>
+            <a:r>
+              <a:rPr lang="en-US" dirty="0"/>
+              <a:t>Header: sets the rules for the document</a:t>
+            </a:r>
+          </a:p>
+          <a:p>
+            <a:pPr lvl="1"/>
+            <a:r>
+              <a:rPr lang="en-US" dirty="0"/>
+              <a:t>Generally for advanced users</a:t>
+            </a:r>
+          </a:p>
+          <a:p>
+            <a:r>
+              <a:rPr lang="en-US" dirty="0"/>
+              <a:t>Block R Code: distinguished by three apostrophes: ``` </a:t>
+            </a:r>
+          </a:p>
+          <a:p>
+            <a:pPr lvl="1"/>
+            <a:r>
+              <a:rPr lang="en-US" dirty="0"/>
+              <a:t>Later we will see inline R code distinguished by one apostrophe</a:t>
+            </a:r>
+          </a:p>
+          <a:p>
+            <a:r>
+              <a:rPr lang="en-US" dirty="0"/>
+              <a:t>Using the RMD Play button</a:t>
+            </a:r>
+          </a:p>
+          <a:p>
+            <a:pPr lvl="1"/>
+            <a:r>
+              <a:rPr lang="en-US" dirty="0"/>
+              <a:t>Displays Console and plots</a:t>
+            </a:r>
+          </a:p>
+          <a:p>
+            <a:pPr lvl="1"/>
+            <a:r>
+              <a:rPr lang="en-US" dirty="0"/>
+              <a:t>RMD can be used for development… but it’s not great</a:t>
+            </a:r>
           </a:p>
           <a:p>
             <a:pPr lvl="1"/>
@@ -8691,7 +10075,7 @@
     </p:spTree>
     <p:extLst>
       <p:ext uri="{BB962C8B-B14F-4D97-AF65-F5344CB8AC3E}">
-        <p14:creationId xmlns:p14="http://schemas.microsoft.com/office/powerpoint/2010/main" val="2286440866"/>
+        <p14:creationId xmlns:p14="http://schemas.microsoft.com/office/powerpoint/2010/main" val="3529114326"/>
       </p:ext>
     </p:extLst>
   </p:cSld>
@@ -8740,19 +10124,14 @@
             <p:ph type="title"/>
           </p:nvPr>
         </p:nvSpPr>
-        <p:spPr>
-          <a:xfrm>
-            <a:off x="1218883" y="228600"/>
-            <a:ext cx="10360501" cy="1223963"/>
-          </a:xfrm>
-        </p:spPr>
+        <p:spPr/>
         <p:txBody>
           <a:bodyPr/>
           <a:lstStyle/>
           <a:p>
             <a:r>
               <a:rPr lang="en-US" dirty="0"/>
-              <a:t>The other two options: HTML and DOCX (03)</a:t>
+              <a:t>Remove Code from document (03)</a:t>
             </a:r>
           </a:p>
         </p:txBody>
@@ -8770,32 +10149,15 @@
         <p:spPr/>
         <p:txBody>
           <a:bodyPr>
-            <a:normAutofit lnSpcReduction="10000"/>
+            <a:normAutofit/>
           </a:bodyPr>
           <a:lstStyle/>
           <a:p>
-            <a:r>
-              <a:rPr lang="en-US" dirty="0"/>
-              <a:t>Knit </a:t>
-            </a:r>
             <a:r>
               <a:rPr lang="en-US" dirty="0">
                 <a:sym typeface="Wingdings" panose="05000000000000000000" pitchFamily="2" charset="2"/>
               </a:rPr>
-              <a:t> HTML and DOCX</a:t>
-            </a:r>
-            <a:endParaRPr lang="en-US" dirty="0"/>
-          </a:p>
-          <a:p>
-            <a:r>
-              <a:rPr lang="en-US" dirty="0"/>
-              <a:t>Note that even for a simple document, there are difference in output</a:t>
-            </a:r>
-          </a:p>
-          <a:p>
-            <a:r>
-              <a:rPr lang="en-US" dirty="0"/>
-              <a:t>Generally, best to develop RMD for ONE type of document because difference grow as document grows (more in MD section)</a:t>
+              <a:t>For reports, you usually do not want to echo the code</a:t>
             </a:r>
           </a:p>
           <a:p>
@@ -8804,58 +10166,68 @@
               <a:rPr lang="en-US" dirty="0">
                 <a:sym typeface="Wingdings" panose="05000000000000000000" pitchFamily="2" charset="2"/>
               </a:rPr>
-              <a:t>Word: create RMD book</a:t>
-            </a:r>
-          </a:p>
-          <a:p>
-            <a:pPr lvl="1"/>
+              <a:t>Turn off echo in  R block:  </a:t>
+            </a:r>
+            <a:r>
+              <a:rPr lang="en-US" dirty="0">
+                <a:solidFill>
+                  <a:schemeClr val="accent1">
+                    <a:lumMod val="60000"/>
+                    <a:lumOff val="40000"/>
+                  </a:schemeClr>
+                </a:solidFill>
+                <a:sym typeface="Wingdings" panose="05000000000000000000" pitchFamily="2" charset="2"/>
+              </a:rPr>
+              <a:t>```{r echo = FALSE}</a:t>
+            </a:r>
+          </a:p>
+          <a:p>
+            <a:r>
+              <a:rPr lang="en-US" dirty="0"/>
+              <a:t>Add text to top (still plain text at this point) </a:t>
+            </a:r>
+          </a:p>
+          <a:p>
+            <a:r>
+              <a:rPr lang="en-US" dirty="0"/>
+              <a:t>Knit </a:t>
+            </a:r>
             <a:r>
               <a:rPr lang="en-US" dirty="0">
                 <a:sym typeface="Wingdings" panose="05000000000000000000" pitchFamily="2" charset="2"/>
               </a:rPr>
-              <a:t>PDF: create small document/ articles</a:t>
-            </a:r>
-          </a:p>
-          <a:p>
-            <a:pPr lvl="1"/>
+              <a:t> PDF</a:t>
+            </a:r>
+          </a:p>
+          <a:p>
             <a:r>
               <a:rPr lang="en-US" dirty="0">
                 <a:sym typeface="Wingdings" panose="05000000000000000000" pitchFamily="2" charset="2"/>
               </a:rPr>
-              <a:t>HTML: create interactive (</a:t>
-            </a:r>
-            <a:r>
-              <a:rPr lang="en-US" dirty="0" err="1">
-                <a:sym typeface="Wingdings" panose="05000000000000000000" pitchFamily="2" charset="2"/>
-              </a:rPr>
-              <a:t>Rshiny</a:t>
-            </a:r>
-            <a:r>
-              <a:rPr lang="en-US" dirty="0">
-                <a:sym typeface="Wingdings" panose="05000000000000000000" pitchFamily="2" charset="2"/>
-              </a:rPr>
-              <a:t>) / web-based document</a:t>
-            </a:r>
-          </a:p>
-          <a:p>
-            <a:pPr lvl="2"/>
-            <a:r>
-              <a:rPr lang="en-US" dirty="0"/>
-              <a:t>Note: outside of RMD, an HTML file can be converted to PDF with one simple trick</a:t>
-            </a:r>
-          </a:p>
-          <a:p>
-            <a:r>
-              <a:rPr lang="en-US" dirty="0"/>
-              <a:t>Lots of bad RMD habits out there! </a:t>
-            </a:r>
+              <a:t>Right now we have R output with text added in a document</a:t>
+            </a:r>
+          </a:p>
+          <a:p>
+            <a:pPr marL="0" indent="0">
+              <a:buNone/>
+            </a:pPr>
+            <a:endParaRPr lang="en-US" dirty="0">
+              <a:sym typeface="Wingdings" panose="05000000000000000000" pitchFamily="2" charset="2"/>
+            </a:endParaRPr>
+          </a:p>
+          <a:p>
+            <a:endParaRPr lang="en-US" dirty="0"/>
+          </a:p>
+          <a:p>
+            <a:pPr lvl="1"/>
+            <a:endParaRPr lang="en-US" dirty="0"/>
           </a:p>
         </p:txBody>
       </p:sp>
     </p:spTree>
     <p:extLst>
       <p:ext uri="{BB962C8B-B14F-4D97-AF65-F5344CB8AC3E}">
-        <p14:creationId xmlns:p14="http://schemas.microsoft.com/office/powerpoint/2010/main" val="1411325298"/>
+        <p14:creationId xmlns:p14="http://schemas.microsoft.com/office/powerpoint/2010/main" val="2286440866"/>
       </p:ext>
     </p:extLst>
   </p:cSld>
@@ -8906,7 +10278,7 @@
         </p:nvSpPr>
         <p:spPr>
           <a:xfrm>
-            <a:off x="1218883" y="228600"/>
+            <a:off x="1218884" y="228603"/>
             <a:ext cx="10360501" cy="1223963"/>
           </a:xfrm>
         </p:spPr>
@@ -8916,7 +10288,7 @@
           <a:p>
             <a:r>
               <a:rPr lang="en-US" dirty="0"/>
-              <a:t>Breaking up code in RMD (04)</a:t>
+              <a:t>The other two options: HTML and Word (03)</a:t>
             </a:r>
           </a:p>
         </p:txBody>
@@ -8940,60 +10312,89 @@
           <a:p>
             <a:r>
               <a:rPr lang="en-US" dirty="0"/>
-              <a:t>Use the exact same code but broken into sections</a:t>
-            </a:r>
-          </a:p>
-          <a:p>
-            <a:r>
-              <a:rPr lang="en-US" dirty="0"/>
-              <a:t>Comments outside of R code is &lt;!--   …    </a:t>
+              <a:t>Knit </a:t>
             </a:r>
             <a:r>
               <a:rPr lang="en-US" dirty="0">
                 <a:sym typeface="Wingdings" panose="05000000000000000000" pitchFamily="2" charset="2"/>
               </a:rPr>
-              <a:t>--&gt;</a:t>
+              <a:t> HTML and Word</a:t>
             </a:r>
             <a:endParaRPr lang="en-US" dirty="0"/>
           </a:p>
           <a:p>
             <a:r>
               <a:rPr lang="en-US" dirty="0"/>
-              <a:t>EVAL (execute code) and ECHO (show code) can be set for each section – both defaults to TRUE</a:t>
-            </a:r>
-          </a:p>
-          <a:p>
-            <a:r>
-              <a:rPr lang="en-US" dirty="0"/>
-              <a:t>Can Play individual section </a:t>
-            </a:r>
-          </a:p>
-          <a:p>
-            <a:r>
-              <a:rPr lang="en-US" dirty="0"/>
-              <a:t>Knit execute the code in order (except for code that has EVAL set to FALSE)	</a:t>
-            </a:r>
-          </a:p>
-          <a:p>
+              <a:t>Note: even for a simple </a:t>
+            </a:r>
+            <a:r>
+              <a:rPr lang="en-US" dirty="0" err="1"/>
+              <a:t>Rmd</a:t>
+            </a:r>
+            <a:r>
+              <a:rPr lang="en-US" dirty="0"/>
+              <a:t> file, there are noticeable differences in output of the different documents</a:t>
+            </a:r>
+          </a:p>
+          <a:p>
+            <a:r>
+              <a:rPr lang="en-US" dirty="0"/>
+              <a:t>Generally, best to develop </a:t>
+            </a:r>
+            <a:r>
+              <a:rPr lang="en-US" dirty="0" err="1"/>
+              <a:t>Rmd</a:t>
+            </a:r>
+            <a:r>
+              <a:rPr lang="en-US" dirty="0"/>
+              <a:t> for ONE type of document because differences grow as the document grows</a:t>
+            </a:r>
+          </a:p>
+          <a:p>
+            <a:pPr lvl="1"/>
             <a:r>
               <a:rPr lang="en-US" dirty="0">
-                <a:solidFill>
-                  <a:srgbClr val="FFFF00"/>
-                </a:solidFill>
+                <a:sym typeface="Wingdings" panose="05000000000000000000" pitchFamily="2" charset="2"/>
               </a:rPr>
-              <a:t>Task 2</a:t>
+              <a:t>Word: books</a:t>
             </a:r>
           </a:p>
           <a:p>
             <a:pPr lvl="1"/>
-            <a:endParaRPr lang="en-US" dirty="0"/>
+            <a:r>
+              <a:rPr lang="en-US" dirty="0">
+                <a:sym typeface="Wingdings" panose="05000000000000000000" pitchFamily="2" charset="2"/>
+              </a:rPr>
+              <a:t>PDF: static documents or articles</a:t>
+            </a:r>
+          </a:p>
+          <a:p>
+            <a:pPr lvl="1"/>
+            <a:r>
+              <a:rPr lang="en-US" dirty="0">
+                <a:sym typeface="Wingdings" panose="05000000000000000000" pitchFamily="2" charset="2"/>
+              </a:rPr>
+              <a:t>HTML: web-based or interactive (</a:t>
+            </a:r>
+            <a:r>
+              <a:rPr lang="en-US" dirty="0" err="1">
+                <a:sym typeface="Wingdings" panose="05000000000000000000" pitchFamily="2" charset="2"/>
+              </a:rPr>
+              <a:t>RShiny</a:t>
+            </a:r>
+            <a:r>
+              <a:rPr lang="en-US" dirty="0">
+                <a:sym typeface="Wingdings" panose="05000000000000000000" pitchFamily="2" charset="2"/>
+              </a:rPr>
+              <a:t>) documents</a:t>
+            </a:r>
           </a:p>
         </p:txBody>
       </p:sp>
     </p:spTree>
     <p:extLst>
       <p:ext uri="{BB962C8B-B14F-4D97-AF65-F5344CB8AC3E}">
-        <p14:creationId xmlns:p14="http://schemas.microsoft.com/office/powerpoint/2010/main" val="3569865002"/>
+        <p14:creationId xmlns:p14="http://schemas.microsoft.com/office/powerpoint/2010/main" val="1411325298"/>
       </p:ext>
     </p:extLst>
   </p:cSld>
@@ -9966,24 +11367,6 @@
 </file>
 
 <file path=customXml/item1.xml><?xml version="1.0" encoding="utf-8"?>
-<?mso-contentType ?>
-<FormTemplates xmlns="http://schemas.microsoft.com/sharepoint/v3/contenttype/forms">
-  <Display>DocumentLibraryForm</Display>
-  <Edit>DocumentLibraryForm</Edit>
-  <New>DocumentLibraryForm</New>
-</FormTemplates>
-</file>
-
-<file path=customXml/item2.xml><?xml version="1.0" encoding="utf-8"?>
-<p:properties xmlns:p="http://schemas.microsoft.com/office/2006/metadata/properties" xmlns:xsi="http://www.w3.org/2001/XMLSchema-instance" xmlns:pc="http://schemas.microsoft.com/office/infopath/2007/PartnerControls">
-  <documentManagement>
-    <_ip_UnifiedCompliancePolicyUIAction xmlns="http://schemas.microsoft.com/sharepoint/v3" xsi:nil="true"/>
-    <_ip_UnifiedCompliancePolicyProperties xmlns="http://schemas.microsoft.com/sharepoint/v3" xsi:nil="true"/>
-  </documentManagement>
-</p:properties>
-</file>
-
-<file path=customXml/item3.xml><?xml version="1.0" encoding="utf-8"?>
 <ct:contentTypeSchema xmlns:ct="http://schemas.microsoft.com/office/2006/metadata/contentType" xmlns:ma="http://schemas.microsoft.com/office/2006/metadata/properties/metaAttributes" ct:_="" ma:_="" ma:contentTypeName="Document" ma:contentTypeID="0x0101003DB5B97B54300B4889C1AC7361F68213" ma:contentTypeVersion="14" ma:contentTypeDescription="Create a new document." ma:contentTypeScope="" ma:versionID="b3a4fb828f3a04ce1ee1646d58eb04a7">
   <xsd:schema xmlns:xsd="http://www.w3.org/2001/XMLSchema" xmlns:xs="http://www.w3.org/2001/XMLSchema" xmlns:p="http://schemas.microsoft.com/office/2006/metadata/properties" xmlns:ns1="http://schemas.microsoft.com/sharepoint/v3" xmlns:ns2="0b3136f0-a1b3-4de4-aaf6-47b51dbb702c" xmlns:ns3="3076eba4-c0ca-4bad-b773-16a3112e7607" targetNamespace="http://schemas.microsoft.com/office/2006/metadata/properties" ma:root="true" ma:fieldsID="fc7abf6f59e632741c2abb53f83e984a" ns1:_="" ns2:_="" ns3:_="">
     <xsd:import namespace="http://schemas.microsoft.com/sharepoint/v3"/>
@@ -10217,25 +11600,25 @@
 </ct:contentTypeSchema>
 </file>
 
-<file path=customXml/itemProps1.xml><?xml version="1.0" encoding="utf-8"?>
-<ds:datastoreItem xmlns:ds="http://schemas.openxmlformats.org/officeDocument/2006/customXml" ds:itemID="{33A2B218-4FC3-469B-A2C0-BF247A0E867B}">
-  <ds:schemaRefs>
-    <ds:schemaRef ds:uri="http://schemas.microsoft.com/sharepoint/v3/contenttype/forms"/>
-  </ds:schemaRefs>
-</ds:datastoreItem>
+<file path=customXml/item2.xml><?xml version="1.0" encoding="utf-8"?>
+<?mso-contentType ?>
+<FormTemplates xmlns="http://schemas.microsoft.com/sharepoint/v3/contenttype/forms">
+  <Display>DocumentLibraryForm</Display>
+  <Edit>DocumentLibraryForm</Edit>
+  <New>DocumentLibraryForm</New>
+</FormTemplates>
 </file>
 
-<file path=customXml/itemProps2.xml><?xml version="1.0" encoding="utf-8"?>
-<ds:datastoreItem xmlns:ds="http://schemas.openxmlformats.org/officeDocument/2006/customXml" ds:itemID="{60C67BEE-D13F-4BD2-98A5-34D8A0977F68}">
-  <ds:schemaRefs>
-    <ds:schemaRef ds:uri="http://schemas.microsoft.com/office/2006/metadata/properties"/>
-    <ds:schemaRef ds:uri="http://schemas.microsoft.com/office/infopath/2007/PartnerControls"/>
-    <ds:schemaRef ds:uri="http://schemas.microsoft.com/sharepoint/v3"/>
-  </ds:schemaRefs>
-</ds:datastoreItem>
+<file path=customXml/item3.xml><?xml version="1.0" encoding="utf-8"?>
+<p:properties xmlns:p="http://schemas.microsoft.com/office/2006/metadata/properties" xmlns:xsi="http://www.w3.org/2001/XMLSchema-instance" xmlns:pc="http://schemas.microsoft.com/office/infopath/2007/PartnerControls">
+  <documentManagement>
+    <_ip_UnifiedCompliancePolicyUIAction xmlns="http://schemas.microsoft.com/sharepoint/v3" xsi:nil="true"/>
+    <_ip_UnifiedCompliancePolicyProperties xmlns="http://schemas.microsoft.com/sharepoint/v3" xsi:nil="true"/>
+  </documentManagement>
+</p:properties>
 </file>
 
-<file path=customXml/itemProps3.xml><?xml version="1.0" encoding="utf-8"?>
+<file path=customXml/itemProps1.xml><?xml version="1.0" encoding="utf-8"?>
 <ds:datastoreItem xmlns:ds="http://schemas.openxmlformats.org/officeDocument/2006/customXml" ds:itemID="{F7CFC312-B933-4005-9ADA-34F165F7358A}">
   <ds:schemaRefs>
     <ds:schemaRef ds:uri="http://schemas.microsoft.com/office/2006/metadata/contentType"/>
@@ -10253,4 +11636,22 @@
     <ds:schemaRef ds:uri="http://schemas.microsoft.com/internal/obd"/>
   </ds:schemaRefs>
 </ds:datastoreItem>
+</file>
+
+<file path=customXml/itemProps2.xml><?xml version="1.0" encoding="utf-8"?>
+<ds:datastoreItem xmlns:ds="http://schemas.openxmlformats.org/officeDocument/2006/customXml" ds:itemID="{33A2B218-4FC3-469B-A2C0-BF247A0E867B}">
+  <ds:schemaRefs>
+    <ds:schemaRef ds:uri="http://schemas.microsoft.com/sharepoint/v3/contenttype/forms"/>
+  </ds:schemaRefs>
+</ds:datastoreItem>
+</file>
+
+<file path=customXml/itemProps3.xml><?xml version="1.0" encoding="utf-8"?>
+<ds:datastoreItem xmlns:ds="http://schemas.openxmlformats.org/officeDocument/2006/customXml" ds:itemID="{60C67BEE-D13F-4BD2-98A5-34D8A0977F68}">
+  <ds:schemaRefs>
+    <ds:schemaRef ds:uri="http://schemas.microsoft.com/office/2006/metadata/properties"/>
+    <ds:schemaRef ds:uri="http://schemas.microsoft.com/office/infopath/2007/PartnerControls"/>
+    <ds:schemaRef ds:uri="http://schemas.microsoft.com/sharepoint/v3"/>
+  </ds:schemaRefs>
+</ds:datastoreItem>
 </file>
--- a/docs/RMD-Presentation.pptx
+++ b/docs/RMD-Presentation.pptx
@@ -162,7 +162,7 @@
 <file path=ppt/revisionInfo.xml><?xml version="1.0" encoding="utf-8"?>
 <p1510:revInfo xmlns:a="http://schemas.openxmlformats.org/drawingml/2006/main" xmlns:r="http://schemas.openxmlformats.org/officeDocument/2006/relationships" xmlns:p1510="http://schemas.microsoft.com/office/powerpoint/2015/10/main">
   <p1510:revLst>
-    <p1510:client id="{9D51384A-06A3-4410-8BBF-4FD5D23211D3}" v="31" dt="2020-03-30T14:30:00.324"/>
+    <p1510:client id="{9D51384A-06A3-4410-8BBF-4FD5D23211D3}" v="34" dt="2020-03-30T14:44:25.193"/>
   </p1510:revLst>
 </p1510:revInfo>
 </file>
@@ -172,7 +172,7 @@
   <pc:docChgLst>
     <pc:chgData name="Belinsky, Charles" userId="df390934-7dca-40c8-90db-c8d8d67e4ef2" providerId="ADAL" clId="{9D51384A-06A3-4410-8BBF-4FD5D23211D3}"/>
     <pc:docChg chg="undo custSel addSld modSld modMainMaster modShowInfo">
-      <pc:chgData name="Belinsky, Charles" userId="df390934-7dca-40c8-90db-c8d8d67e4ef2" providerId="ADAL" clId="{9D51384A-06A3-4410-8BBF-4FD5D23211D3}" dt="2020-03-30T14:31:27.832" v="3795" actId="20577"/>
+      <pc:chgData name="Belinsky, Charles" userId="df390934-7dca-40c8-90db-c8d8d67e4ef2" providerId="ADAL" clId="{9D51384A-06A3-4410-8BBF-4FD5D23211D3}" dt="2020-03-30T14:44:25.711" v="3797" actId="255"/>
       <pc:docMkLst>
         <pc:docMk/>
       </pc:docMkLst>
@@ -474,7 +474,7 @@
         </pc:spChg>
       </pc:sldChg>
       <pc:sldChg chg="modSp mod modNotesTx">
-        <pc:chgData name="Belinsky, Charles" userId="df390934-7dca-40c8-90db-c8d8d67e4ef2" providerId="ADAL" clId="{9D51384A-06A3-4410-8BBF-4FD5D23211D3}" dt="2020-03-30T12:50:24.894" v="631" actId="6549"/>
+        <pc:chgData name="Belinsky, Charles" userId="df390934-7dca-40c8-90db-c8d8d67e4ef2" providerId="ADAL" clId="{9D51384A-06A3-4410-8BBF-4FD5D23211D3}" dt="2020-03-30T14:44:25.711" v="3797" actId="255"/>
         <pc:sldMkLst>
           <pc:docMk/>
           <pc:sldMk cId="3336794585" sldId="299"/>
@@ -493,6 +493,14 @@
             <pc:docMk/>
             <pc:sldMk cId="3336794585" sldId="299"/>
             <ac:spMk id="3" creationId="{2B9EAD0A-1846-4726-B035-D80FCE534E6D}"/>
+          </ac:spMkLst>
+        </pc:spChg>
+        <pc:spChg chg="mod">
+          <ac:chgData name="Belinsky, Charles" userId="df390934-7dca-40c8-90db-c8d8d67e4ef2" providerId="ADAL" clId="{9D51384A-06A3-4410-8BBF-4FD5D23211D3}" dt="2020-03-30T14:44:25.711" v="3797" actId="255"/>
+          <ac:spMkLst>
+            <pc:docMk/>
+            <pc:sldMk cId="3336794585" sldId="299"/>
+            <ac:spMk id="4" creationId="{E0E3FBFD-874C-437C-BACC-2EBA3469E83F}"/>
           </ac:spMkLst>
         </pc:spChg>
       </pc:sldChg>
@@ -3879,8 +3887,8 @@
           <a:bodyPr/>
           <a:lstStyle/>
           <a:p>
-            <a:fld id="{F0DFD029-FB74-4578-B929-F66AA97659CA}" type="datetimeFigureOut">
-              <a:rPr lang="en-US"/>
+            <a:fld id="{2ED05E8C-A888-4B07-A52A-D355596E82B5}" type="datetime1">
+              <a:rPr lang="en-US" smtClean="0"/>
               <a:t>3/30/2020</a:t>
             </a:fld>
             <a:endParaRPr/>
@@ -4077,8 +4085,8 @@
           <a:bodyPr/>
           <a:lstStyle/>
           <a:p>
-            <a:fld id="{F0DFD029-FB74-4578-B929-F66AA97659CA}" type="datetimeFigureOut">
-              <a:rPr lang="en-US"/>
+            <a:fld id="{93208A45-5D82-4263-BAC1-90A5E4B8043F}" type="datetime1">
+              <a:rPr lang="en-US" smtClean="0"/>
               <a:t>3/30/2020</a:t>
             </a:fld>
             <a:endParaRPr/>
@@ -4285,8 +4293,8 @@
           <a:bodyPr/>
           <a:lstStyle/>
           <a:p>
-            <a:fld id="{F0DFD029-FB74-4578-B929-F66AA97659CA}" type="datetimeFigureOut">
-              <a:rPr lang="en-US"/>
+            <a:fld id="{C77AC33A-291A-4887-B8B0-CC157FD3E9D2}" type="datetime1">
+              <a:rPr lang="en-US" smtClean="0"/>
               <a:t>3/30/2020</a:t>
             </a:fld>
             <a:endParaRPr/>
@@ -4483,8 +4491,8 @@
           <a:bodyPr/>
           <a:lstStyle/>
           <a:p>
-            <a:fld id="{F0DFD029-FB74-4578-B929-F66AA97659CA}" type="datetimeFigureOut">
-              <a:rPr lang="en-US"/>
+            <a:fld id="{B9EEDF3F-6603-4D80-AEDF-072A080572A0}" type="datetime1">
+              <a:rPr lang="en-US" smtClean="0"/>
               <a:t>3/30/2020</a:t>
             </a:fld>
             <a:endParaRPr/>
@@ -4915,8 +4923,8 @@
           <a:bodyPr/>
           <a:lstStyle/>
           <a:p>
-            <a:fld id="{F0DFD029-FB74-4578-B929-F66AA97659CA}" type="datetimeFigureOut">
-              <a:rPr lang="en-US"/>
+            <a:fld id="{CAB70B77-1600-455C-A7E8-E70AD9633843}" type="datetime1">
+              <a:rPr lang="en-US" smtClean="0"/>
               <a:t>3/30/2020</a:t>
             </a:fld>
             <a:endParaRPr/>
@@ -5219,8 +5227,8 @@
           <a:bodyPr/>
           <a:lstStyle/>
           <a:p>
-            <a:fld id="{F0DFD029-FB74-4578-B929-F66AA97659CA}" type="datetimeFigureOut">
-              <a:rPr lang="en-US"/>
+            <a:fld id="{5E429030-9D55-44EB-B964-F04539320881}" type="datetime1">
+              <a:rPr lang="en-US" smtClean="0"/>
               <a:t>3/30/2020</a:t>
             </a:fld>
             <a:endParaRPr/>
@@ -5675,8 +5683,8 @@
           <a:bodyPr/>
           <a:lstStyle/>
           <a:p>
-            <a:fld id="{F0DFD029-FB74-4578-B929-F66AA97659CA}" type="datetimeFigureOut">
-              <a:rPr lang="en-US"/>
+            <a:fld id="{0B3E004E-4E7A-4180-8150-58BFC4B56350}" type="datetime1">
+              <a:rPr lang="en-US" smtClean="0"/>
               <a:t>3/30/2020</a:t>
             </a:fld>
             <a:endParaRPr/>
@@ -5805,8 +5813,8 @@
           <a:bodyPr/>
           <a:lstStyle/>
           <a:p>
-            <a:fld id="{F0DFD029-FB74-4578-B929-F66AA97659CA}" type="datetimeFigureOut">
-              <a:rPr lang="en-US"/>
+            <a:fld id="{684268D1-A27E-48BA-A36D-83EAE2450713}" type="datetime1">
+              <a:rPr lang="en-US" smtClean="0"/>
               <a:t>3/30/2020</a:t>
             </a:fld>
             <a:endParaRPr/>
@@ -5912,8 +5920,8 @@
           <a:bodyPr/>
           <a:lstStyle/>
           <a:p>
-            <a:fld id="{F0DFD029-FB74-4578-B929-F66AA97659CA}" type="datetimeFigureOut">
-              <a:rPr lang="en-US"/>
+            <a:fld id="{AEB78C44-6B62-496F-A731-44BC3334C425}" type="datetime1">
+              <a:rPr lang="en-US" smtClean="0"/>
               <a:t>3/30/2020</a:t>
             </a:fld>
             <a:endParaRPr/>
@@ -6211,8 +6219,8 @@
           <a:bodyPr/>
           <a:lstStyle/>
           <a:p>
-            <a:fld id="{F0DFD029-FB74-4578-B929-F66AA97659CA}" type="datetimeFigureOut">
-              <a:rPr lang="en-US"/>
+            <a:fld id="{08914BDC-57A0-4904-80FF-B8C2932E3255}" type="datetime1">
+              <a:rPr lang="en-US" smtClean="0"/>
               <a:t>3/30/2020</a:t>
             </a:fld>
             <a:endParaRPr/>
@@ -6499,8 +6507,8 @@
           <a:bodyPr/>
           <a:lstStyle/>
           <a:p>
-            <a:fld id="{F0DFD029-FB74-4578-B929-F66AA97659CA}" type="datetimeFigureOut">
-              <a:rPr lang="en-US"/>
+            <a:fld id="{9E5FD6F6-B44B-406E-8E30-170845AF9474}" type="datetime1">
+              <a:rPr lang="en-US" smtClean="0"/>
               <a:t>3/30/2020</a:t>
             </a:fld>
             <a:endParaRPr/>
@@ -7121,9 +7129,8 @@
             </a:lvl1pPr>
           </a:lstStyle>
           <a:p>
-            <a:fld id="{F0DFD029-FB74-4578-B929-F66AA97659CA}" type="datetimeFigureOut">
-              <a:rPr lang="en-US"/>
-              <a:pPr/>
+            <a:fld id="{FEE77949-F962-457A-B286-9888169BA74B}" type="datetime1">
+              <a:rPr lang="en-US" smtClean="0"/>
               <a:t>3/30/2020</a:t>
             </a:fld>
             <a:endParaRPr/>
@@ -7242,6 +7249,7 @@
       </p:transition>
     </mc:Fallback>
   </mc:AlternateContent>
+  <p:hf hdr="0" ftr="0" dt="0"/>
   <p:txStyles>
     <p:titleStyle>
       <a:lvl1pPr algn="l" defTabSz="1219007" rtl="0" eaLnBrk="1" latinLnBrk="0" hangingPunct="1">
@@ -7698,6 +7706,35 @@
           </a:p>
         </p:txBody>
       </p:sp>
+      <p:sp>
+        <p:nvSpPr>
+          <p:cNvPr id="4" name="Slide Number Placeholder 3">
+            <a:extLst>
+              <a:ext uri="{FF2B5EF4-FFF2-40B4-BE49-F238E27FC236}">
+                <a16:creationId xmlns:a16="http://schemas.microsoft.com/office/drawing/2014/main" id="{E0E3FBFD-874C-437C-BACC-2EBA3469E83F}"/>
+              </a:ext>
+            </a:extLst>
+          </p:cNvPr>
+          <p:cNvSpPr>
+            <a:spLocks noGrp="1"/>
+          </p:cNvSpPr>
+          <p:nvPr>
+            <p:ph type="sldNum" sz="quarter" idx="12"/>
+          </p:nvPr>
+        </p:nvSpPr>
+        <p:spPr/>
+        <p:txBody>
+          <a:bodyPr/>
+          <a:lstStyle/>
+          <a:p>
+            <a:fld id="{C014DD1E-5D91-48A3-AD6D-45FBA980D106}" type="slidenum">
+              <a:rPr lang="en-US" smtClean="0"/>
+              <a:t>1</a:t>
+            </a:fld>
+            <a:endParaRPr lang="en-US" dirty="0"/>
+          </a:p>
+        </p:txBody>
+      </p:sp>
     </p:spTree>
     <p:extLst>
       <p:ext uri="{BB962C8B-B14F-4D97-AF65-F5344CB8AC3E}">
@@ -7880,6 +7917,35 @@
           </a:p>
         </p:txBody>
       </p:sp>
+      <p:sp>
+        <p:nvSpPr>
+          <p:cNvPr id="2" name="Slide Number Placeholder 1">
+            <a:extLst>
+              <a:ext uri="{FF2B5EF4-FFF2-40B4-BE49-F238E27FC236}">
+                <a16:creationId xmlns:a16="http://schemas.microsoft.com/office/drawing/2014/main" id="{7BCE6EE7-3C53-41F9-BAEB-58565989AD5E}"/>
+              </a:ext>
+            </a:extLst>
+          </p:cNvPr>
+          <p:cNvSpPr>
+            <a:spLocks noGrp="1"/>
+          </p:cNvSpPr>
+          <p:nvPr>
+            <p:ph type="sldNum" sz="quarter" idx="12"/>
+          </p:nvPr>
+        </p:nvSpPr>
+        <p:spPr/>
+        <p:txBody>
+          <a:bodyPr/>
+          <a:lstStyle/>
+          <a:p>
+            <a:fld id="{C014DD1E-5D91-48A3-AD6D-45FBA980D106}" type="slidenum">
+              <a:rPr lang="en-US" smtClean="0"/>
+              <a:t>10</a:t>
+            </a:fld>
+            <a:endParaRPr lang="en-US"/>
+          </a:p>
+        </p:txBody>
+      </p:sp>
     </p:spTree>
     <p:extLst>
       <p:ext uri="{BB962C8B-B14F-4D97-AF65-F5344CB8AC3E}">
@@ -8039,6 +8105,35 @@
           </a:p>
         </p:txBody>
       </p:sp>
+      <p:sp>
+        <p:nvSpPr>
+          <p:cNvPr id="2" name="Slide Number Placeholder 1">
+            <a:extLst>
+              <a:ext uri="{FF2B5EF4-FFF2-40B4-BE49-F238E27FC236}">
+                <a16:creationId xmlns:a16="http://schemas.microsoft.com/office/drawing/2014/main" id="{34D7CE56-48A3-45C6-A4DD-8DBF909CE23C}"/>
+              </a:ext>
+            </a:extLst>
+          </p:cNvPr>
+          <p:cNvSpPr>
+            <a:spLocks noGrp="1"/>
+          </p:cNvSpPr>
+          <p:nvPr>
+            <p:ph type="sldNum" sz="quarter" idx="12"/>
+          </p:nvPr>
+        </p:nvSpPr>
+        <p:spPr/>
+        <p:txBody>
+          <a:bodyPr/>
+          <a:lstStyle/>
+          <a:p>
+            <a:fld id="{C014DD1E-5D91-48A3-AD6D-45FBA980D106}" type="slidenum">
+              <a:rPr lang="en-US" smtClean="0"/>
+              <a:t>11</a:t>
+            </a:fld>
+            <a:endParaRPr lang="en-US"/>
+          </a:p>
+        </p:txBody>
+      </p:sp>
     </p:spTree>
     <p:extLst>
       <p:ext uri="{BB962C8B-B14F-4D97-AF65-F5344CB8AC3E}">
@@ -8156,6 +8251,35 @@
           </a:p>
         </p:txBody>
       </p:sp>
+      <p:sp>
+        <p:nvSpPr>
+          <p:cNvPr id="2" name="Slide Number Placeholder 1">
+            <a:extLst>
+              <a:ext uri="{FF2B5EF4-FFF2-40B4-BE49-F238E27FC236}">
+                <a16:creationId xmlns:a16="http://schemas.microsoft.com/office/drawing/2014/main" id="{A6AE8A7F-EE51-4093-A23E-DBB1BBCE5EDA}"/>
+              </a:ext>
+            </a:extLst>
+          </p:cNvPr>
+          <p:cNvSpPr>
+            <a:spLocks noGrp="1"/>
+          </p:cNvSpPr>
+          <p:nvPr>
+            <p:ph type="sldNum" sz="quarter" idx="12"/>
+          </p:nvPr>
+        </p:nvSpPr>
+        <p:spPr/>
+        <p:txBody>
+          <a:bodyPr/>
+          <a:lstStyle/>
+          <a:p>
+            <a:fld id="{C014DD1E-5D91-48A3-AD6D-45FBA980D106}" type="slidenum">
+              <a:rPr lang="en-US" smtClean="0"/>
+              <a:t>12</a:t>
+            </a:fld>
+            <a:endParaRPr lang="en-US"/>
+          </a:p>
+        </p:txBody>
+      </p:sp>
     </p:spTree>
     <p:extLst>
       <p:ext uri="{BB962C8B-B14F-4D97-AF65-F5344CB8AC3E}">
@@ -8365,6 +8489,35 @@
           </a:p>
         </p:txBody>
       </p:sp>
+      <p:sp>
+        <p:nvSpPr>
+          <p:cNvPr id="2" name="Slide Number Placeholder 1">
+            <a:extLst>
+              <a:ext uri="{FF2B5EF4-FFF2-40B4-BE49-F238E27FC236}">
+                <a16:creationId xmlns:a16="http://schemas.microsoft.com/office/drawing/2014/main" id="{BB5DC84F-A4EC-499C-98B2-B0823A73C248}"/>
+              </a:ext>
+            </a:extLst>
+          </p:cNvPr>
+          <p:cNvSpPr>
+            <a:spLocks noGrp="1"/>
+          </p:cNvSpPr>
+          <p:nvPr>
+            <p:ph type="sldNum" sz="quarter" idx="12"/>
+          </p:nvPr>
+        </p:nvSpPr>
+        <p:spPr/>
+        <p:txBody>
+          <a:bodyPr/>
+          <a:lstStyle/>
+          <a:p>
+            <a:fld id="{C014DD1E-5D91-48A3-AD6D-45FBA980D106}" type="slidenum">
+              <a:rPr lang="en-US" smtClean="0"/>
+              <a:t>13</a:t>
+            </a:fld>
+            <a:endParaRPr lang="en-US"/>
+          </a:p>
+        </p:txBody>
+      </p:sp>
     </p:spTree>
     <p:extLst>
       <p:ext uri="{BB962C8B-B14F-4D97-AF65-F5344CB8AC3E}">
@@ -8508,6 +8661,35 @@
           </a:p>
         </p:txBody>
       </p:sp>
+      <p:sp>
+        <p:nvSpPr>
+          <p:cNvPr id="2" name="Slide Number Placeholder 1">
+            <a:extLst>
+              <a:ext uri="{FF2B5EF4-FFF2-40B4-BE49-F238E27FC236}">
+                <a16:creationId xmlns:a16="http://schemas.microsoft.com/office/drawing/2014/main" id="{49388FF5-5A81-4010-835E-2D8234AC2B6B}"/>
+              </a:ext>
+            </a:extLst>
+          </p:cNvPr>
+          <p:cNvSpPr>
+            <a:spLocks noGrp="1"/>
+          </p:cNvSpPr>
+          <p:nvPr>
+            <p:ph type="sldNum" sz="quarter" idx="12"/>
+          </p:nvPr>
+        </p:nvSpPr>
+        <p:spPr/>
+        <p:txBody>
+          <a:bodyPr/>
+          <a:lstStyle/>
+          <a:p>
+            <a:fld id="{C014DD1E-5D91-48A3-AD6D-45FBA980D106}" type="slidenum">
+              <a:rPr lang="en-US" smtClean="0"/>
+              <a:t>14</a:t>
+            </a:fld>
+            <a:endParaRPr lang="en-US"/>
+          </a:p>
+        </p:txBody>
+      </p:sp>
     </p:spTree>
     <p:extLst>
       <p:ext uri="{BB962C8B-B14F-4D97-AF65-F5344CB8AC3E}">
@@ -8658,6 +8840,35 @@
           </a:p>
         </p:txBody>
       </p:sp>
+      <p:sp>
+        <p:nvSpPr>
+          <p:cNvPr id="2" name="Slide Number Placeholder 1">
+            <a:extLst>
+              <a:ext uri="{FF2B5EF4-FFF2-40B4-BE49-F238E27FC236}">
+                <a16:creationId xmlns:a16="http://schemas.microsoft.com/office/drawing/2014/main" id="{CEBFE931-8520-4B1B-8ADC-0854B151CFB7}"/>
+              </a:ext>
+            </a:extLst>
+          </p:cNvPr>
+          <p:cNvSpPr>
+            <a:spLocks noGrp="1"/>
+          </p:cNvSpPr>
+          <p:nvPr>
+            <p:ph type="sldNum" sz="quarter" idx="12"/>
+          </p:nvPr>
+        </p:nvSpPr>
+        <p:spPr/>
+        <p:txBody>
+          <a:bodyPr/>
+          <a:lstStyle/>
+          <a:p>
+            <a:fld id="{C014DD1E-5D91-48A3-AD6D-45FBA980D106}" type="slidenum">
+              <a:rPr lang="en-US" smtClean="0"/>
+              <a:t>15</a:t>
+            </a:fld>
+            <a:endParaRPr lang="en-US"/>
+          </a:p>
+        </p:txBody>
+      </p:sp>
     </p:spTree>
     <p:extLst>
       <p:ext uri="{BB962C8B-B14F-4D97-AF65-F5344CB8AC3E}">
@@ -8810,6 +9021,35 @@
           </a:p>
         </p:txBody>
       </p:sp>
+      <p:sp>
+        <p:nvSpPr>
+          <p:cNvPr id="2" name="Slide Number Placeholder 1">
+            <a:extLst>
+              <a:ext uri="{FF2B5EF4-FFF2-40B4-BE49-F238E27FC236}">
+                <a16:creationId xmlns:a16="http://schemas.microsoft.com/office/drawing/2014/main" id="{B59790B5-6EC5-400E-B596-5D9D34337790}"/>
+              </a:ext>
+            </a:extLst>
+          </p:cNvPr>
+          <p:cNvSpPr>
+            <a:spLocks noGrp="1"/>
+          </p:cNvSpPr>
+          <p:nvPr>
+            <p:ph type="sldNum" sz="quarter" idx="12"/>
+          </p:nvPr>
+        </p:nvSpPr>
+        <p:spPr/>
+        <p:txBody>
+          <a:bodyPr/>
+          <a:lstStyle/>
+          <a:p>
+            <a:fld id="{C014DD1E-5D91-48A3-AD6D-45FBA980D106}" type="slidenum">
+              <a:rPr lang="en-US" smtClean="0"/>
+              <a:t>16</a:t>
+            </a:fld>
+            <a:endParaRPr lang="en-US"/>
+          </a:p>
+        </p:txBody>
+      </p:sp>
     </p:spTree>
     <p:extLst>
       <p:ext uri="{BB962C8B-B14F-4D97-AF65-F5344CB8AC3E}">
@@ -8950,6 +9190,35 @@
           </a:p>
         </p:txBody>
       </p:sp>
+      <p:sp>
+        <p:nvSpPr>
+          <p:cNvPr id="2" name="Slide Number Placeholder 1">
+            <a:extLst>
+              <a:ext uri="{FF2B5EF4-FFF2-40B4-BE49-F238E27FC236}">
+                <a16:creationId xmlns:a16="http://schemas.microsoft.com/office/drawing/2014/main" id="{D40C3823-2AC8-410D-8454-238D8F554927}"/>
+              </a:ext>
+            </a:extLst>
+          </p:cNvPr>
+          <p:cNvSpPr>
+            <a:spLocks noGrp="1"/>
+          </p:cNvSpPr>
+          <p:nvPr>
+            <p:ph type="sldNum" sz="quarter" idx="12"/>
+          </p:nvPr>
+        </p:nvSpPr>
+        <p:spPr/>
+        <p:txBody>
+          <a:bodyPr/>
+          <a:lstStyle/>
+          <a:p>
+            <a:fld id="{C014DD1E-5D91-48A3-AD6D-45FBA980D106}" type="slidenum">
+              <a:rPr lang="en-US" smtClean="0"/>
+              <a:t>17</a:t>
+            </a:fld>
+            <a:endParaRPr lang="en-US"/>
+          </a:p>
+        </p:txBody>
+      </p:sp>
     </p:spTree>
     <p:extLst>
       <p:ext uri="{BB962C8B-B14F-4D97-AF65-F5344CB8AC3E}">
@@ -9139,6 +9408,35 @@
           </a:p>
         </p:txBody>
       </p:sp>
+      <p:sp>
+        <p:nvSpPr>
+          <p:cNvPr id="4" name="Slide Number Placeholder 3">
+            <a:extLst>
+              <a:ext uri="{FF2B5EF4-FFF2-40B4-BE49-F238E27FC236}">
+                <a16:creationId xmlns:a16="http://schemas.microsoft.com/office/drawing/2014/main" id="{EC19E349-8D01-4681-8102-F4FCFB3944E3}"/>
+              </a:ext>
+            </a:extLst>
+          </p:cNvPr>
+          <p:cNvSpPr>
+            <a:spLocks noGrp="1"/>
+          </p:cNvSpPr>
+          <p:nvPr>
+            <p:ph type="sldNum" sz="quarter" idx="12"/>
+          </p:nvPr>
+        </p:nvSpPr>
+        <p:spPr/>
+        <p:txBody>
+          <a:bodyPr/>
+          <a:lstStyle/>
+          <a:p>
+            <a:fld id="{C014DD1E-5D91-48A3-AD6D-45FBA980D106}" type="slidenum">
+              <a:rPr lang="en-US" smtClean="0"/>
+              <a:t>2</a:t>
+            </a:fld>
+            <a:endParaRPr lang="en-US"/>
+          </a:p>
+        </p:txBody>
+      </p:sp>
     </p:spTree>
     <p:extLst>
       <p:ext uri="{BB962C8B-B14F-4D97-AF65-F5344CB8AC3E}">
@@ -9384,6 +9682,35 @@
           </a:p>
         </p:txBody>
       </p:sp>
+      <p:sp>
+        <p:nvSpPr>
+          <p:cNvPr id="4" name="Slide Number Placeholder 3">
+            <a:extLst>
+              <a:ext uri="{FF2B5EF4-FFF2-40B4-BE49-F238E27FC236}">
+                <a16:creationId xmlns:a16="http://schemas.microsoft.com/office/drawing/2014/main" id="{1A2D4BC4-5FB2-4034-A1E7-1B022EF74D19}"/>
+              </a:ext>
+            </a:extLst>
+          </p:cNvPr>
+          <p:cNvSpPr>
+            <a:spLocks noGrp="1"/>
+          </p:cNvSpPr>
+          <p:nvPr>
+            <p:ph type="sldNum" sz="quarter" idx="12"/>
+          </p:nvPr>
+        </p:nvSpPr>
+        <p:spPr/>
+        <p:txBody>
+          <a:bodyPr/>
+          <a:lstStyle/>
+          <a:p>
+            <a:fld id="{C014DD1E-5D91-48A3-AD6D-45FBA980D106}" type="slidenum">
+              <a:rPr lang="en-US" smtClean="0"/>
+              <a:t>3</a:t>
+            </a:fld>
+            <a:endParaRPr lang="en-US"/>
+          </a:p>
+        </p:txBody>
+      </p:sp>
     </p:spTree>
     <p:extLst>
       <p:ext uri="{BB962C8B-B14F-4D97-AF65-F5344CB8AC3E}">
@@ -9539,6 +9866,35 @@
           </a:p>
         </p:txBody>
       </p:sp>
+      <p:sp>
+        <p:nvSpPr>
+          <p:cNvPr id="2" name="Slide Number Placeholder 1">
+            <a:extLst>
+              <a:ext uri="{FF2B5EF4-FFF2-40B4-BE49-F238E27FC236}">
+                <a16:creationId xmlns:a16="http://schemas.microsoft.com/office/drawing/2014/main" id="{377372E3-9DBF-4946-A399-5CA35EBED8EF}"/>
+              </a:ext>
+            </a:extLst>
+          </p:cNvPr>
+          <p:cNvSpPr>
+            <a:spLocks noGrp="1"/>
+          </p:cNvSpPr>
+          <p:nvPr>
+            <p:ph type="sldNum" sz="quarter" idx="12"/>
+          </p:nvPr>
+        </p:nvSpPr>
+        <p:spPr/>
+        <p:txBody>
+          <a:bodyPr/>
+          <a:lstStyle/>
+          <a:p>
+            <a:fld id="{C014DD1E-5D91-48A3-AD6D-45FBA980D106}" type="slidenum">
+              <a:rPr lang="en-US" smtClean="0"/>
+              <a:t>4</a:t>
+            </a:fld>
+            <a:endParaRPr lang="en-US"/>
+          </a:p>
+        </p:txBody>
+      </p:sp>
     </p:spTree>
     <p:extLst>
       <p:ext uri="{BB962C8B-B14F-4D97-AF65-F5344CB8AC3E}">
@@ -9695,6 +10051,35 @@
           </a:p>
         </p:txBody>
       </p:sp>
+      <p:sp>
+        <p:nvSpPr>
+          <p:cNvPr id="2" name="Slide Number Placeholder 1">
+            <a:extLst>
+              <a:ext uri="{FF2B5EF4-FFF2-40B4-BE49-F238E27FC236}">
+                <a16:creationId xmlns:a16="http://schemas.microsoft.com/office/drawing/2014/main" id="{1720EF59-5CC1-4F4E-ABDE-850CF03DBFA0}"/>
+              </a:ext>
+            </a:extLst>
+          </p:cNvPr>
+          <p:cNvSpPr>
+            <a:spLocks noGrp="1"/>
+          </p:cNvSpPr>
+          <p:nvPr>
+            <p:ph type="sldNum" sz="quarter" idx="12"/>
+          </p:nvPr>
+        </p:nvSpPr>
+        <p:spPr/>
+        <p:txBody>
+          <a:bodyPr/>
+          <a:lstStyle/>
+          <a:p>
+            <a:fld id="{C014DD1E-5D91-48A3-AD6D-45FBA980D106}" type="slidenum">
+              <a:rPr lang="en-US" smtClean="0"/>
+              <a:t>5</a:t>
+            </a:fld>
+            <a:endParaRPr lang="en-US"/>
+          </a:p>
+        </p:txBody>
+      </p:sp>
     </p:spTree>
     <p:extLst>
       <p:ext uri="{BB962C8B-B14F-4D97-AF65-F5344CB8AC3E}">
@@ -9906,6 +10291,35 @@
           </a:p>
         </p:txBody>
       </p:sp>
+      <p:sp>
+        <p:nvSpPr>
+          <p:cNvPr id="2" name="Slide Number Placeholder 1">
+            <a:extLst>
+              <a:ext uri="{FF2B5EF4-FFF2-40B4-BE49-F238E27FC236}">
+                <a16:creationId xmlns:a16="http://schemas.microsoft.com/office/drawing/2014/main" id="{3383F633-7379-43DE-8E90-0B5045EE71E3}"/>
+              </a:ext>
+            </a:extLst>
+          </p:cNvPr>
+          <p:cNvSpPr>
+            <a:spLocks noGrp="1"/>
+          </p:cNvSpPr>
+          <p:nvPr>
+            <p:ph type="sldNum" sz="quarter" idx="12"/>
+          </p:nvPr>
+        </p:nvSpPr>
+        <p:spPr/>
+        <p:txBody>
+          <a:bodyPr/>
+          <a:lstStyle/>
+          <a:p>
+            <a:fld id="{C014DD1E-5D91-48A3-AD6D-45FBA980D106}" type="slidenum">
+              <a:rPr lang="en-US" smtClean="0"/>
+              <a:t>6</a:t>
+            </a:fld>
+            <a:endParaRPr lang="en-US"/>
+          </a:p>
+        </p:txBody>
+      </p:sp>
     </p:spTree>
     <p:extLst>
       <p:ext uri="{BB962C8B-B14F-4D97-AF65-F5344CB8AC3E}">
@@ -10072,6 +10486,35 @@
           </a:p>
         </p:txBody>
       </p:sp>
+      <p:sp>
+        <p:nvSpPr>
+          <p:cNvPr id="2" name="Slide Number Placeholder 1">
+            <a:extLst>
+              <a:ext uri="{FF2B5EF4-FFF2-40B4-BE49-F238E27FC236}">
+                <a16:creationId xmlns:a16="http://schemas.microsoft.com/office/drawing/2014/main" id="{2FD61248-24A2-4617-AF31-914427AA60EB}"/>
+              </a:ext>
+            </a:extLst>
+          </p:cNvPr>
+          <p:cNvSpPr>
+            <a:spLocks noGrp="1"/>
+          </p:cNvSpPr>
+          <p:nvPr>
+            <p:ph type="sldNum" sz="quarter" idx="12"/>
+          </p:nvPr>
+        </p:nvSpPr>
+        <p:spPr/>
+        <p:txBody>
+          <a:bodyPr/>
+          <a:lstStyle/>
+          <a:p>
+            <a:fld id="{C014DD1E-5D91-48A3-AD6D-45FBA980D106}" type="slidenum">
+              <a:rPr lang="en-US" smtClean="0"/>
+              <a:t>7</a:t>
+            </a:fld>
+            <a:endParaRPr lang="en-US"/>
+          </a:p>
+        </p:txBody>
+      </p:sp>
     </p:spTree>
     <p:extLst>
       <p:ext uri="{BB962C8B-B14F-4D97-AF65-F5344CB8AC3E}">
@@ -10224,6 +10667,35 @@
           </a:p>
         </p:txBody>
       </p:sp>
+      <p:sp>
+        <p:nvSpPr>
+          <p:cNvPr id="2" name="Slide Number Placeholder 1">
+            <a:extLst>
+              <a:ext uri="{FF2B5EF4-FFF2-40B4-BE49-F238E27FC236}">
+                <a16:creationId xmlns:a16="http://schemas.microsoft.com/office/drawing/2014/main" id="{CA6B3F5C-E9CD-4F7C-97C8-FFD9C9BDE5FB}"/>
+              </a:ext>
+            </a:extLst>
+          </p:cNvPr>
+          <p:cNvSpPr>
+            <a:spLocks noGrp="1"/>
+          </p:cNvSpPr>
+          <p:nvPr>
+            <p:ph type="sldNum" sz="quarter" idx="12"/>
+          </p:nvPr>
+        </p:nvSpPr>
+        <p:spPr/>
+        <p:txBody>
+          <a:bodyPr/>
+          <a:lstStyle/>
+          <a:p>
+            <a:fld id="{C014DD1E-5D91-48A3-AD6D-45FBA980D106}" type="slidenum">
+              <a:rPr lang="en-US" smtClean="0"/>
+              <a:t>8</a:t>
+            </a:fld>
+            <a:endParaRPr lang="en-US"/>
+          </a:p>
+        </p:txBody>
+      </p:sp>
     </p:spTree>
     <p:extLst>
       <p:ext uri="{BB962C8B-B14F-4D97-AF65-F5344CB8AC3E}">
@@ -10388,6 +10860,35 @@
               </a:rPr>
               <a:t>) documents</a:t>
             </a:r>
+          </a:p>
+        </p:txBody>
+      </p:sp>
+      <p:sp>
+        <p:nvSpPr>
+          <p:cNvPr id="2" name="Slide Number Placeholder 1">
+            <a:extLst>
+              <a:ext uri="{FF2B5EF4-FFF2-40B4-BE49-F238E27FC236}">
+                <a16:creationId xmlns:a16="http://schemas.microsoft.com/office/drawing/2014/main" id="{8D0138D5-1C5A-4C5D-B4EF-6843E375B337}"/>
+              </a:ext>
+            </a:extLst>
+          </p:cNvPr>
+          <p:cNvSpPr>
+            <a:spLocks noGrp="1"/>
+          </p:cNvSpPr>
+          <p:nvPr>
+            <p:ph type="sldNum" sz="quarter" idx="12"/>
+          </p:nvPr>
+        </p:nvSpPr>
+        <p:spPr/>
+        <p:txBody>
+          <a:bodyPr/>
+          <a:lstStyle/>
+          <a:p>
+            <a:fld id="{C014DD1E-5D91-48A3-AD6D-45FBA980D106}" type="slidenum">
+              <a:rPr lang="en-US" smtClean="0"/>
+              <a:t>9</a:t>
+            </a:fld>
+            <a:endParaRPr lang="en-US"/>
           </a:p>
         </p:txBody>
       </p:sp>
@@ -11367,6 +11868,15 @@
 </file>
 
 <file path=customXml/item1.xml><?xml version="1.0" encoding="utf-8"?>
+<?mso-contentType ?>
+<FormTemplates xmlns="http://schemas.microsoft.com/sharepoint/v3/contenttype/forms">
+  <Display>DocumentLibraryForm</Display>
+  <Edit>DocumentLibraryForm</Edit>
+  <New>DocumentLibraryForm</New>
+</FormTemplates>
+</file>
+
+<file path=customXml/item2.xml><?xml version="1.0" encoding="utf-8"?>
 <ct:contentTypeSchema xmlns:ct="http://schemas.microsoft.com/office/2006/metadata/contentType" xmlns:ma="http://schemas.microsoft.com/office/2006/metadata/properties/metaAttributes" ct:_="" ma:_="" ma:contentTypeName="Document" ma:contentTypeID="0x0101003DB5B97B54300B4889C1AC7361F68213" ma:contentTypeVersion="14" ma:contentTypeDescription="Create a new document." ma:contentTypeScope="" ma:versionID="b3a4fb828f3a04ce1ee1646d58eb04a7">
   <xsd:schema xmlns:xsd="http://www.w3.org/2001/XMLSchema" xmlns:xs="http://www.w3.org/2001/XMLSchema" xmlns:p="http://schemas.microsoft.com/office/2006/metadata/properties" xmlns:ns1="http://schemas.microsoft.com/sharepoint/v3" xmlns:ns2="0b3136f0-a1b3-4de4-aaf6-47b51dbb702c" xmlns:ns3="3076eba4-c0ca-4bad-b773-16a3112e7607" targetNamespace="http://schemas.microsoft.com/office/2006/metadata/properties" ma:root="true" ma:fieldsID="fc7abf6f59e632741c2abb53f83e984a" ns1:_="" ns2:_="" ns3:_="">
     <xsd:import namespace="http://schemas.microsoft.com/sharepoint/v3"/>
@@ -11600,15 +12110,6 @@
 </ct:contentTypeSchema>
 </file>
 
-<file path=customXml/item2.xml><?xml version="1.0" encoding="utf-8"?>
-<?mso-contentType ?>
-<FormTemplates xmlns="http://schemas.microsoft.com/sharepoint/v3/contenttype/forms">
-  <Display>DocumentLibraryForm</Display>
-  <Edit>DocumentLibraryForm</Edit>
-  <New>DocumentLibraryForm</New>
-</FormTemplates>
-</file>
-
 <file path=customXml/item3.xml><?xml version="1.0" encoding="utf-8"?>
 <p:properties xmlns:p="http://schemas.microsoft.com/office/2006/metadata/properties" xmlns:xsi="http://www.w3.org/2001/XMLSchema-instance" xmlns:pc="http://schemas.microsoft.com/office/infopath/2007/PartnerControls">
   <documentManagement>
@@ -11619,6 +12120,14 @@
 </file>
 
 <file path=customXml/itemProps1.xml><?xml version="1.0" encoding="utf-8"?>
+<ds:datastoreItem xmlns:ds="http://schemas.openxmlformats.org/officeDocument/2006/customXml" ds:itemID="{33A2B218-4FC3-469B-A2C0-BF247A0E867B}">
+  <ds:schemaRefs>
+    <ds:schemaRef ds:uri="http://schemas.microsoft.com/sharepoint/v3/contenttype/forms"/>
+  </ds:schemaRefs>
+</ds:datastoreItem>
+</file>
+
+<file path=customXml/itemProps2.xml><?xml version="1.0" encoding="utf-8"?>
 <ds:datastoreItem xmlns:ds="http://schemas.openxmlformats.org/officeDocument/2006/customXml" ds:itemID="{F7CFC312-B933-4005-9ADA-34F165F7358A}">
   <ds:schemaRefs>
     <ds:schemaRef ds:uri="http://schemas.microsoft.com/office/2006/metadata/contentType"/>
@@ -11638,14 +12147,6 @@
 </ds:datastoreItem>
 </file>
 
-<file path=customXml/itemProps2.xml><?xml version="1.0" encoding="utf-8"?>
-<ds:datastoreItem xmlns:ds="http://schemas.openxmlformats.org/officeDocument/2006/customXml" ds:itemID="{33A2B218-4FC3-469B-A2C0-BF247A0E867B}">
-  <ds:schemaRefs>
-    <ds:schemaRef ds:uri="http://schemas.microsoft.com/sharepoint/v3/contenttype/forms"/>
-  </ds:schemaRefs>
-</ds:datastoreItem>
-</file>
-
 <file path=customXml/itemProps3.xml><?xml version="1.0" encoding="utf-8"?>
 <ds:datastoreItem xmlns:ds="http://schemas.openxmlformats.org/officeDocument/2006/customXml" ds:itemID="{60C67BEE-D13F-4BD2-98A5-34D8A0977F68}">
   <ds:schemaRefs>

--- a/docs/RMD-Presentation.pptx
+++ b/docs/RMD-Presentation.pptx
@@ -30,7 +30,7 @@
     <p:sldId id="291" r:id="rId21"/>
   </p:sldIdLst>
   <p:sldSz cx="12188825" cy="6858000"/>
-  <p:notesSz cx="6858000" cy="9296400"/>
+  <p:notesSz cx="7010400" cy="9296400"/>
   <p:defaultTextStyle>
     <a:defPPr>
       <a:defRPr lang="en-US"/>
@@ -148,7 +148,7 @@
             <a:srgbClr val="A4A3A4"/>
           </p15:clr>
         </p15:guide>
-        <p15:guide id="2" pos="2160" userDrawn="1">
+        <p15:guide id="2" pos="2208" userDrawn="1">
           <p15:clr>
             <a:srgbClr val="A4A3A4"/>
           </p15:clr>
@@ -162,7 +162,7 @@
 <file path=ppt/revisionInfo.xml><?xml version="1.0" encoding="utf-8"?>
 <p1510:revInfo xmlns:a="http://schemas.openxmlformats.org/drawingml/2006/main" xmlns:r="http://schemas.openxmlformats.org/officeDocument/2006/relationships" xmlns:p1510="http://schemas.microsoft.com/office/powerpoint/2015/10/main">
   <p1510:revLst>
-    <p1510:client id="{9D51384A-06A3-4410-8BBF-4FD5D23211D3}" v="34" dt="2020-03-30T14:44:25.193"/>
+    <p1510:client id="{9D51384A-06A3-4410-8BBF-4FD5D23211D3}" v="35" dt="2020-03-30T15:59:00.474"/>
   </p1510:revLst>
 </p1510:revInfo>
 </file>
@@ -171,13 +171,13 @@
 <pc:chgInfo xmlns:a="http://schemas.openxmlformats.org/drawingml/2006/main" xmlns:r="http://schemas.openxmlformats.org/officeDocument/2006/relationships" xmlns:ac="http://schemas.microsoft.com/office/drawing/2013/main/command" xmlns:pc="http://schemas.microsoft.com/office/powerpoint/2013/main/command">
   <pc:docChgLst>
     <pc:chgData name="Belinsky, Charles" userId="df390934-7dca-40c8-90db-c8d8d67e4ef2" providerId="ADAL" clId="{9D51384A-06A3-4410-8BBF-4FD5D23211D3}"/>
-    <pc:docChg chg="undo custSel addSld modSld modMainMaster modShowInfo">
-      <pc:chgData name="Belinsky, Charles" userId="df390934-7dca-40c8-90db-c8d8d67e4ef2" providerId="ADAL" clId="{9D51384A-06A3-4410-8BBF-4FD5D23211D3}" dt="2020-03-30T14:44:25.711" v="3797" actId="255"/>
+    <pc:docChg chg="undo custSel addSld modSld modMainMaster modNotesMaster modHandout modShowInfo">
+      <pc:chgData name="Belinsky, Charles" userId="df390934-7dca-40c8-90db-c8d8d67e4ef2" providerId="ADAL" clId="{9D51384A-06A3-4410-8BBF-4FD5D23211D3}" dt="2020-03-30T16:48:11.891" v="3827" actId="5793"/>
       <pc:docMkLst>
         <pc:docMk/>
       </pc:docMkLst>
-      <pc:sldChg chg="modSp mod modNotesTx">
-        <pc:chgData name="Belinsky, Charles" userId="df390934-7dca-40c8-90db-c8d8d67e4ef2" providerId="ADAL" clId="{9D51384A-06A3-4410-8BBF-4FD5D23211D3}" dt="2020-03-30T13:30:44.964" v="1784" actId="20577"/>
+      <pc:sldChg chg="modSp mod modNotes modNotesTx">
+        <pc:chgData name="Belinsky, Charles" userId="df390934-7dca-40c8-90db-c8d8d67e4ef2" providerId="ADAL" clId="{9D51384A-06A3-4410-8BBF-4FD5D23211D3}" dt="2020-03-30T15:59:00.474" v="3798"/>
         <pc:sldMkLst>
           <pc:docMk/>
           <pc:sldMk cId="3529114326" sldId="268"/>
@@ -191,8 +191,8 @@
           </ac:spMkLst>
         </pc:spChg>
       </pc:sldChg>
-      <pc:sldChg chg="modSp mod modNotesTx">
-        <pc:chgData name="Belinsky, Charles" userId="df390934-7dca-40c8-90db-c8d8d67e4ef2" providerId="ADAL" clId="{9D51384A-06A3-4410-8BBF-4FD5D23211D3}" dt="2020-03-30T14:03:35.790" v="3216" actId="20577"/>
+      <pc:sldChg chg="modSp mod modNotes modNotesTx">
+        <pc:chgData name="Belinsky, Charles" userId="df390934-7dca-40c8-90db-c8d8d67e4ef2" providerId="ADAL" clId="{9D51384A-06A3-4410-8BBF-4FD5D23211D3}" dt="2020-03-30T15:59:00.474" v="3798"/>
         <pc:sldMkLst>
           <pc:docMk/>
           <pc:sldMk cId="2895583067" sldId="272"/>
@@ -206,8 +206,8 @@
           </ac:spMkLst>
         </pc:spChg>
       </pc:sldChg>
-      <pc:sldChg chg="modSp mod modNotesTx">
-        <pc:chgData name="Belinsky, Charles" userId="df390934-7dca-40c8-90db-c8d8d67e4ef2" providerId="ADAL" clId="{9D51384A-06A3-4410-8BBF-4FD5D23211D3}" dt="2020-03-30T13:20:09.636" v="1161" actId="20577"/>
+      <pc:sldChg chg="modSp mod modNotes modNotesTx">
+        <pc:chgData name="Belinsky, Charles" userId="df390934-7dca-40c8-90db-c8d8d67e4ef2" providerId="ADAL" clId="{9D51384A-06A3-4410-8BBF-4FD5D23211D3}" dt="2020-03-30T15:59:00.474" v="3798"/>
         <pc:sldMkLst>
           <pc:docMk/>
           <pc:sldMk cId="2270281720" sldId="281"/>
@@ -221,8 +221,8 @@
           </ac:spMkLst>
         </pc:spChg>
       </pc:sldChg>
-      <pc:sldChg chg="modSp mod modNotesTx">
-        <pc:chgData name="Belinsky, Charles" userId="df390934-7dca-40c8-90db-c8d8d67e4ef2" providerId="ADAL" clId="{9D51384A-06A3-4410-8BBF-4FD5D23211D3}" dt="2020-03-30T13:36:56.251" v="2070" actId="20577"/>
+      <pc:sldChg chg="modSp mod modNotes modNotesTx">
+        <pc:chgData name="Belinsky, Charles" userId="df390934-7dca-40c8-90db-c8d8d67e4ef2" providerId="ADAL" clId="{9D51384A-06A3-4410-8BBF-4FD5D23211D3}" dt="2020-03-30T15:59:00.474" v="3798"/>
         <pc:sldMkLst>
           <pc:docMk/>
           <pc:sldMk cId="2286440866" sldId="282"/>
@@ -244,8 +244,8 @@
           </ac:spMkLst>
         </pc:spChg>
       </pc:sldChg>
-      <pc:sldChg chg="modSp mod modNotesTx">
-        <pc:chgData name="Belinsky, Charles" userId="df390934-7dca-40c8-90db-c8d8d67e4ef2" providerId="ADAL" clId="{9D51384A-06A3-4410-8BBF-4FD5D23211D3}" dt="2020-03-30T13:41:03.092" v="2299" actId="20577"/>
+      <pc:sldChg chg="modSp mod modNotes modNotesTx">
+        <pc:chgData name="Belinsky, Charles" userId="df390934-7dca-40c8-90db-c8d8d67e4ef2" providerId="ADAL" clId="{9D51384A-06A3-4410-8BBF-4FD5D23211D3}" dt="2020-03-30T15:59:00.474" v="3798"/>
         <pc:sldMkLst>
           <pc:docMk/>
           <pc:sldMk cId="1411325298" sldId="283"/>
@@ -267,8 +267,8 @@
           </ac:spMkLst>
         </pc:spChg>
       </pc:sldChg>
-      <pc:sldChg chg="modSp mod modNotesTx">
-        <pc:chgData name="Belinsky, Charles" userId="df390934-7dca-40c8-90db-c8d8d67e4ef2" providerId="ADAL" clId="{9D51384A-06A3-4410-8BBF-4FD5D23211D3}" dt="2020-03-30T13:48:11.321" v="2791" actId="20577"/>
+      <pc:sldChg chg="modSp mod modNotes modNotesTx">
+        <pc:chgData name="Belinsky, Charles" userId="df390934-7dca-40c8-90db-c8d8d67e4ef2" providerId="ADAL" clId="{9D51384A-06A3-4410-8BBF-4FD5D23211D3}" dt="2020-03-30T15:59:00.474" v="3798"/>
         <pc:sldMkLst>
           <pc:docMk/>
           <pc:sldMk cId="3569865002" sldId="284"/>
@@ -290,8 +290,8 @@
           </ac:spMkLst>
         </pc:spChg>
       </pc:sldChg>
-      <pc:sldChg chg="modSp mod">
-        <pc:chgData name="Belinsky, Charles" userId="df390934-7dca-40c8-90db-c8d8d67e4ef2" providerId="ADAL" clId="{9D51384A-06A3-4410-8BBF-4FD5D23211D3}" dt="2020-03-30T13:51:47.626" v="2863" actId="20577"/>
+      <pc:sldChg chg="modSp mod modNotes">
+        <pc:chgData name="Belinsky, Charles" userId="df390934-7dca-40c8-90db-c8d8d67e4ef2" providerId="ADAL" clId="{9D51384A-06A3-4410-8BBF-4FD5D23211D3}" dt="2020-03-30T15:59:00.474" v="3798"/>
         <pc:sldMkLst>
           <pc:docMk/>
           <pc:sldMk cId="4124782566" sldId="285"/>
@@ -313,8 +313,8 @@
           </ac:spMkLst>
         </pc:spChg>
       </pc:sldChg>
-      <pc:sldChg chg="modSp mod">
-        <pc:chgData name="Belinsky, Charles" userId="df390934-7dca-40c8-90db-c8d8d67e4ef2" providerId="ADAL" clId="{9D51384A-06A3-4410-8BBF-4FD5D23211D3}" dt="2020-03-30T14:08:33.730" v="3316" actId="20577"/>
+      <pc:sldChg chg="modSp mod modNotes">
+        <pc:chgData name="Belinsky, Charles" userId="df390934-7dca-40c8-90db-c8d8d67e4ef2" providerId="ADAL" clId="{9D51384A-06A3-4410-8BBF-4FD5D23211D3}" dt="2020-03-30T15:59:00.474" v="3798"/>
         <pc:sldMkLst>
           <pc:docMk/>
           <pc:sldMk cId="3272729281" sldId="286"/>
@@ -336,8 +336,8 @@
           </ac:spMkLst>
         </pc:spChg>
       </pc:sldChg>
-      <pc:sldChg chg="modSp mod modNotesTx">
-        <pc:chgData name="Belinsky, Charles" userId="df390934-7dca-40c8-90db-c8d8d67e4ef2" providerId="ADAL" clId="{9D51384A-06A3-4410-8BBF-4FD5D23211D3}" dt="2020-03-30T14:27:54.781" v="3445" actId="27636"/>
+      <pc:sldChg chg="modSp mod modNotes modNotesTx">
+        <pc:chgData name="Belinsky, Charles" userId="df390934-7dca-40c8-90db-c8d8d67e4ef2" providerId="ADAL" clId="{9D51384A-06A3-4410-8BBF-4FD5D23211D3}" dt="2020-03-30T15:59:00.474" v="3798"/>
         <pc:sldMkLst>
           <pc:docMk/>
           <pc:sldMk cId="1509648475" sldId="289"/>
@@ -359,8 +359,8 @@
           </ac:spMkLst>
         </pc:spChg>
       </pc:sldChg>
-      <pc:sldChg chg="modSp mod modNotesTx">
-        <pc:chgData name="Belinsky, Charles" userId="df390934-7dca-40c8-90db-c8d8d67e4ef2" providerId="ADAL" clId="{9D51384A-06A3-4410-8BBF-4FD5D23211D3}" dt="2020-03-30T14:29:12.304" v="3575" actId="20577"/>
+      <pc:sldChg chg="modSp mod modNotes modNotesTx">
+        <pc:chgData name="Belinsky, Charles" userId="df390934-7dca-40c8-90db-c8d8d67e4ef2" providerId="ADAL" clId="{9D51384A-06A3-4410-8BBF-4FD5D23211D3}" dt="2020-03-30T15:59:00.474" v="3798"/>
         <pc:sldMkLst>
           <pc:docMk/>
           <pc:sldMk cId="3969417241" sldId="290"/>
@@ -382,8 +382,8 @@
           </ac:spMkLst>
         </pc:spChg>
       </pc:sldChg>
-      <pc:sldChg chg="modSp mod modNotesTx">
-        <pc:chgData name="Belinsky, Charles" userId="df390934-7dca-40c8-90db-c8d8d67e4ef2" providerId="ADAL" clId="{9D51384A-06A3-4410-8BBF-4FD5D23211D3}" dt="2020-03-30T14:31:27.832" v="3795" actId="20577"/>
+      <pc:sldChg chg="modSp mod modNotes modNotesTx">
+        <pc:chgData name="Belinsky, Charles" userId="df390934-7dca-40c8-90db-c8d8d67e4ef2" providerId="ADAL" clId="{9D51384A-06A3-4410-8BBF-4FD5D23211D3}" dt="2020-03-30T15:59:00.474" v="3798"/>
         <pc:sldMkLst>
           <pc:docMk/>
           <pc:sldMk cId="2875170762" sldId="291"/>
@@ -405,8 +405,8 @@
           </ac:spMkLst>
         </pc:spChg>
       </pc:sldChg>
-      <pc:sldChg chg="modSp mod modNotesTx">
-        <pc:chgData name="Belinsky, Charles" userId="df390934-7dca-40c8-90db-c8d8d67e4ef2" providerId="ADAL" clId="{9D51384A-06A3-4410-8BBF-4FD5D23211D3}" dt="2020-03-30T13:28:23.283" v="1654" actId="20577"/>
+      <pc:sldChg chg="modSp mod modNotes modNotesTx">
+        <pc:chgData name="Belinsky, Charles" userId="df390934-7dca-40c8-90db-c8d8d67e4ef2" providerId="ADAL" clId="{9D51384A-06A3-4410-8BBF-4FD5D23211D3}" dt="2020-03-30T15:59:00.474" v="3798"/>
         <pc:sldMkLst>
           <pc:docMk/>
           <pc:sldMk cId="1690464180" sldId="293"/>
@@ -420,8 +420,8 @@
           </ac:spMkLst>
         </pc:spChg>
       </pc:sldChg>
-      <pc:sldChg chg="modSp mod">
-        <pc:chgData name="Belinsky, Charles" userId="df390934-7dca-40c8-90db-c8d8d67e4ef2" providerId="ADAL" clId="{9D51384A-06A3-4410-8BBF-4FD5D23211D3}" dt="2020-03-30T13:52:54.034" v="2902" actId="20577"/>
+      <pc:sldChg chg="modSp mod modNotes">
+        <pc:chgData name="Belinsky, Charles" userId="df390934-7dca-40c8-90db-c8d8d67e4ef2" providerId="ADAL" clId="{9D51384A-06A3-4410-8BBF-4FD5D23211D3}" dt="2020-03-30T15:59:00.474" v="3798"/>
         <pc:sldMkLst>
           <pc:docMk/>
           <pc:sldMk cId="2451106529" sldId="294"/>
@@ -443,8 +443,8 @@
           </ac:spMkLst>
         </pc:spChg>
       </pc:sldChg>
-      <pc:sldChg chg="modSp mod">
-        <pc:chgData name="Belinsky, Charles" userId="df390934-7dca-40c8-90db-c8d8d67e4ef2" providerId="ADAL" clId="{9D51384A-06A3-4410-8BBF-4FD5D23211D3}" dt="2020-03-30T13:12:43.062" v="777" actId="114"/>
+      <pc:sldChg chg="modSp mod modNotes">
+        <pc:chgData name="Belinsky, Charles" userId="df390934-7dca-40c8-90db-c8d8d67e4ef2" providerId="ADAL" clId="{9D51384A-06A3-4410-8BBF-4FD5D23211D3}" dt="2020-03-30T15:59:00.474" v="3798"/>
         <pc:sldMkLst>
           <pc:docMk/>
           <pc:sldMk cId="2109213187" sldId="295"/>
@@ -458,14 +458,14 @@
           </ac:spMkLst>
         </pc:spChg>
       </pc:sldChg>
-      <pc:sldChg chg="modSp mod">
-        <pc:chgData name="Belinsky, Charles" userId="df390934-7dca-40c8-90db-c8d8d67e4ef2" providerId="ADAL" clId="{9D51384A-06A3-4410-8BBF-4FD5D23211D3}" dt="2020-03-30T13:14:29.629" v="785" actId="20577"/>
+      <pc:sldChg chg="modSp mod modNotes">
+        <pc:chgData name="Belinsky, Charles" userId="df390934-7dca-40c8-90db-c8d8d67e4ef2" providerId="ADAL" clId="{9D51384A-06A3-4410-8BBF-4FD5D23211D3}" dt="2020-03-30T16:48:11.891" v="3827" actId="5793"/>
         <pc:sldMkLst>
           <pc:docMk/>
           <pc:sldMk cId="139896278" sldId="297"/>
         </pc:sldMkLst>
         <pc:spChg chg="mod">
-          <ac:chgData name="Belinsky, Charles" userId="df390934-7dca-40c8-90db-c8d8d67e4ef2" providerId="ADAL" clId="{9D51384A-06A3-4410-8BBF-4FD5D23211D3}" dt="2020-03-30T13:14:29.629" v="785" actId="20577"/>
+          <ac:chgData name="Belinsky, Charles" userId="df390934-7dca-40c8-90db-c8d8d67e4ef2" providerId="ADAL" clId="{9D51384A-06A3-4410-8BBF-4FD5D23211D3}" dt="2020-03-30T16:48:11.891" v="3827" actId="5793"/>
           <ac:spMkLst>
             <pc:docMk/>
             <pc:sldMk cId="139896278" sldId="297"/>
@@ -473,8 +473,8 @@
           </ac:spMkLst>
         </pc:spChg>
       </pc:sldChg>
-      <pc:sldChg chg="modSp mod modNotesTx">
-        <pc:chgData name="Belinsky, Charles" userId="df390934-7dca-40c8-90db-c8d8d67e4ef2" providerId="ADAL" clId="{9D51384A-06A3-4410-8BBF-4FD5D23211D3}" dt="2020-03-30T14:44:25.711" v="3797" actId="255"/>
+      <pc:sldChg chg="modSp mod modNotes modNotesTx">
+        <pc:chgData name="Belinsky, Charles" userId="df390934-7dca-40c8-90db-c8d8d67e4ef2" providerId="ADAL" clId="{9D51384A-06A3-4410-8BBF-4FD5D23211D3}" dt="2020-03-30T15:59:00.474" v="3798"/>
         <pc:sldMkLst>
           <pc:docMk/>
           <pc:sldMk cId="3336794585" sldId="299"/>
@@ -504,8 +504,8 @@
           </ac:spMkLst>
         </pc:spChg>
       </pc:sldChg>
-      <pc:sldChg chg="modSp add mod modNotesTx">
-        <pc:chgData name="Belinsky, Charles" userId="df390934-7dca-40c8-90db-c8d8d67e4ef2" providerId="ADAL" clId="{9D51384A-06A3-4410-8BBF-4FD5D23211D3}" dt="2020-03-30T12:51:16.997" v="684" actId="20577"/>
+      <pc:sldChg chg="modSp add mod modNotes modNotesTx">
+        <pc:chgData name="Belinsky, Charles" userId="df390934-7dca-40c8-90db-c8d8d67e4ef2" providerId="ADAL" clId="{9D51384A-06A3-4410-8BBF-4FD5D23211D3}" dt="2020-03-30T15:59:00.474" v="3798"/>
         <pc:sldMkLst>
           <pc:docMk/>
           <pc:sldMk cId="3229575491" sldId="300"/>
@@ -973,7 +973,7 @@
         <p:spPr>
           <a:xfrm>
             <a:off x="0" y="0"/>
-            <a:ext cx="2971800" cy="464820"/>
+            <a:ext cx="3037840" cy="464820"/>
           </a:xfrm>
           <a:prstGeom prst="rect">
             <a:avLst/>
@@ -1003,8 +1003,8 @@
         </p:nvSpPr>
         <p:spPr>
           <a:xfrm>
-            <a:off x="3884613" y="0"/>
-            <a:ext cx="2971800" cy="464820"/>
+            <a:off x="3970938" y="0"/>
+            <a:ext cx="3037840" cy="464820"/>
           </a:xfrm>
           <a:prstGeom prst="rect">
             <a:avLst/>
@@ -1039,7 +1039,7 @@
         <p:spPr>
           <a:xfrm>
             <a:off x="0" y="8829967"/>
-            <a:ext cx="2971800" cy="464820"/>
+            <a:ext cx="3037840" cy="464820"/>
           </a:xfrm>
           <a:prstGeom prst="rect">
             <a:avLst/>
@@ -1069,8 +1069,8 @@
         </p:nvSpPr>
         <p:spPr>
           <a:xfrm>
-            <a:off x="3884613" y="8829967"/>
-            <a:ext cx="2971800" cy="464820"/>
+            <a:off x="3970938" y="8829967"/>
+            <a:ext cx="3037840" cy="464820"/>
           </a:xfrm>
           <a:prstGeom prst="rect">
             <a:avLst/>
@@ -1138,7 +1138,7 @@
         <p:spPr>
           <a:xfrm>
             <a:off x="0" y="0"/>
-            <a:ext cx="2971800" cy="464820"/>
+            <a:ext cx="3037840" cy="464820"/>
           </a:xfrm>
           <a:prstGeom prst="rect">
             <a:avLst/>
@@ -1168,8 +1168,8 @@
         </p:nvSpPr>
         <p:spPr>
           <a:xfrm>
-            <a:off x="3884613" y="0"/>
-            <a:ext cx="2971800" cy="464820"/>
+            <a:off x="3970938" y="0"/>
+            <a:ext cx="3037840" cy="464820"/>
           </a:xfrm>
           <a:prstGeom prst="rect">
             <a:avLst/>
@@ -1203,7 +1203,7 @@
         </p:nvSpPr>
         <p:spPr>
           <a:xfrm>
-            <a:off x="331788" y="696913"/>
+            <a:off x="407988" y="696913"/>
             <a:ext cx="6194425" cy="3486150"/>
           </a:xfrm>
           <a:prstGeom prst="rect">
@@ -1236,8 +1236,8 @@
         </p:nvSpPr>
         <p:spPr>
           <a:xfrm>
-            <a:off x="685800" y="4415790"/>
-            <a:ext cx="5486400" cy="4183380"/>
+            <a:off x="701040" y="4415790"/>
+            <a:ext cx="5608320" cy="4183380"/>
           </a:xfrm>
           <a:prstGeom prst="rect">
             <a:avLst/>
@@ -1291,7 +1291,7 @@
         <p:spPr>
           <a:xfrm>
             <a:off x="0" y="8829967"/>
-            <a:ext cx="2971800" cy="464820"/>
+            <a:ext cx="3037840" cy="464820"/>
           </a:xfrm>
           <a:prstGeom prst="rect">
             <a:avLst/>
@@ -1321,8 +1321,8 @@
         </p:nvSpPr>
         <p:spPr>
           <a:xfrm>
-            <a:off x="3884613" y="8829967"/>
-            <a:ext cx="2971800" cy="464820"/>
+            <a:off x="3970938" y="8829967"/>
+            <a:ext cx="3037840" cy="464820"/>
           </a:xfrm>
           <a:prstGeom prst="rect">
             <a:avLst/>
@@ -1476,7 +1476,7 @@
         </p:nvSpPr>
         <p:spPr>
           <a:xfrm>
-            <a:off x="331788" y="696913"/>
+            <a:off x="407988" y="696913"/>
             <a:ext cx="6194425" cy="3486150"/>
           </a:xfrm>
         </p:spPr>
@@ -1568,7 +1568,7 @@
         </p:nvSpPr>
         <p:spPr>
           <a:xfrm>
-            <a:off x="331788" y="696913"/>
+            <a:off x="407988" y="696913"/>
             <a:ext cx="6194425" cy="3486150"/>
           </a:xfrm>
         </p:spPr>
@@ -1672,7 +1672,7 @@
         </p:nvSpPr>
         <p:spPr>
           <a:xfrm>
-            <a:off x="331788" y="696913"/>
+            <a:off x="407988" y="696913"/>
             <a:ext cx="6194425" cy="3486150"/>
           </a:xfrm>
         </p:spPr>
@@ -1776,7 +1776,7 @@
         </p:nvSpPr>
         <p:spPr>
           <a:xfrm>
-            <a:off x="331788" y="696913"/>
+            <a:off x="407988" y="696913"/>
             <a:ext cx="6194425" cy="3486150"/>
           </a:xfrm>
         </p:spPr>
@@ -1865,7 +1865,7 @@
         </p:nvSpPr>
         <p:spPr>
           <a:xfrm>
-            <a:off x="331788" y="696913"/>
+            <a:off x="407988" y="696913"/>
             <a:ext cx="6194425" cy="3486150"/>
           </a:xfrm>
         </p:spPr>
@@ -1979,7 +1979,7 @@
         </p:nvSpPr>
         <p:spPr>
           <a:xfrm>
-            <a:off x="331788" y="696913"/>
+            <a:off x="407988" y="696913"/>
             <a:ext cx="6194425" cy="3486150"/>
           </a:xfrm>
         </p:spPr>
@@ -2068,7 +2068,7 @@
         </p:nvSpPr>
         <p:spPr>
           <a:xfrm>
-            <a:off x="331788" y="696913"/>
+            <a:off x="407988" y="696913"/>
             <a:ext cx="6194425" cy="3486150"/>
           </a:xfrm>
         </p:spPr>
@@ -2160,7 +2160,7 @@
         </p:nvSpPr>
         <p:spPr>
           <a:xfrm>
-            <a:off x="331788" y="696913"/>
+            <a:off x="407988" y="696913"/>
             <a:ext cx="6194425" cy="3486150"/>
           </a:xfrm>
         </p:spPr>
@@ -2257,7 +2257,7 @@
         </p:nvSpPr>
         <p:spPr>
           <a:xfrm>
-            <a:off x="331788" y="696913"/>
+            <a:off x="407988" y="696913"/>
             <a:ext cx="6194425" cy="3486150"/>
           </a:xfrm>
         </p:spPr>
@@ -2353,7 +2353,7 @@
         </p:nvSpPr>
         <p:spPr>
           <a:xfrm>
-            <a:off x="331788" y="696913"/>
+            <a:off x="407988" y="696913"/>
             <a:ext cx="6194425" cy="3486150"/>
           </a:xfrm>
         </p:spPr>
@@ -2451,7 +2451,7 @@
         </p:nvSpPr>
         <p:spPr>
           <a:xfrm>
-            <a:off x="331788" y="696913"/>
+            <a:off x="407988" y="696913"/>
             <a:ext cx="6194425" cy="3486150"/>
           </a:xfrm>
         </p:spPr>
@@ -2549,7 +2549,7 @@
         </p:nvSpPr>
         <p:spPr>
           <a:xfrm>
-            <a:off x="331788" y="696913"/>
+            <a:off x="407988" y="696913"/>
             <a:ext cx="6194425" cy="3486150"/>
           </a:xfrm>
         </p:spPr>
@@ -2653,7 +2653,7 @@
         </p:nvSpPr>
         <p:spPr>
           <a:xfrm>
-            <a:off x="331788" y="696913"/>
+            <a:off x="407988" y="696913"/>
             <a:ext cx="6194425" cy="3486150"/>
           </a:xfrm>
         </p:spPr>
@@ -2754,7 +2754,7 @@
         </p:nvSpPr>
         <p:spPr>
           <a:xfrm>
-            <a:off x="331788" y="696913"/>
+            <a:off x="407988" y="696913"/>
             <a:ext cx="6194425" cy="3486150"/>
           </a:xfrm>
         </p:spPr>
@@ -2857,7 +2857,7 @@
         </p:nvSpPr>
         <p:spPr>
           <a:xfrm>
-            <a:off x="331788" y="696913"/>
+            <a:off x="407988" y="696913"/>
             <a:ext cx="6194425" cy="3486150"/>
           </a:xfrm>
         </p:spPr>
@@ -2949,7 +2949,7 @@
         </p:nvSpPr>
         <p:spPr>
           <a:xfrm>
-            <a:off x="331788" y="696913"/>
+            <a:off x="407988" y="696913"/>
             <a:ext cx="6194425" cy="3486150"/>
           </a:xfrm>
         </p:spPr>
@@ -3047,7 +3047,7 @@
         </p:nvSpPr>
         <p:spPr>
           <a:xfrm>
-            <a:off x="331788" y="696913"/>
+            <a:off x="407988" y="696913"/>
             <a:ext cx="6194425" cy="3486150"/>
           </a:xfrm>
         </p:spPr>
@@ -9850,7 +9850,15 @@
           <a:p>
             <a:r>
               <a:rPr lang="en-US" dirty="0"/>
-              <a:t>Put linked folders at the top</a:t>
+              <a:t>Put all linked files (data</a:t>
+            </a:r>
+            <a:r>
+              <a:rPr lang="en-US"/>
+              <a:t>, scripts…) at </a:t>
+            </a:r>
+            <a:r>
+              <a:rPr lang="en-US" dirty="0"/>
+              <a:t>the top</a:t>
             </a:r>
           </a:p>
           <a:p>
@@ -11868,15 +11876,6 @@
 </file>
 
 <file path=customXml/item1.xml><?xml version="1.0" encoding="utf-8"?>
-<?mso-contentType ?>
-<FormTemplates xmlns="http://schemas.microsoft.com/sharepoint/v3/contenttype/forms">
-  <Display>DocumentLibraryForm</Display>
-  <Edit>DocumentLibraryForm</Edit>
-  <New>DocumentLibraryForm</New>
-</FormTemplates>
-</file>
-
-<file path=customXml/item2.xml><?xml version="1.0" encoding="utf-8"?>
 <ct:contentTypeSchema xmlns:ct="http://schemas.microsoft.com/office/2006/metadata/contentType" xmlns:ma="http://schemas.microsoft.com/office/2006/metadata/properties/metaAttributes" ct:_="" ma:_="" ma:contentTypeName="Document" ma:contentTypeID="0x0101003DB5B97B54300B4889C1AC7361F68213" ma:contentTypeVersion="14" ma:contentTypeDescription="Create a new document." ma:contentTypeScope="" ma:versionID="b3a4fb828f3a04ce1ee1646d58eb04a7">
   <xsd:schema xmlns:xsd="http://www.w3.org/2001/XMLSchema" xmlns:xs="http://www.w3.org/2001/XMLSchema" xmlns:p="http://schemas.microsoft.com/office/2006/metadata/properties" xmlns:ns1="http://schemas.microsoft.com/sharepoint/v3" xmlns:ns2="0b3136f0-a1b3-4de4-aaf6-47b51dbb702c" xmlns:ns3="3076eba4-c0ca-4bad-b773-16a3112e7607" targetNamespace="http://schemas.microsoft.com/office/2006/metadata/properties" ma:root="true" ma:fieldsID="fc7abf6f59e632741c2abb53f83e984a" ns1:_="" ns2:_="" ns3:_="">
     <xsd:import namespace="http://schemas.microsoft.com/sharepoint/v3"/>
@@ -12110,6 +12109,15 @@
 </ct:contentTypeSchema>
 </file>
 
+<file path=customXml/item2.xml><?xml version="1.0" encoding="utf-8"?>
+<?mso-contentType ?>
+<FormTemplates xmlns="http://schemas.microsoft.com/sharepoint/v3/contenttype/forms">
+  <Display>DocumentLibraryForm</Display>
+  <Edit>DocumentLibraryForm</Edit>
+  <New>DocumentLibraryForm</New>
+</FormTemplates>
+</file>
+
 <file path=customXml/item3.xml><?xml version="1.0" encoding="utf-8"?>
 <p:properties xmlns:p="http://schemas.microsoft.com/office/2006/metadata/properties" xmlns:xsi="http://www.w3.org/2001/XMLSchema-instance" xmlns:pc="http://schemas.microsoft.com/office/infopath/2007/PartnerControls">
   <documentManagement>
@@ -12120,14 +12128,6 @@
 </file>
 
 <file path=customXml/itemProps1.xml><?xml version="1.0" encoding="utf-8"?>
-<ds:datastoreItem xmlns:ds="http://schemas.openxmlformats.org/officeDocument/2006/customXml" ds:itemID="{33A2B218-4FC3-469B-A2C0-BF247A0E867B}">
-  <ds:schemaRefs>
-    <ds:schemaRef ds:uri="http://schemas.microsoft.com/sharepoint/v3/contenttype/forms"/>
-  </ds:schemaRefs>
-</ds:datastoreItem>
-</file>
-
-<file path=customXml/itemProps2.xml><?xml version="1.0" encoding="utf-8"?>
 <ds:datastoreItem xmlns:ds="http://schemas.openxmlformats.org/officeDocument/2006/customXml" ds:itemID="{F7CFC312-B933-4005-9ADA-34F165F7358A}">
   <ds:schemaRefs>
     <ds:schemaRef ds:uri="http://schemas.microsoft.com/office/2006/metadata/contentType"/>
@@ -12147,12 +12147,28 @@
 </ds:datastoreItem>
 </file>
 
+<file path=customXml/itemProps2.xml><?xml version="1.0" encoding="utf-8"?>
+<ds:datastoreItem xmlns:ds="http://schemas.openxmlformats.org/officeDocument/2006/customXml" ds:itemID="{33A2B218-4FC3-469B-A2C0-BF247A0E867B}">
+  <ds:schemaRefs>
+    <ds:schemaRef ds:uri="http://schemas.microsoft.com/sharepoint/v3/contenttype/forms"/>
+  </ds:schemaRefs>
+</ds:datastoreItem>
+</file>
+
 <file path=customXml/itemProps3.xml><?xml version="1.0" encoding="utf-8"?>
 <ds:datastoreItem xmlns:ds="http://schemas.openxmlformats.org/officeDocument/2006/customXml" ds:itemID="{60C67BEE-D13F-4BD2-98A5-34D8A0977F68}">
   <ds:schemaRefs>
+    <ds:schemaRef ds:uri="http://schemas.openxmlformats.org/package/2006/metadata/core-properties"/>
+    <ds:schemaRef ds:uri="http://schemas.microsoft.com/office/infopath/2007/PartnerControls"/>
     <ds:schemaRef ds:uri="http://schemas.microsoft.com/office/2006/metadata/properties"/>
-    <ds:schemaRef ds:uri="http://schemas.microsoft.com/office/infopath/2007/PartnerControls"/>
+    <ds:schemaRef ds:uri="http://schemas.microsoft.com/office/2006/documentManagement/types"/>
+    <ds:schemaRef ds:uri="0b3136f0-a1b3-4de4-aaf6-47b51dbb702c"/>
+    <ds:schemaRef ds:uri="http://purl.org/dc/terms/"/>
+    <ds:schemaRef ds:uri="http://purl.org/dc/elements/1.1/"/>
+    <ds:schemaRef ds:uri="http://www.w3.org/XML/1998/namespace"/>
+    <ds:schemaRef ds:uri="3076eba4-c0ca-4bad-b773-16a3112e7607"/>
     <ds:schemaRef ds:uri="http://schemas.microsoft.com/sharepoint/v3"/>
+    <ds:schemaRef ds:uri="http://purl.org/dc/dcmitype/"/>
   </ds:schemaRefs>
 </ds:datastoreItem>
 </file>
--- a/docs/RMD-Presentation.pptx
+++ b/docs/RMD-Presentation.pptx
@@ -172,12 +172,12 @@
   <pc:docChgLst>
     <pc:chgData name="Belinsky, Charles" userId="df390934-7dca-40c8-90db-c8d8d67e4ef2" providerId="ADAL" clId="{9D51384A-06A3-4410-8BBF-4FD5D23211D3}"/>
     <pc:docChg chg="undo custSel addSld modSld modMainMaster modNotesMaster modHandout modShowInfo">
-      <pc:chgData name="Belinsky, Charles" userId="df390934-7dca-40c8-90db-c8d8d67e4ef2" providerId="ADAL" clId="{9D51384A-06A3-4410-8BBF-4FD5D23211D3}" dt="2020-03-30T16:48:11.891" v="3827" actId="5793"/>
+      <pc:chgData name="Belinsky, Charles" userId="df390934-7dca-40c8-90db-c8d8d67e4ef2" providerId="ADAL" clId="{9D51384A-06A3-4410-8BBF-4FD5D23211D3}" dt="2020-03-30T16:56:21.978" v="3841" actId="6549"/>
       <pc:docMkLst>
         <pc:docMk/>
       </pc:docMkLst>
       <pc:sldChg chg="modSp mod modNotes modNotesTx">
-        <pc:chgData name="Belinsky, Charles" userId="df390934-7dca-40c8-90db-c8d8d67e4ef2" providerId="ADAL" clId="{9D51384A-06A3-4410-8BBF-4FD5D23211D3}" dt="2020-03-30T15:59:00.474" v="3798"/>
+        <pc:chgData name="Belinsky, Charles" userId="df390934-7dca-40c8-90db-c8d8d67e4ef2" providerId="ADAL" clId="{9D51384A-06A3-4410-8BBF-4FD5D23211D3}" dt="2020-03-30T16:56:01.323" v="3834" actId="6549"/>
         <pc:sldMkLst>
           <pc:docMk/>
           <pc:sldMk cId="3529114326" sldId="268"/>
@@ -192,7 +192,7 @@
         </pc:spChg>
       </pc:sldChg>
       <pc:sldChg chg="modSp mod modNotes modNotesTx">
-        <pc:chgData name="Belinsky, Charles" userId="df390934-7dca-40c8-90db-c8d8d67e4ef2" providerId="ADAL" clId="{9D51384A-06A3-4410-8BBF-4FD5D23211D3}" dt="2020-03-30T15:59:00.474" v="3798"/>
+        <pc:chgData name="Belinsky, Charles" userId="df390934-7dca-40c8-90db-c8d8d67e4ef2" providerId="ADAL" clId="{9D51384A-06A3-4410-8BBF-4FD5D23211D3}" dt="2020-03-30T16:56:16.444" v="3839" actId="6549"/>
         <pc:sldMkLst>
           <pc:docMk/>
           <pc:sldMk cId="2895583067" sldId="272"/>
@@ -207,7 +207,7 @@
         </pc:spChg>
       </pc:sldChg>
       <pc:sldChg chg="modSp mod modNotes modNotesTx">
-        <pc:chgData name="Belinsky, Charles" userId="df390934-7dca-40c8-90db-c8d8d67e4ef2" providerId="ADAL" clId="{9D51384A-06A3-4410-8BBF-4FD5D23211D3}" dt="2020-03-30T15:59:00.474" v="3798"/>
+        <pc:chgData name="Belinsky, Charles" userId="df390934-7dca-40c8-90db-c8d8d67e4ef2" providerId="ADAL" clId="{9D51384A-06A3-4410-8BBF-4FD5D23211D3}" dt="2020-03-30T16:55:56.795" v="3832" actId="6549"/>
         <pc:sldMkLst>
           <pc:docMk/>
           <pc:sldMk cId="2270281720" sldId="281"/>
@@ -222,7 +222,7 @@
         </pc:spChg>
       </pc:sldChg>
       <pc:sldChg chg="modSp mod modNotes modNotesTx">
-        <pc:chgData name="Belinsky, Charles" userId="df390934-7dca-40c8-90db-c8d8d67e4ef2" providerId="ADAL" clId="{9D51384A-06A3-4410-8BBF-4FD5D23211D3}" dt="2020-03-30T15:59:00.474" v="3798"/>
+        <pc:chgData name="Belinsky, Charles" userId="df390934-7dca-40c8-90db-c8d8d67e4ef2" providerId="ADAL" clId="{9D51384A-06A3-4410-8BBF-4FD5D23211D3}" dt="2020-03-30T16:56:03.443" v="3835" actId="6549"/>
         <pc:sldMkLst>
           <pc:docMk/>
           <pc:sldMk cId="2286440866" sldId="282"/>
@@ -245,7 +245,7 @@
         </pc:spChg>
       </pc:sldChg>
       <pc:sldChg chg="modSp mod modNotes modNotesTx">
-        <pc:chgData name="Belinsky, Charles" userId="df390934-7dca-40c8-90db-c8d8d67e4ef2" providerId="ADAL" clId="{9D51384A-06A3-4410-8BBF-4FD5D23211D3}" dt="2020-03-30T15:59:00.474" v="3798"/>
+        <pc:chgData name="Belinsky, Charles" userId="df390934-7dca-40c8-90db-c8d8d67e4ef2" providerId="ADAL" clId="{9D51384A-06A3-4410-8BBF-4FD5D23211D3}" dt="2020-03-30T16:56:05.178" v="3836" actId="6549"/>
         <pc:sldMkLst>
           <pc:docMk/>
           <pc:sldMk cId="1411325298" sldId="283"/>
@@ -268,7 +268,7 @@
         </pc:spChg>
       </pc:sldChg>
       <pc:sldChg chg="modSp mod modNotes modNotesTx">
-        <pc:chgData name="Belinsky, Charles" userId="df390934-7dca-40c8-90db-c8d8d67e4ef2" providerId="ADAL" clId="{9D51384A-06A3-4410-8BBF-4FD5D23211D3}" dt="2020-03-30T15:59:00.474" v="3798"/>
+        <pc:chgData name="Belinsky, Charles" userId="df390934-7dca-40c8-90db-c8d8d67e4ef2" providerId="ADAL" clId="{9D51384A-06A3-4410-8BBF-4FD5D23211D3}" dt="2020-03-30T16:56:07.570" v="3837" actId="6549"/>
         <pc:sldMkLst>
           <pc:docMk/>
           <pc:sldMk cId="3569865002" sldId="284"/>
@@ -290,8 +290,8 @@
           </ac:spMkLst>
         </pc:spChg>
       </pc:sldChg>
-      <pc:sldChg chg="modSp mod modNotes">
-        <pc:chgData name="Belinsky, Charles" userId="df390934-7dca-40c8-90db-c8d8d67e4ef2" providerId="ADAL" clId="{9D51384A-06A3-4410-8BBF-4FD5D23211D3}" dt="2020-03-30T15:59:00.474" v="3798"/>
+      <pc:sldChg chg="modSp mod modNotes modNotesTx">
+        <pc:chgData name="Belinsky, Charles" userId="df390934-7dca-40c8-90db-c8d8d67e4ef2" providerId="ADAL" clId="{9D51384A-06A3-4410-8BBF-4FD5D23211D3}" dt="2020-03-30T16:56:12.331" v="3838" actId="6549"/>
         <pc:sldMkLst>
           <pc:docMk/>
           <pc:sldMk cId="4124782566" sldId="285"/>
@@ -337,7 +337,7 @@
         </pc:spChg>
       </pc:sldChg>
       <pc:sldChg chg="modSp mod modNotes modNotesTx">
-        <pc:chgData name="Belinsky, Charles" userId="df390934-7dca-40c8-90db-c8d8d67e4ef2" providerId="ADAL" clId="{9D51384A-06A3-4410-8BBF-4FD5D23211D3}" dt="2020-03-30T15:59:00.474" v="3798"/>
+        <pc:chgData name="Belinsky, Charles" userId="df390934-7dca-40c8-90db-c8d8d67e4ef2" providerId="ADAL" clId="{9D51384A-06A3-4410-8BBF-4FD5D23211D3}" dt="2020-03-30T16:56:20.106" v="3840" actId="6549"/>
         <pc:sldMkLst>
           <pc:docMk/>
           <pc:sldMk cId="1509648475" sldId="289"/>
@@ -360,7 +360,7 @@
         </pc:spChg>
       </pc:sldChg>
       <pc:sldChg chg="modSp mod modNotes modNotesTx">
-        <pc:chgData name="Belinsky, Charles" userId="df390934-7dca-40c8-90db-c8d8d67e4ef2" providerId="ADAL" clId="{9D51384A-06A3-4410-8BBF-4FD5D23211D3}" dt="2020-03-30T15:59:00.474" v="3798"/>
+        <pc:chgData name="Belinsky, Charles" userId="df390934-7dca-40c8-90db-c8d8d67e4ef2" providerId="ADAL" clId="{9D51384A-06A3-4410-8BBF-4FD5D23211D3}" dt="2020-03-30T16:56:21.978" v="3841" actId="6549"/>
         <pc:sldMkLst>
           <pc:docMk/>
           <pc:sldMk cId="3969417241" sldId="290"/>
@@ -406,7 +406,7 @@
         </pc:spChg>
       </pc:sldChg>
       <pc:sldChg chg="modSp mod modNotes modNotesTx">
-        <pc:chgData name="Belinsky, Charles" userId="df390934-7dca-40c8-90db-c8d8d67e4ef2" providerId="ADAL" clId="{9D51384A-06A3-4410-8BBF-4FD5D23211D3}" dt="2020-03-30T15:59:00.474" v="3798"/>
+        <pc:chgData name="Belinsky, Charles" userId="df390934-7dca-40c8-90db-c8d8d67e4ef2" providerId="ADAL" clId="{9D51384A-06A3-4410-8BBF-4FD5D23211D3}" dt="2020-03-30T16:55:59.139" v="3833" actId="6549"/>
         <pc:sldMkLst>
           <pc:docMk/>
           <pc:sldMk cId="1690464180" sldId="293"/>
@@ -443,8 +443,8 @@
           </ac:spMkLst>
         </pc:spChg>
       </pc:sldChg>
-      <pc:sldChg chg="modSp mod modNotes">
-        <pc:chgData name="Belinsky, Charles" userId="df390934-7dca-40c8-90db-c8d8d67e4ef2" providerId="ADAL" clId="{9D51384A-06A3-4410-8BBF-4FD5D23211D3}" dt="2020-03-30T15:59:00.474" v="3798"/>
+      <pc:sldChg chg="modSp mod modNotes modNotesTx">
+        <pc:chgData name="Belinsky, Charles" userId="df390934-7dca-40c8-90db-c8d8d67e4ef2" providerId="ADAL" clId="{9D51384A-06A3-4410-8BBF-4FD5D23211D3}" dt="2020-03-30T16:55:52.052" v="3830" actId="6549"/>
         <pc:sldMkLst>
           <pc:docMk/>
           <pc:sldMk cId="2109213187" sldId="295"/>
@@ -458,8 +458,8 @@
           </ac:spMkLst>
         </pc:spChg>
       </pc:sldChg>
-      <pc:sldChg chg="modSp mod modNotes">
-        <pc:chgData name="Belinsky, Charles" userId="df390934-7dca-40c8-90db-c8d8d67e4ef2" providerId="ADAL" clId="{9D51384A-06A3-4410-8BBF-4FD5D23211D3}" dt="2020-03-30T16:48:11.891" v="3827" actId="5793"/>
+      <pc:sldChg chg="modSp mod modNotes modNotesTx">
+        <pc:chgData name="Belinsky, Charles" userId="df390934-7dca-40c8-90db-c8d8d67e4ef2" providerId="ADAL" clId="{9D51384A-06A3-4410-8BBF-4FD5D23211D3}" dt="2020-03-30T16:55:54.402" v="3831" actId="6549"/>
         <pc:sldMkLst>
           <pc:docMk/>
           <pc:sldMk cId="139896278" sldId="297"/>
@@ -474,7 +474,7 @@
         </pc:spChg>
       </pc:sldChg>
       <pc:sldChg chg="modSp mod modNotes modNotesTx">
-        <pc:chgData name="Belinsky, Charles" userId="df390934-7dca-40c8-90db-c8d8d67e4ef2" providerId="ADAL" clId="{9D51384A-06A3-4410-8BBF-4FD5D23211D3}" dt="2020-03-30T15:59:00.474" v="3798"/>
+        <pc:chgData name="Belinsky, Charles" userId="df390934-7dca-40c8-90db-c8d8d67e4ef2" providerId="ADAL" clId="{9D51384A-06A3-4410-8BBF-4FD5D23211D3}" dt="2020-03-30T16:55:45.100" v="3828" actId="6549"/>
         <pc:sldMkLst>
           <pc:docMk/>
           <pc:sldMk cId="3336794585" sldId="299"/>
@@ -505,7 +505,7 @@
         </pc:spChg>
       </pc:sldChg>
       <pc:sldChg chg="modSp add mod modNotes modNotesTx">
-        <pc:chgData name="Belinsky, Charles" userId="df390934-7dca-40c8-90db-c8d8d67e4ef2" providerId="ADAL" clId="{9D51384A-06A3-4410-8BBF-4FD5D23211D3}" dt="2020-03-30T15:59:00.474" v="3798"/>
+        <pc:chgData name="Belinsky, Charles" userId="df390934-7dca-40c8-90db-c8d8d67e4ef2" providerId="ADAL" clId="{9D51384A-06A3-4410-8BBF-4FD5D23211D3}" dt="2020-03-30T16:55:49.691" v="3829" actId="6549"/>
         <pc:sldMkLst>
           <pc:docMk/>
           <pc:sldMk cId="3229575491" sldId="300"/>
@@ -1496,10 +1496,7 @@
           <a:bodyPr/>
           <a:lstStyle/>
           <a:p>
-            <a:r>
-              <a:rPr lang="en-US" dirty="0"/>
-              <a:t>YS document – internal script</a:t>
-            </a:r>
+            <a:endParaRPr lang="en-US" dirty="0"/>
           </a:p>
         </p:txBody>
       </p:sp>
@@ -1588,22 +1585,7 @@
           <a:bodyPr/>
           <a:lstStyle/>
           <a:p>
-            <a:r>
-              <a:rPr lang="en-US" dirty="0"/>
-              <a:t>Still bad practice…</a:t>
-            </a:r>
-          </a:p>
-          <a:p>
-            <a:r>
-              <a:rPr lang="en-US" dirty="0"/>
-              <a:t>EVAL and ECHO = FALSE: test code (commented out code)</a:t>
-            </a:r>
-          </a:p>
-          <a:p>
-            <a:r>
-              <a:rPr lang="en-US" dirty="0"/>
-              <a:t>EVAL = FALSE and ECHO = TRUE is generally only used in a tutorial</a:t>
-            </a:r>
+            <a:endParaRPr lang="en-US" dirty="0"/>
           </a:p>
         </p:txBody>
       </p:sp>
@@ -1692,22 +1674,7 @@
           <a:bodyPr/>
           <a:lstStyle/>
           <a:p>
-            <a:r>
-              <a:rPr lang="en-US" dirty="0"/>
-              <a:t>Development takes place outside of RMD – generally this is preferred</a:t>
-            </a:r>
-          </a:p>
-          <a:p>
-            <a:r>
-              <a:rPr lang="en-US" dirty="0"/>
-              <a:t>Same code as last example</a:t>
-            </a:r>
-          </a:p>
-          <a:p>
-            <a:r>
-              <a:rPr lang="en-US" dirty="0"/>
-              <a:t>RMD is calling an R script file – these two formats use different systems to figure out the working directory</a:t>
-            </a:r>
+            <a:endParaRPr lang="en-US" dirty="0"/>
           </a:p>
         </p:txBody>
       </p:sp>
@@ -1796,7 +1763,7 @@
           <a:bodyPr/>
           <a:lstStyle/>
           <a:p>
-            <a:endParaRPr lang="en-US"/>
+            <a:endParaRPr lang="en-US" dirty="0"/>
           </a:p>
         </p:txBody>
       </p:sp>
@@ -1885,32 +1852,7 @@
           <a:bodyPr/>
           <a:lstStyle/>
           <a:p>
-            <a:r>
-              <a:rPr lang="en-US" dirty="0" err="1"/>
-              <a:t>Rmd</a:t>
-            </a:r>
-            <a:r>
-              <a:rPr lang="en-US" dirty="0"/>
-              <a:t>: Use Header structure</a:t>
-            </a:r>
-          </a:p>
-          <a:p>
-            <a:r>
-              <a:rPr lang="en-US" dirty="0"/>
-              <a:t>HTML: Hyperlink Text Markup Language</a:t>
-            </a:r>
-          </a:p>
-          <a:p>
-            <a:r>
-              <a:rPr lang="en-US" dirty="0"/>
-              <a:t>LaTeX</a:t>
-            </a:r>
-          </a:p>
-          <a:p>
-            <a:r>
-              <a:rPr lang="en-US" dirty="0"/>
-              <a:t>XML: Extensible Markup Language</a:t>
-            </a:r>
+            <a:endParaRPr lang="en-US" dirty="0"/>
           </a:p>
         </p:txBody>
       </p:sp>
@@ -1999,7 +1941,7 @@
           <a:bodyPr/>
           <a:lstStyle/>
           <a:p>
-            <a:endParaRPr lang="en-US"/>
+            <a:endParaRPr lang="en-US" dirty="0"/>
           </a:p>
         </p:txBody>
       </p:sp>
@@ -2088,10 +2030,7 @@
           <a:bodyPr/>
           <a:lstStyle/>
           <a:p>
-            <a:r>
-              <a:rPr lang="en-US" dirty="0"/>
-              <a:t>Execute 01-WindAndTemps.R to see Environment</a:t>
-            </a:r>
+            <a:endParaRPr lang="en-US" dirty="0"/>
           </a:p>
         </p:txBody>
       </p:sp>
@@ -2180,14 +2119,6 @@
           <a:bodyPr/>
           <a:lstStyle/>
           <a:p>
-            <a:r>
-              <a:rPr lang="en-US" dirty="0"/>
-              <a:t>Color change to hyperlinks -- </a:t>
-            </a:r>
-            <a:r>
-              <a:rPr lang="en-US" dirty="0" err="1"/>
-              <a:t>urlcolor</a:t>
-            </a:r>
             <a:endParaRPr lang="en-US" dirty="0"/>
           </a:p>
         </p:txBody>
@@ -2373,16 +2304,7 @@
           <a:bodyPr/>
           <a:lstStyle/>
           <a:p>
-            <a:r>
-              <a:rPr lang="en-US" dirty="0"/>
-              <a:t>Could do a whole workshop on just these three things… that are taught to programmers in the first year</a:t>
-            </a:r>
-          </a:p>
-          <a:p>
-            <a:r>
-              <a:rPr lang="en-US" dirty="0"/>
-              <a:t>For this workshop, I have done my best to hack around these issues</a:t>
-            </a:r>
+            <a:endParaRPr lang="en-US" dirty="0"/>
           </a:p>
         </p:txBody>
       </p:sp>
@@ -2471,16 +2393,7 @@
           <a:bodyPr/>
           <a:lstStyle/>
           <a:p>
-            <a:r>
-              <a:rPr lang="en-US" dirty="0"/>
-              <a:t>Test chat here – send link and file (instructions for downloading and executing the GitHub repo)</a:t>
-            </a:r>
-          </a:p>
-          <a:p>
-            <a:r>
-              <a:rPr lang="en-US" dirty="0"/>
-              <a:t>Can send files through Zoom</a:t>
-            </a:r>
+            <a:endParaRPr lang="en-US" dirty="0"/>
           </a:p>
         </p:txBody>
       </p:sp>
@@ -2569,22 +2482,7 @@
           <a:bodyPr/>
           <a:lstStyle/>
           <a:p>
-            <a:r>
-              <a:rPr lang="en-US" dirty="0"/>
-              <a:t>Show 01.R</a:t>
-            </a:r>
-          </a:p>
-          <a:p>
-            <a:r>
-              <a:rPr lang="en-US" dirty="0"/>
-              <a:t>Use sourced script in example 5</a:t>
-            </a:r>
-          </a:p>
-          <a:p>
-            <a:r>
-              <a:rPr lang="en-US" dirty="0"/>
-              <a:t>RMD does allow cat() and print() but it does not look good</a:t>
-            </a:r>
+            <a:endParaRPr lang="en-US" dirty="0"/>
           </a:p>
         </p:txBody>
       </p:sp>
@@ -2673,18 +2571,6 @@
           <a:bodyPr/>
           <a:lstStyle/>
           <a:p>
-            <a:r>
-              <a:rPr lang="en-US" dirty="0"/>
-              <a:t>Just here to show you some of the complexities of Working Directories</a:t>
-            </a:r>
-          </a:p>
-          <a:p>
-            <a:r>
-              <a:rPr lang="en-US" dirty="0"/>
-              <a:t>Still does not work for you:  Uncomment the URL link (another hack…)</a:t>
-            </a:r>
-          </a:p>
-          <a:p>
             <a:endParaRPr lang="en-US" dirty="0"/>
           </a:p>
         </p:txBody>
@@ -2774,20 +2660,6 @@
           <a:bodyPr/>
           <a:lstStyle/>
           <a:p>
-            <a:r>
-              <a:rPr lang="en-US" dirty="0"/>
-              <a:t>The worse way to do this… but the easiest</a:t>
-            </a:r>
-          </a:p>
-          <a:p>
-            <a:r>
-              <a:rPr lang="en-US" dirty="0"/>
-              <a:t>Can follow along – this is a copy of the 02*.</a:t>
-            </a:r>
-            <a:r>
-              <a:rPr lang="en-US" dirty="0" err="1"/>
-              <a:t>Rmd</a:t>
-            </a:r>
             <a:endParaRPr lang="en-US" dirty="0"/>
           </a:p>
         </p:txBody>
@@ -2877,10 +2749,7 @@
           <a:bodyPr/>
           <a:lstStyle/>
           <a:p>
-            <a:r>
-              <a:rPr lang="en-US" dirty="0"/>
-              <a:t>Can also use Python instead of R</a:t>
-            </a:r>
+            <a:endParaRPr lang="en-US" dirty="0"/>
           </a:p>
         </p:txBody>
       </p:sp>
@@ -2969,16 +2838,7 @@
           <a:bodyPr/>
           <a:lstStyle/>
           <a:p>
-            <a:r>
-              <a:rPr lang="en-US" dirty="0"/>
-              <a:t>Tutorial vs reports</a:t>
-            </a:r>
-          </a:p>
-          <a:p>
-            <a:r>
-              <a:rPr lang="en-US" dirty="0"/>
-              <a:t>Can delete author and date</a:t>
-            </a:r>
+            <a:endParaRPr lang="en-US" dirty="0"/>
           </a:p>
         </p:txBody>
       </p:sp>
@@ -3067,32 +2927,6 @@
           <a:bodyPr/>
           <a:lstStyle/>
           <a:p>
-            <a:r>
-              <a:rPr lang="en-US" dirty="0"/>
-              <a:t>This workshop is geared towards a PDF document but…</a:t>
-            </a:r>
-          </a:p>
-          <a:p>
-            <a:r>
-              <a:rPr lang="en-US" dirty="0" err="1"/>
-              <a:t>Rmd</a:t>
-            </a:r>
-            <a:r>
-              <a:rPr lang="en-US" dirty="0"/>
-              <a:t> is a bridge to the other documents</a:t>
-            </a:r>
-          </a:p>
-          <a:p>
-            <a:r>
-              <a:rPr lang="en-US" dirty="0"/>
-              <a:t>Conversions: HTML </a:t>
-            </a:r>
-            <a:r>
-              <a:rPr lang="en-US" dirty="0">
-                <a:sym typeface="Wingdings" panose="05000000000000000000" pitchFamily="2" charset="2"/>
-              </a:rPr>
-              <a:t> PDF</a:t>
-            </a:r>
             <a:endParaRPr lang="en-US" dirty="0"/>
           </a:p>
         </p:txBody>
@@ -11876,6 +11710,15 @@
 </file>
 
 <file path=customXml/item1.xml><?xml version="1.0" encoding="utf-8"?>
+<?mso-contentType ?>
+<FormTemplates xmlns="http://schemas.microsoft.com/sharepoint/v3/contenttype/forms">
+  <Display>DocumentLibraryForm</Display>
+  <Edit>DocumentLibraryForm</Edit>
+  <New>DocumentLibraryForm</New>
+</FormTemplates>
+</file>
+
+<file path=customXml/item2.xml><?xml version="1.0" encoding="utf-8"?>
 <ct:contentTypeSchema xmlns:ct="http://schemas.microsoft.com/office/2006/metadata/contentType" xmlns:ma="http://schemas.microsoft.com/office/2006/metadata/properties/metaAttributes" ct:_="" ma:_="" ma:contentTypeName="Document" ma:contentTypeID="0x0101003DB5B97B54300B4889C1AC7361F68213" ma:contentTypeVersion="14" ma:contentTypeDescription="Create a new document." ma:contentTypeScope="" ma:versionID="b3a4fb828f3a04ce1ee1646d58eb04a7">
   <xsd:schema xmlns:xsd="http://www.w3.org/2001/XMLSchema" xmlns:xs="http://www.w3.org/2001/XMLSchema" xmlns:p="http://schemas.microsoft.com/office/2006/metadata/properties" xmlns:ns1="http://schemas.microsoft.com/sharepoint/v3" xmlns:ns2="0b3136f0-a1b3-4de4-aaf6-47b51dbb702c" xmlns:ns3="3076eba4-c0ca-4bad-b773-16a3112e7607" targetNamespace="http://schemas.microsoft.com/office/2006/metadata/properties" ma:root="true" ma:fieldsID="fc7abf6f59e632741c2abb53f83e984a" ns1:_="" ns2:_="" ns3:_="">
     <xsd:import namespace="http://schemas.microsoft.com/sharepoint/v3"/>
@@ -12109,15 +11952,6 @@
 </ct:contentTypeSchema>
 </file>
 
-<file path=customXml/item2.xml><?xml version="1.0" encoding="utf-8"?>
-<?mso-contentType ?>
-<FormTemplates xmlns="http://schemas.microsoft.com/sharepoint/v3/contenttype/forms">
-  <Display>DocumentLibraryForm</Display>
-  <Edit>DocumentLibraryForm</Edit>
-  <New>DocumentLibraryForm</New>
-</FormTemplates>
-</file>
-
 <file path=customXml/item3.xml><?xml version="1.0" encoding="utf-8"?>
 <p:properties xmlns:p="http://schemas.microsoft.com/office/2006/metadata/properties" xmlns:xsi="http://www.w3.org/2001/XMLSchema-instance" xmlns:pc="http://schemas.microsoft.com/office/infopath/2007/PartnerControls">
   <documentManagement>
@@ -12128,6 +11962,14 @@
 </file>
 
 <file path=customXml/itemProps1.xml><?xml version="1.0" encoding="utf-8"?>
+<ds:datastoreItem xmlns:ds="http://schemas.openxmlformats.org/officeDocument/2006/customXml" ds:itemID="{33A2B218-4FC3-469B-A2C0-BF247A0E867B}">
+  <ds:schemaRefs>
+    <ds:schemaRef ds:uri="http://schemas.microsoft.com/sharepoint/v3/contenttype/forms"/>
+  </ds:schemaRefs>
+</ds:datastoreItem>
+</file>
+
+<file path=customXml/itemProps2.xml><?xml version="1.0" encoding="utf-8"?>
 <ds:datastoreItem xmlns:ds="http://schemas.openxmlformats.org/officeDocument/2006/customXml" ds:itemID="{F7CFC312-B933-4005-9ADA-34F165F7358A}">
   <ds:schemaRefs>
     <ds:schemaRef ds:uri="http://schemas.microsoft.com/office/2006/metadata/contentType"/>
@@ -12147,28 +11989,12 @@
 </ds:datastoreItem>
 </file>
 
-<file path=customXml/itemProps2.xml><?xml version="1.0" encoding="utf-8"?>
-<ds:datastoreItem xmlns:ds="http://schemas.openxmlformats.org/officeDocument/2006/customXml" ds:itemID="{33A2B218-4FC3-469B-A2C0-BF247A0E867B}">
-  <ds:schemaRefs>
-    <ds:schemaRef ds:uri="http://schemas.microsoft.com/sharepoint/v3/contenttype/forms"/>
-  </ds:schemaRefs>
-</ds:datastoreItem>
-</file>
-
 <file path=customXml/itemProps3.xml><?xml version="1.0" encoding="utf-8"?>
 <ds:datastoreItem xmlns:ds="http://schemas.openxmlformats.org/officeDocument/2006/customXml" ds:itemID="{60C67BEE-D13F-4BD2-98A5-34D8A0977F68}">
   <ds:schemaRefs>
-    <ds:schemaRef ds:uri="http://schemas.openxmlformats.org/package/2006/metadata/core-properties"/>
+    <ds:schemaRef ds:uri="http://schemas.microsoft.com/office/2006/metadata/properties"/>
     <ds:schemaRef ds:uri="http://schemas.microsoft.com/office/infopath/2007/PartnerControls"/>
-    <ds:schemaRef ds:uri="http://schemas.microsoft.com/office/2006/metadata/properties"/>
-    <ds:schemaRef ds:uri="http://schemas.microsoft.com/office/2006/documentManagement/types"/>
-    <ds:schemaRef ds:uri="0b3136f0-a1b3-4de4-aaf6-47b51dbb702c"/>
-    <ds:schemaRef ds:uri="http://purl.org/dc/terms/"/>
-    <ds:schemaRef ds:uri="http://purl.org/dc/elements/1.1/"/>
-    <ds:schemaRef ds:uri="http://www.w3.org/XML/1998/namespace"/>
-    <ds:schemaRef ds:uri="3076eba4-c0ca-4bad-b773-16a3112e7607"/>
     <ds:schemaRef ds:uri="http://schemas.microsoft.com/sharepoint/v3"/>
-    <ds:schemaRef ds:uri="http://purl.org/dc/dcmitype/"/>
   </ds:schemaRefs>
 </ds:datastoreItem>
 </file>